--- a/Artefakte/Audit 4/Entwicklungsprojekt202122_PettingerJetz.pptx
+++ b/Artefakte/Audit 4/Entwicklungsprojekt202122_PettingerJetz.pptx
@@ -5,17 +5,24 @@
     <p:sldMasterId id="2147483648" r:id="rId1"/>
   </p:sldMasterIdLst>
   <p:notesMasterIdLst>
-    <p:notesMasterId r:id="rId7"/>
+    <p:notesMasterId r:id="rId14"/>
   </p:notesMasterIdLst>
   <p:handoutMasterIdLst>
-    <p:handoutMasterId r:id="rId8"/>
+    <p:handoutMasterId r:id="rId15"/>
   </p:handoutMasterIdLst>
   <p:sldIdLst>
     <p:sldId id="256" r:id="rId2"/>
     <p:sldId id="259" r:id="rId3"/>
-    <p:sldId id="260" r:id="rId4"/>
-    <p:sldId id="261" r:id="rId5"/>
-    <p:sldId id="257" r:id="rId6"/>
+    <p:sldId id="262" r:id="rId4"/>
+    <p:sldId id="264" r:id="rId5"/>
+    <p:sldId id="263" r:id="rId6"/>
+    <p:sldId id="265" r:id="rId7"/>
+    <p:sldId id="267" r:id="rId8"/>
+    <p:sldId id="268" r:id="rId9"/>
+    <p:sldId id="266" r:id="rId10"/>
+    <p:sldId id="269" r:id="rId11"/>
+    <p:sldId id="261" r:id="rId12"/>
+    <p:sldId id="257" r:id="rId13"/>
   </p:sldIdLst>
   <p:sldSz cx="9144000" cy="6858000" type="screen4x3"/>
   <p:notesSz cx="9601200" cy="7315200"/>
@@ -2248,6 +2255,606 @@
 </p:notes>
 </file>
 
+<file path=ppt/notesSlides/notesSlide10.xml><?xml version="1.0" encoding="utf-8"?>
+<p:notes xmlns:a="http://schemas.openxmlformats.org/drawingml/2006/main" xmlns:r="http://schemas.openxmlformats.org/officeDocument/2006/relationships" xmlns:p="http://schemas.openxmlformats.org/presentationml/2006/main">
+  <p:cSld>
+    <p:spTree>
+      <p:nvGrpSpPr>
+        <p:cNvPr id="1" name=""/>
+        <p:cNvGrpSpPr/>
+        <p:nvPr/>
+      </p:nvGrpSpPr>
+      <p:grpSpPr>
+        <a:xfrm>
+          <a:off x="0" y="0"/>
+          <a:ext cx="0" cy="0"/>
+          <a:chOff x="0" y="0"/>
+          <a:chExt cx="0" cy="0"/>
+        </a:xfrm>
+      </p:grpSpPr>
+      <p:sp>
+        <p:nvSpPr>
+          <p:cNvPr id="2" name="Folienbildplatzhalter 1"/>
+          <p:cNvSpPr>
+            <a:spLocks noGrp="1" noRot="1" noChangeAspect="1"/>
+          </p:cNvSpPr>
+          <p:nvPr>
+            <p:ph type="sldImg"/>
+          </p:nvPr>
+        </p:nvSpPr>
+        <p:spPr/>
+      </p:sp>
+      <p:sp>
+        <p:nvSpPr>
+          <p:cNvPr id="3" name="Notizenplatzhalter 2"/>
+          <p:cNvSpPr>
+            <a:spLocks noGrp="1"/>
+          </p:cNvSpPr>
+          <p:nvPr>
+            <p:ph type="body" idx="1"/>
+          </p:nvPr>
+        </p:nvSpPr>
+        <p:spPr/>
+        <p:txBody>
+          <a:bodyPr/>
+          <a:lstStyle/>
+          <a:p>
+            <a:r>
+              <a:rPr lang="de-DE" dirty="0"/>
+              <a:t>Admin = Betreuer</a:t>
+            </a:r>
+          </a:p>
+          <a:p>
+            <a:r>
+              <a:rPr lang="de-DE" dirty="0"/>
+              <a:t>User = zu betreuende Person</a:t>
+            </a:r>
+          </a:p>
+          <a:p>
+            <a:endParaRPr lang="de-DE" dirty="0"/>
+          </a:p>
+          <a:p>
+            <a:r>
+              <a:rPr lang="de-DE" dirty="0"/>
+              <a:t>Ablaufbeschreibung: https://github.com/SJetz/EPWS2122JetzPettinger/wiki/Ablaufbeschreibungen</a:t>
+            </a:r>
+          </a:p>
+          <a:p>
+            <a:endParaRPr lang="de-DE" dirty="0"/>
+          </a:p>
+          <a:p>
+            <a:r>
+              <a:rPr lang="de-DE" dirty="0"/>
+              <a:t>Bearbeiten: </a:t>
+            </a:r>
+          </a:p>
+          <a:p>
+            <a:pPr marL="171450" indent="-171450">
+              <a:buFont typeface="Arial" panose="020B0604020202020204" pitchFamily="34" charset="0"/>
+              <a:buChar char="•"/>
+            </a:pPr>
+            <a:r>
+              <a:rPr lang="de-DE" dirty="0"/>
+              <a:t>Warnung wird ausgegeben, dass der Warenkorb gelöscht wird.</a:t>
+            </a:r>
+          </a:p>
+          <a:p>
+            <a:pPr marL="171450" indent="-171450">
+              <a:buFont typeface="Arial" panose="020B0604020202020204" pitchFamily="34" charset="0"/>
+              <a:buChar char="•"/>
+            </a:pPr>
+            <a:r>
+              <a:rPr lang="de-DE" dirty="0"/>
+              <a:t>Dies ist der Fall, da der gesamte User gelöscht wird. D.h. Sein Eintrag in der Userdaten-Tabelle, sowie die </a:t>
+            </a:r>
+            <a:r>
+              <a:rPr lang="de-DE" dirty="0" err="1"/>
+              <a:t>Warenkorb+Name-Tabelle</a:t>
+            </a:r>
+            <a:r>
+              <a:rPr lang="de-DE" dirty="0"/>
+              <a:t> wird gelöscht</a:t>
+            </a:r>
+          </a:p>
+          <a:p>
+            <a:pPr marL="171450" indent="-171450">
+              <a:buFont typeface="Arial" panose="020B0604020202020204" pitchFamily="34" charset="0"/>
+              <a:buChar char="•"/>
+            </a:pPr>
+            <a:endParaRPr lang="de-DE" dirty="0"/>
+          </a:p>
+          <a:p>
+            <a:pPr marL="0" indent="0">
+              <a:buFont typeface="Arial" panose="020B0604020202020204" pitchFamily="34" charset="0"/>
+              <a:buNone/>
+            </a:pPr>
+            <a:endParaRPr lang="de-DE" dirty="0"/>
+          </a:p>
+          <a:p>
+            <a:pPr marL="0" indent="0">
+              <a:buFont typeface="Arial" panose="020B0604020202020204" pitchFamily="34" charset="0"/>
+              <a:buNone/>
+            </a:pPr>
+            <a:r>
+              <a:rPr lang="de-DE" dirty="0"/>
+              <a:t>Löschen: </a:t>
+            </a:r>
+          </a:p>
+          <a:p>
+            <a:pPr marL="171450" indent="-171450">
+              <a:buFont typeface="Arial" panose="020B0604020202020204" pitchFamily="34" charset="0"/>
+              <a:buChar char="•"/>
+            </a:pPr>
+            <a:r>
+              <a:rPr lang="de-DE" sz="1200" dirty="0">
+                <a:highlight>
+                  <a:srgbClr val="FFFF00"/>
+                </a:highlight>
+                <a:latin typeface="Corbel" panose="020B0503020204020204" pitchFamily="34" charset="0"/>
+                <a:sym typeface="Wingdings" panose="05000000000000000000" pitchFamily="2" charset="2"/>
+              </a:rPr>
+              <a:t>Wenn alle User gelöscht  Aufforderung zum Anlegen eines neuen Users</a:t>
+            </a:r>
+          </a:p>
+          <a:p>
+            <a:pPr marL="171450" indent="-171450">
+              <a:buFont typeface="Arial" panose="020B0604020202020204" pitchFamily="34" charset="0"/>
+              <a:buChar char="•"/>
+            </a:pPr>
+            <a:r>
+              <a:rPr lang="de-DE" sz="1200" dirty="0">
+                <a:highlight>
+                  <a:srgbClr val="FFFF00"/>
+                </a:highlight>
+                <a:latin typeface="Corbel" panose="020B0503020204020204" pitchFamily="34" charset="0"/>
+                <a:sym typeface="Wingdings" panose="05000000000000000000" pitchFamily="2" charset="2"/>
+              </a:rPr>
+              <a:t>Hier für wird die </a:t>
+            </a:r>
+            <a:r>
+              <a:rPr lang="de-DE" sz="1200" dirty="0" err="1">
+                <a:highlight>
+                  <a:srgbClr val="FFFF00"/>
+                </a:highlight>
+                <a:latin typeface="Corbel" panose="020B0503020204020204" pitchFamily="34" charset="0"/>
+                <a:sym typeface="Wingdings" panose="05000000000000000000" pitchFamily="2" charset="2"/>
+              </a:rPr>
+              <a:t>UserCreationActivity</a:t>
+            </a:r>
+            <a:r>
+              <a:rPr lang="de-DE" sz="1200" dirty="0">
+                <a:highlight>
+                  <a:srgbClr val="FFFF00"/>
+                </a:highlight>
+                <a:latin typeface="Corbel" panose="020B0503020204020204" pitchFamily="34" charset="0"/>
+                <a:sym typeface="Wingdings" panose="05000000000000000000" pitchFamily="2" charset="2"/>
+              </a:rPr>
+              <a:t> aufgerufen und kann nicht umgangen werden</a:t>
+            </a:r>
+            <a:endParaRPr lang="de-DE" dirty="0"/>
+          </a:p>
+          <a:p>
+            <a:pPr marL="171450" indent="-171450">
+              <a:buFont typeface="Arial" panose="020B0604020202020204" pitchFamily="34" charset="0"/>
+              <a:buChar char="•"/>
+            </a:pPr>
+            <a:endParaRPr lang="de-DE" dirty="0"/>
+          </a:p>
+          <a:p>
+            <a:endParaRPr lang="de-DE" dirty="0"/>
+          </a:p>
+        </p:txBody>
+      </p:sp>
+    </p:spTree>
+    <p:extLst>
+      <p:ext uri="{BB962C8B-B14F-4D97-AF65-F5344CB8AC3E}">
+        <p14:creationId xmlns:p14="http://schemas.microsoft.com/office/powerpoint/2010/main" val="2610470948"/>
+      </p:ext>
+    </p:extLst>
+  </p:cSld>
+  <p:clrMapOvr>
+    <a:masterClrMapping/>
+  </p:clrMapOvr>
+</p:notes>
+</file>
+
+<file path=ppt/notesSlides/notesSlide11.xml><?xml version="1.0" encoding="utf-8"?>
+<p:notes xmlns:a="http://schemas.openxmlformats.org/drawingml/2006/main" xmlns:r="http://schemas.openxmlformats.org/officeDocument/2006/relationships" xmlns:p="http://schemas.openxmlformats.org/presentationml/2006/main">
+  <p:cSld>
+    <p:spTree>
+      <p:nvGrpSpPr>
+        <p:cNvPr id="1" name=""/>
+        <p:cNvGrpSpPr/>
+        <p:nvPr/>
+      </p:nvGrpSpPr>
+      <p:grpSpPr>
+        <a:xfrm>
+          <a:off x="0" y="0"/>
+          <a:ext cx="0" cy="0"/>
+          <a:chOff x="0" y="0"/>
+          <a:chExt cx="0" cy="0"/>
+        </a:xfrm>
+      </p:grpSpPr>
+      <p:sp>
+        <p:nvSpPr>
+          <p:cNvPr id="2" name="Folienbildplatzhalter 1"/>
+          <p:cNvSpPr>
+            <a:spLocks noGrp="1" noRot="1" noChangeAspect="1"/>
+          </p:cNvSpPr>
+          <p:nvPr>
+            <p:ph type="sldImg"/>
+          </p:nvPr>
+        </p:nvSpPr>
+        <p:spPr/>
+      </p:sp>
+      <p:sp>
+        <p:nvSpPr>
+          <p:cNvPr id="3" name="Notizenplatzhalter 2"/>
+          <p:cNvSpPr>
+            <a:spLocks noGrp="1"/>
+          </p:cNvSpPr>
+          <p:nvPr>
+            <p:ph type="body" idx="1"/>
+          </p:nvPr>
+        </p:nvSpPr>
+        <p:spPr/>
+        <p:txBody>
+          <a:bodyPr/>
+          <a:lstStyle/>
+          <a:p>
+            <a:r>
+              <a:rPr lang="de-DE" dirty="0"/>
+              <a:t>Methodenerläuterung:</a:t>
+            </a:r>
+          </a:p>
+        </p:txBody>
+      </p:sp>
+    </p:spTree>
+    <p:extLst>
+      <p:ext uri="{BB962C8B-B14F-4D97-AF65-F5344CB8AC3E}">
+        <p14:creationId xmlns:p14="http://schemas.microsoft.com/office/powerpoint/2010/main" val="2301748786"/>
+      </p:ext>
+    </p:extLst>
+  </p:cSld>
+  <p:clrMapOvr>
+    <a:masterClrMapping/>
+  </p:clrMapOvr>
+</p:notes>
+</file>
+
+<file path=ppt/notesSlides/notesSlide12.xml><?xml version="1.0" encoding="utf-8"?>
+<p:notes xmlns:a="http://schemas.openxmlformats.org/drawingml/2006/main" xmlns:r="http://schemas.openxmlformats.org/officeDocument/2006/relationships" xmlns:p="http://schemas.openxmlformats.org/presentationml/2006/main">
+  <p:cSld>
+    <p:spTree>
+      <p:nvGrpSpPr>
+        <p:cNvPr id="1" name=""/>
+        <p:cNvGrpSpPr/>
+        <p:nvPr/>
+      </p:nvGrpSpPr>
+      <p:grpSpPr>
+        <a:xfrm>
+          <a:off x="0" y="0"/>
+          <a:ext cx="0" cy="0"/>
+          <a:chOff x="0" y="0"/>
+          <a:chExt cx="0" cy="0"/>
+        </a:xfrm>
+      </p:grpSpPr>
+      <p:sp>
+        <p:nvSpPr>
+          <p:cNvPr id="2" name="Folienbildplatzhalter 1"/>
+          <p:cNvSpPr>
+            <a:spLocks noGrp="1" noRot="1" noChangeAspect="1"/>
+          </p:cNvSpPr>
+          <p:nvPr>
+            <p:ph type="sldImg"/>
+          </p:nvPr>
+        </p:nvSpPr>
+        <p:spPr/>
+      </p:sp>
+      <p:sp>
+        <p:nvSpPr>
+          <p:cNvPr id="3" name="Notizenplatzhalter 2"/>
+          <p:cNvSpPr>
+            <a:spLocks noGrp="1"/>
+          </p:cNvSpPr>
+          <p:nvPr>
+            <p:ph type="body" idx="1"/>
+          </p:nvPr>
+        </p:nvSpPr>
+        <p:spPr/>
+        <p:txBody>
+          <a:bodyPr/>
+          <a:lstStyle/>
+          <a:p>
+            <a:r>
+              <a:rPr lang="de-DE" dirty="0"/>
+              <a:t>Potenzielle Features: https://github.com/SJetz/EPWS2122JetzPettinger/wiki/potenzielle-Features</a:t>
+            </a:r>
+          </a:p>
+          <a:p>
+            <a:pPr marL="171450" indent="-171450" algn="l">
+              <a:buFont typeface="Arial" panose="020B0604020202020204" pitchFamily="34" charset="0"/>
+              <a:buChar char="•"/>
+            </a:pPr>
+            <a:r>
+              <a:rPr lang="de-DE" b="0" i="0" dirty="0">
+                <a:solidFill>
+                  <a:srgbClr val="C9D1D9"/>
+                </a:solidFill>
+                <a:effectLst/>
+                <a:latin typeface="-apple-system"/>
+              </a:rPr>
+              <a:t>Die </a:t>
+            </a:r>
+            <a:r>
+              <a:rPr lang="de-DE" b="0" i="0" dirty="0" err="1">
+                <a:solidFill>
+                  <a:srgbClr val="C9D1D9"/>
+                </a:solidFill>
+                <a:effectLst/>
+                <a:latin typeface="-apple-system"/>
+              </a:rPr>
+              <a:t>Flagfarbe</a:t>
+            </a:r>
+            <a:r>
+              <a:rPr lang="de-DE" b="0" i="0" dirty="0">
+                <a:solidFill>
+                  <a:srgbClr val="C9D1D9"/>
+                </a:solidFill>
+                <a:effectLst/>
+                <a:latin typeface="-apple-system"/>
+              </a:rPr>
+              <a:t> soll den entsprechenden </a:t>
+            </a:r>
+            <a:r>
+              <a:rPr lang="de-DE" b="0" i="0" dirty="0" err="1">
+                <a:solidFill>
+                  <a:srgbClr val="C9D1D9"/>
+                </a:solidFill>
+                <a:effectLst/>
+                <a:latin typeface="-apple-system"/>
+              </a:rPr>
+              <a:t>ImageButton</a:t>
+            </a:r>
+            <a:r>
+              <a:rPr lang="de-DE" b="0" i="0" dirty="0">
+                <a:solidFill>
+                  <a:srgbClr val="C9D1D9"/>
+                </a:solidFill>
+                <a:effectLst/>
+                <a:latin typeface="-apple-system"/>
+              </a:rPr>
+              <a:t> umranden (z.B. Apfel ist grün umrandet)</a:t>
+            </a:r>
+          </a:p>
+          <a:p>
+            <a:pPr marL="171450" indent="-171450" algn="l">
+              <a:buFont typeface="Arial" panose="020B0604020202020204" pitchFamily="34" charset="0"/>
+              <a:buChar char="•"/>
+            </a:pPr>
+            <a:r>
+              <a:rPr lang="de-DE" b="0" i="0" dirty="0">
+                <a:solidFill>
+                  <a:srgbClr val="C9D1D9"/>
+                </a:solidFill>
+                <a:effectLst/>
+                <a:latin typeface="-apple-system"/>
+              </a:rPr>
+              <a:t>Flags können vom Admin selbst gesetzt werden. (z.B. Schokolade erhält </a:t>
+            </a:r>
+            <a:r>
+              <a:rPr lang="de-DE" b="0" i="0" dirty="0" err="1">
+                <a:solidFill>
+                  <a:srgbClr val="C9D1D9"/>
+                </a:solidFill>
+                <a:effectLst/>
+                <a:latin typeface="-apple-system"/>
+              </a:rPr>
+              <a:t>Flagrot</a:t>
+            </a:r>
+            <a:r>
+              <a:rPr lang="de-DE" b="0" i="0" dirty="0">
+                <a:solidFill>
+                  <a:srgbClr val="C9D1D9"/>
+                </a:solidFill>
+                <a:effectLst/>
+                <a:latin typeface="-apple-system"/>
+              </a:rPr>
+              <a:t>)</a:t>
+            </a:r>
+          </a:p>
+          <a:p>
+            <a:pPr marL="171450" indent="-171450" algn="l">
+              <a:buFont typeface="Arial" panose="020B0604020202020204" pitchFamily="34" charset="0"/>
+              <a:buChar char="•"/>
+            </a:pPr>
+            <a:r>
+              <a:rPr lang="de-DE" b="0" i="0" dirty="0">
+                <a:solidFill>
+                  <a:srgbClr val="C9D1D9"/>
+                </a:solidFill>
+                <a:effectLst/>
+                <a:latin typeface="-apple-system"/>
+              </a:rPr>
+              <a:t>Betreuer soll auswählen können, ob es Unverträglichkeiten exzitieren und ob Produkte mit entsprechenden Inhaltstoffe aussortiert werden sollen</a:t>
+            </a:r>
+          </a:p>
+          <a:p>
+            <a:pPr marL="171450" indent="-171450" algn="l">
+              <a:buFont typeface="Arial" panose="020B0604020202020204" pitchFamily="34" charset="0"/>
+              <a:buChar char="•"/>
+            </a:pPr>
+            <a:r>
+              <a:rPr lang="de-DE" b="0" i="0" dirty="0">
+                <a:solidFill>
+                  <a:srgbClr val="C9D1D9"/>
+                </a:solidFill>
+                <a:effectLst/>
+                <a:latin typeface="-apple-system"/>
+              </a:rPr>
+              <a:t>Individualisierung der Löschabfragen (z.B. An-/Abschalten der Abfrage, ob der gesamte Warenkorbgelöscht werden soll)</a:t>
+            </a:r>
+          </a:p>
+          <a:p>
+            <a:pPr marL="171450" indent="-171450" algn="l">
+              <a:buFont typeface="Arial" panose="020B0604020202020204" pitchFamily="34" charset="0"/>
+              <a:buChar char="•"/>
+            </a:pPr>
+            <a:r>
+              <a:rPr lang="de-DE" b="0" i="0" dirty="0">
+                <a:solidFill>
+                  <a:srgbClr val="C9D1D9"/>
+                </a:solidFill>
+                <a:effectLst/>
+                <a:latin typeface="-apple-system"/>
+              </a:rPr>
+              <a:t>Sounds bei der ersten Anwendung jedes Objekts</a:t>
+            </a:r>
+          </a:p>
+          <a:p>
+            <a:pPr marL="171450" indent="-171450" algn="l">
+              <a:buFont typeface="Arial" panose="020B0604020202020204" pitchFamily="34" charset="0"/>
+              <a:buChar char="•"/>
+            </a:pPr>
+            <a:r>
+              <a:rPr lang="de-DE" b="0" i="0" dirty="0">
+                <a:solidFill>
+                  <a:srgbClr val="C9D1D9"/>
+                </a:solidFill>
+                <a:effectLst/>
+                <a:latin typeface="-apple-system"/>
+              </a:rPr>
+              <a:t>Fotos von Produkten per Kamera aufnehmen</a:t>
+            </a:r>
+          </a:p>
+          <a:p>
+            <a:pPr marL="171450" indent="-171450" algn="l">
+              <a:buFont typeface="Arial" panose="020B0604020202020204" pitchFamily="34" charset="0"/>
+              <a:buChar char="•"/>
+            </a:pPr>
+            <a:r>
+              <a:rPr lang="de-DE" b="0" i="0" dirty="0">
+                <a:solidFill>
+                  <a:srgbClr val="C9D1D9"/>
+                </a:solidFill>
+                <a:effectLst/>
+                <a:latin typeface="-apple-system"/>
+              </a:rPr>
+              <a:t>Jeder User kann seine eigenen Produktbilder speichern</a:t>
+            </a:r>
+          </a:p>
+          <a:p>
+            <a:pPr marL="171450" indent="-171450" algn="l">
+              <a:buFont typeface="Arial" panose="020B0604020202020204" pitchFamily="34" charset="0"/>
+              <a:buChar char="•"/>
+            </a:pPr>
+            <a:r>
+              <a:rPr lang="de-DE" b="0" i="0" dirty="0">
+                <a:solidFill>
+                  <a:srgbClr val="C9D1D9"/>
+                </a:solidFill>
+                <a:effectLst/>
+                <a:latin typeface="-apple-system"/>
+              </a:rPr>
+              <a:t>Admin kann eigene Produkte zum Sortiment hinzufügen (Bildaufnehmen und Flaggen)</a:t>
+            </a:r>
+          </a:p>
+          <a:p>
+            <a:pPr marL="171450" indent="-171450" algn="l">
+              <a:buFont typeface="Arial" panose="020B0604020202020204" pitchFamily="34" charset="0"/>
+              <a:buChar char="•"/>
+            </a:pPr>
+            <a:r>
+              <a:rPr lang="de-DE" b="0" i="0" dirty="0">
+                <a:solidFill>
+                  <a:srgbClr val="C9D1D9"/>
+                </a:solidFill>
+                <a:effectLst/>
+                <a:latin typeface="-apple-system"/>
+              </a:rPr>
+              <a:t>Bilder von Betreuten einfügen für die Userübersicht (</a:t>
+            </a:r>
+            <a:r>
+              <a:rPr lang="de-DE" b="0" i="0" dirty="0" err="1">
+                <a:solidFill>
+                  <a:srgbClr val="C9D1D9"/>
+                </a:solidFill>
+                <a:effectLst/>
+                <a:latin typeface="-apple-system"/>
+              </a:rPr>
+              <a:t>Sensiebeledaten</a:t>
+            </a:r>
+            <a:r>
+              <a:rPr lang="de-DE" b="0" i="0" dirty="0">
+                <a:solidFill>
+                  <a:srgbClr val="C9D1D9"/>
+                </a:solidFill>
+                <a:effectLst/>
+                <a:latin typeface="-apple-system"/>
+              </a:rPr>
+              <a:t> --&gt; Passwortspeicherfunktion muss überarbeitet werden (Passwort-</a:t>
+            </a:r>
+            <a:r>
+              <a:rPr lang="de-DE" b="0" i="0" dirty="0" err="1">
+                <a:solidFill>
+                  <a:srgbClr val="C9D1D9"/>
+                </a:solidFill>
+                <a:effectLst/>
+                <a:latin typeface="-apple-system"/>
+              </a:rPr>
+              <a:t>Hashing</a:t>
+            </a:r>
+            <a:r>
+              <a:rPr lang="de-DE" b="0" i="0" dirty="0">
+                <a:solidFill>
+                  <a:srgbClr val="C9D1D9"/>
+                </a:solidFill>
+                <a:effectLst/>
+                <a:latin typeface="-apple-system"/>
+              </a:rPr>
+              <a:t>))</a:t>
+            </a:r>
+          </a:p>
+          <a:p>
+            <a:pPr marL="171450" indent="-171450" algn="l">
+              <a:buFont typeface="Arial" panose="020B0604020202020204" pitchFamily="34" charset="0"/>
+              <a:buChar char="•"/>
+            </a:pPr>
+            <a:r>
+              <a:rPr lang="de-DE" b="0" i="0" dirty="0">
+                <a:solidFill>
+                  <a:srgbClr val="C9D1D9"/>
+                </a:solidFill>
+                <a:effectLst/>
+                <a:latin typeface="-apple-system"/>
+              </a:rPr>
+              <a:t>Möglichkeit Passwort zu ändern</a:t>
+            </a:r>
+          </a:p>
+          <a:p>
+            <a:br>
+              <a:rPr lang="de-DE" b="0" i="0" dirty="0">
+                <a:effectLst/>
+                <a:latin typeface="-apple-system"/>
+              </a:rPr>
+            </a:br>
+            <a:endParaRPr lang="de-DE" dirty="0"/>
+          </a:p>
+        </p:txBody>
+      </p:sp>
+    </p:spTree>
+    <p:extLst>
+      <p:ext uri="{BB962C8B-B14F-4D97-AF65-F5344CB8AC3E}">
+        <p14:creationId xmlns:p14="http://schemas.microsoft.com/office/powerpoint/2010/main" val="1696546615"/>
+      </p:ext>
+    </p:extLst>
+  </p:cSld>
+  <p:clrMapOvr>
+    <a:masterClrMapping/>
+  </p:clrMapOvr>
+</p:notes>
+</file>
+
 <file path=ppt/notesSlides/notesSlide2.xml><?xml version="1.0" encoding="utf-8"?>
 <p:notes xmlns:a="http://schemas.openxmlformats.org/drawingml/2006/main" xmlns:r="http://schemas.openxmlformats.org/officeDocument/2006/relationships" xmlns:p="http://schemas.openxmlformats.org/presentationml/2006/main">
   <p:cSld>
@@ -2356,6 +2963,9 @@
           <a:bodyPr/>
           <a:lstStyle/>
           <a:p>
+            <a:br>
+              <a:rPr lang="de-DE" dirty="0"/>
+            </a:br>
             <a:r>
               <a:rPr lang="de-DE" dirty="0"/>
               <a:t>Ablaufbeschreibung: </a:t>
@@ -2391,12 +3001,62 @@
             </a:r>
             <a:endParaRPr lang="de-DE" dirty="0"/>
           </a:p>
+          <a:p>
+            <a:pPr marL="171450" indent="-171450">
+              <a:buFontTx/>
+              <a:buChar char="-"/>
+            </a:pPr>
+            <a:r>
+              <a:rPr lang="de-DE" dirty="0"/>
+              <a:t>Useroptionen</a:t>
+            </a:r>
+          </a:p>
+          <a:p>
+            <a:pPr marL="171450" indent="-171450">
+              <a:buFontTx/>
+              <a:buChar char="-"/>
+            </a:pPr>
+            <a:r>
+              <a:rPr lang="de-DE" dirty="0"/>
+              <a:t>Produkte aus Warenkorb löschen</a:t>
+            </a:r>
+          </a:p>
+          <a:p>
+            <a:pPr marL="171450" indent="-171450">
+              <a:buFontTx/>
+              <a:buChar char="-"/>
+            </a:pPr>
+            <a:r>
+              <a:rPr lang="de-DE" dirty="0"/>
+              <a:t>Bilder von Produkten verändern</a:t>
+            </a:r>
+          </a:p>
+          <a:p>
+            <a:pPr marL="171450" indent="-171450">
+              <a:buFontTx/>
+              <a:buChar char="-"/>
+            </a:pPr>
+            <a:r>
+              <a:rPr lang="de-DE" dirty="0"/>
+              <a:t>Produkte zum Warenkorb hinzufügen</a:t>
+            </a:r>
+          </a:p>
+          <a:p>
+            <a:pPr marL="171450" indent="-171450">
+              <a:buFontTx/>
+              <a:buChar char="-"/>
+            </a:pPr>
+            <a:r>
+              <a:rPr lang="de-DE" dirty="0"/>
+              <a:t>User erstellen</a:t>
+            </a:r>
+          </a:p>
         </p:txBody>
       </p:sp>
     </p:spTree>
     <p:extLst>
       <p:ext uri="{BB962C8B-B14F-4D97-AF65-F5344CB8AC3E}">
-        <p14:creationId xmlns:p14="http://schemas.microsoft.com/office/powerpoint/2010/main" val="3935446646"/>
+        <p14:creationId xmlns:p14="http://schemas.microsoft.com/office/powerpoint/2010/main" val="4243116347"/>
       </p:ext>
     </p:extLst>
   </p:cSld>
@@ -2452,15 +3112,33 @@
           <a:p>
             <a:r>
               <a:rPr lang="de-DE" dirty="0"/>
-              <a:t>Methodenerläuterung:</a:t>
-            </a:r>
+              <a:t>Admin = Betreuer</a:t>
+            </a:r>
+          </a:p>
+          <a:p>
+            <a:r>
+              <a:rPr lang="de-DE" dirty="0"/>
+              <a:t>User = zu betreuende Person</a:t>
+            </a:r>
+          </a:p>
+          <a:p>
+            <a:endParaRPr lang="de-DE" dirty="0"/>
+          </a:p>
+          <a:p>
+            <a:r>
+              <a:rPr lang="de-DE" dirty="0"/>
+              <a:t>Ablaufbeschreibung: https://github.com/SJetz/EPWS2122JetzPettinger/wiki/Ablaufbeschreibungen</a:t>
+            </a:r>
+          </a:p>
+          <a:p>
+            <a:endParaRPr lang="de-DE" dirty="0"/>
           </a:p>
         </p:txBody>
       </p:sp>
     </p:spTree>
     <p:extLst>
       <p:ext uri="{BB962C8B-B14F-4D97-AF65-F5344CB8AC3E}">
-        <p14:creationId xmlns:p14="http://schemas.microsoft.com/office/powerpoint/2010/main" val="2301748786"/>
+        <p14:creationId xmlns:p14="http://schemas.microsoft.com/office/powerpoint/2010/main" val="3508421575"/>
       </p:ext>
     </p:extLst>
   </p:cSld>
@@ -2514,17 +3192,442 @@
           <a:bodyPr/>
           <a:lstStyle/>
           <a:p>
+            <a:pPr marL="0" marR="0" lvl="0" indent="0" algn="l" defTabSz="457200" rtl="0" eaLnBrk="0" fontAlgn="base" latinLnBrk="0" hangingPunct="0">
+              <a:lnSpc>
+                <a:spcPct val="100000"/>
+              </a:lnSpc>
+              <a:spcBef>
+                <a:spcPct val="30000"/>
+              </a:spcBef>
+              <a:spcAft>
+                <a:spcPct val="0"/>
+              </a:spcAft>
+              <a:buClrTx/>
+              <a:buSzTx/>
+              <a:buFontTx/>
+              <a:buNone/>
+              <a:tabLst/>
+              <a:defRPr/>
+            </a:pPr>
             <a:r>
               <a:rPr lang="de-DE" dirty="0"/>
-              <a:t>Potenzielle Features: </a:t>
-            </a:r>
+              <a:t>Ablaufbeschreibung: https://github.com/SJetz/EPWS2122JetzPettinger/wiki/Ablaufbeschreibungen</a:t>
+            </a:r>
+          </a:p>
+          <a:p>
+            <a:pPr marL="0" marR="0" lvl="0" indent="0" algn="l" defTabSz="457200" rtl="0" eaLnBrk="0" fontAlgn="base" latinLnBrk="0" hangingPunct="0">
+              <a:lnSpc>
+                <a:spcPct val="100000"/>
+              </a:lnSpc>
+              <a:spcBef>
+                <a:spcPct val="30000"/>
+              </a:spcBef>
+              <a:spcAft>
+                <a:spcPct val="0"/>
+              </a:spcAft>
+              <a:buClrTx/>
+              <a:buSzTx/>
+              <a:buFontTx/>
+              <a:buNone/>
+              <a:tabLst/>
+              <a:defRPr/>
+            </a:pPr>
+            <a:endParaRPr lang="de-DE" dirty="0"/>
+          </a:p>
+          <a:p>
+            <a:pPr marL="0" marR="0" lvl="0" indent="0" algn="l" defTabSz="457200" rtl="0" eaLnBrk="0" fontAlgn="base" latinLnBrk="0" hangingPunct="0">
+              <a:lnSpc>
+                <a:spcPct val="100000"/>
+              </a:lnSpc>
+              <a:spcBef>
+                <a:spcPct val="30000"/>
+              </a:spcBef>
+              <a:spcAft>
+                <a:spcPct val="0"/>
+              </a:spcAft>
+              <a:buClrTx/>
+              <a:buSzTx/>
+              <a:buFontTx/>
+              <a:buNone/>
+              <a:tabLst/>
+              <a:defRPr/>
+            </a:pPr>
+            <a:r>
+              <a:rPr lang="de-DE" dirty="0"/>
+              <a:t>Dieser Ablauf wird in der Ablaufbeschreibung unter dem Punkt regulärer Ablauf beschrieben.</a:t>
+            </a:r>
+          </a:p>
+          <a:p>
+            <a:endParaRPr lang="de-DE" dirty="0"/>
           </a:p>
         </p:txBody>
       </p:sp>
     </p:spTree>
     <p:extLst>
       <p:ext uri="{BB962C8B-B14F-4D97-AF65-F5344CB8AC3E}">
-        <p14:creationId xmlns:p14="http://schemas.microsoft.com/office/powerpoint/2010/main" val="1696546615"/>
+        <p14:creationId xmlns:p14="http://schemas.microsoft.com/office/powerpoint/2010/main" val="2589097358"/>
+      </p:ext>
+    </p:extLst>
+  </p:cSld>
+  <p:clrMapOvr>
+    <a:masterClrMapping/>
+  </p:clrMapOvr>
+</p:notes>
+</file>
+
+<file path=ppt/notesSlides/notesSlide6.xml><?xml version="1.0" encoding="utf-8"?>
+<p:notes xmlns:a="http://schemas.openxmlformats.org/drawingml/2006/main" xmlns:r="http://schemas.openxmlformats.org/officeDocument/2006/relationships" xmlns:p="http://schemas.openxmlformats.org/presentationml/2006/main">
+  <p:cSld>
+    <p:spTree>
+      <p:nvGrpSpPr>
+        <p:cNvPr id="1" name=""/>
+        <p:cNvGrpSpPr/>
+        <p:nvPr/>
+      </p:nvGrpSpPr>
+      <p:grpSpPr>
+        <a:xfrm>
+          <a:off x="0" y="0"/>
+          <a:ext cx="0" cy="0"/>
+          <a:chOff x="0" y="0"/>
+          <a:chExt cx="0" cy="0"/>
+        </a:xfrm>
+      </p:grpSpPr>
+      <p:sp>
+        <p:nvSpPr>
+          <p:cNvPr id="2" name="Folienbildplatzhalter 1"/>
+          <p:cNvSpPr>
+            <a:spLocks noGrp="1" noRot="1" noChangeAspect="1"/>
+          </p:cNvSpPr>
+          <p:nvPr>
+            <p:ph type="sldImg"/>
+          </p:nvPr>
+        </p:nvSpPr>
+        <p:spPr/>
+      </p:sp>
+      <p:sp>
+        <p:nvSpPr>
+          <p:cNvPr id="3" name="Notizenplatzhalter 2"/>
+          <p:cNvSpPr>
+            <a:spLocks noGrp="1"/>
+          </p:cNvSpPr>
+          <p:nvPr>
+            <p:ph type="body" idx="1"/>
+          </p:nvPr>
+        </p:nvSpPr>
+        <p:spPr/>
+        <p:txBody>
+          <a:bodyPr/>
+          <a:lstStyle/>
+          <a:p>
+            <a:r>
+              <a:rPr lang="de-DE" dirty="0"/>
+              <a:t>Ablaufbeschreibung: https://github.com/SJetz/EPWS2122JetzPettinger/wiki/Ablaufbeschreibungen</a:t>
+            </a:r>
+          </a:p>
+          <a:p>
+            <a:endParaRPr lang="de-DE" dirty="0"/>
+          </a:p>
+        </p:txBody>
+      </p:sp>
+    </p:spTree>
+    <p:extLst>
+      <p:ext uri="{BB962C8B-B14F-4D97-AF65-F5344CB8AC3E}">
+        <p14:creationId xmlns:p14="http://schemas.microsoft.com/office/powerpoint/2010/main" val="422670204"/>
+      </p:ext>
+    </p:extLst>
+  </p:cSld>
+  <p:clrMapOvr>
+    <a:masterClrMapping/>
+  </p:clrMapOvr>
+</p:notes>
+</file>
+
+<file path=ppt/notesSlides/notesSlide7.xml><?xml version="1.0" encoding="utf-8"?>
+<p:notes xmlns:a="http://schemas.openxmlformats.org/drawingml/2006/main" xmlns:r="http://schemas.openxmlformats.org/officeDocument/2006/relationships" xmlns:p="http://schemas.openxmlformats.org/presentationml/2006/main">
+  <p:cSld>
+    <p:spTree>
+      <p:nvGrpSpPr>
+        <p:cNvPr id="1" name=""/>
+        <p:cNvGrpSpPr/>
+        <p:nvPr/>
+      </p:nvGrpSpPr>
+      <p:grpSpPr>
+        <a:xfrm>
+          <a:off x="0" y="0"/>
+          <a:ext cx="0" cy="0"/>
+          <a:chOff x="0" y="0"/>
+          <a:chExt cx="0" cy="0"/>
+        </a:xfrm>
+      </p:grpSpPr>
+      <p:sp>
+        <p:nvSpPr>
+          <p:cNvPr id="2" name="Folienbildplatzhalter 1"/>
+          <p:cNvSpPr>
+            <a:spLocks noGrp="1" noRot="1" noChangeAspect="1"/>
+          </p:cNvSpPr>
+          <p:nvPr>
+            <p:ph type="sldImg"/>
+          </p:nvPr>
+        </p:nvSpPr>
+        <p:spPr/>
+      </p:sp>
+      <p:sp>
+        <p:nvSpPr>
+          <p:cNvPr id="3" name="Notizenplatzhalter 2"/>
+          <p:cNvSpPr>
+            <a:spLocks noGrp="1"/>
+          </p:cNvSpPr>
+          <p:nvPr>
+            <p:ph type="body" idx="1"/>
+          </p:nvPr>
+        </p:nvSpPr>
+        <p:spPr/>
+        <p:txBody>
+          <a:bodyPr/>
+          <a:lstStyle/>
+          <a:p>
+            <a:r>
+              <a:rPr lang="de-DE" dirty="0"/>
+              <a:t>Ablaufbeschreibung: https://github.com/SJetz/EPWS2122JetzPettinger/wiki/Ablaufbeschreibungen</a:t>
+            </a:r>
+          </a:p>
+          <a:p>
+            <a:endParaRPr lang="de-DE" dirty="0"/>
+          </a:p>
+          <a:p>
+            <a:endParaRPr lang="de-DE" dirty="0"/>
+          </a:p>
+          <a:p>
+            <a:r>
+              <a:rPr lang="de-DE" dirty="0"/>
+              <a:t>Nutzen der App beim Einkaufen selbst:</a:t>
+            </a:r>
+          </a:p>
+          <a:p>
+            <a:pPr marL="171450" indent="-171450">
+              <a:buFont typeface="Arial" panose="020B0604020202020204" pitchFamily="34" charset="0"/>
+              <a:buChar char="•"/>
+            </a:pPr>
+            <a:r>
+              <a:rPr lang="de-DE" dirty="0"/>
+              <a:t>Mit der Warenkorb-Liste kann der Betreute direkt nach seinem Produkt suchen</a:t>
+            </a:r>
+          </a:p>
+          <a:p>
+            <a:pPr marL="171450" indent="-171450">
+              <a:buFont typeface="Arial" panose="020B0604020202020204" pitchFamily="34" charset="0"/>
+              <a:buChar char="•"/>
+            </a:pPr>
+            <a:r>
+              <a:rPr lang="de-DE" dirty="0"/>
+              <a:t>Wenn er dieses gefunden und in seinen Einkaufswagen gelegt hat, kann er einzeln das Produkt aus der Liste entfernen und  seinen Einkauf so fortsetzen</a:t>
+            </a:r>
+          </a:p>
+          <a:p>
+            <a:endParaRPr lang="de-DE" dirty="0"/>
+          </a:p>
+        </p:txBody>
+      </p:sp>
+    </p:spTree>
+    <p:extLst>
+      <p:ext uri="{BB962C8B-B14F-4D97-AF65-F5344CB8AC3E}">
+        <p14:creationId xmlns:p14="http://schemas.microsoft.com/office/powerpoint/2010/main" val="1222119403"/>
+      </p:ext>
+    </p:extLst>
+  </p:cSld>
+  <p:clrMapOvr>
+    <a:masterClrMapping/>
+  </p:clrMapOvr>
+</p:notes>
+</file>
+
+<file path=ppt/notesSlides/notesSlide8.xml><?xml version="1.0" encoding="utf-8"?>
+<p:notes xmlns:a="http://schemas.openxmlformats.org/drawingml/2006/main" xmlns:r="http://schemas.openxmlformats.org/officeDocument/2006/relationships" xmlns:p="http://schemas.openxmlformats.org/presentationml/2006/main">
+  <p:cSld>
+    <p:spTree>
+      <p:nvGrpSpPr>
+        <p:cNvPr id="1" name=""/>
+        <p:cNvGrpSpPr/>
+        <p:nvPr/>
+      </p:nvGrpSpPr>
+      <p:grpSpPr>
+        <a:xfrm>
+          <a:off x="0" y="0"/>
+          <a:ext cx="0" cy="0"/>
+          <a:chOff x="0" y="0"/>
+          <a:chExt cx="0" cy="0"/>
+        </a:xfrm>
+      </p:grpSpPr>
+      <p:sp>
+        <p:nvSpPr>
+          <p:cNvPr id="2" name="Folienbildplatzhalter 1"/>
+          <p:cNvSpPr>
+            <a:spLocks noGrp="1" noRot="1" noChangeAspect="1"/>
+          </p:cNvSpPr>
+          <p:nvPr>
+            <p:ph type="sldImg"/>
+          </p:nvPr>
+        </p:nvSpPr>
+        <p:spPr/>
+      </p:sp>
+      <p:sp>
+        <p:nvSpPr>
+          <p:cNvPr id="3" name="Notizenplatzhalter 2"/>
+          <p:cNvSpPr>
+            <a:spLocks noGrp="1"/>
+          </p:cNvSpPr>
+          <p:nvPr>
+            <p:ph type="body" idx="1"/>
+          </p:nvPr>
+        </p:nvSpPr>
+        <p:spPr/>
+        <p:txBody>
+          <a:bodyPr/>
+          <a:lstStyle/>
+          <a:p>
+            <a:r>
+              <a:rPr lang="de-DE" dirty="0"/>
+              <a:t>Admin = Betreuer</a:t>
+            </a:r>
+          </a:p>
+          <a:p>
+            <a:r>
+              <a:rPr lang="de-DE" dirty="0"/>
+              <a:t>User = zu betreuende Person</a:t>
+            </a:r>
+          </a:p>
+          <a:p>
+            <a:br>
+              <a:rPr lang="de-DE" dirty="0"/>
+            </a:br>
+            <a:r>
+              <a:rPr lang="de-DE" dirty="0"/>
+              <a:t>Ablaufbeschreibung: https://github.com/SJetz/EPWS2122JetzPettinger/wiki/Ablaufbeschreibungen</a:t>
+            </a:r>
+          </a:p>
+          <a:p>
+            <a:endParaRPr lang="de-DE" dirty="0"/>
+          </a:p>
+          <a:p>
+            <a:r>
+              <a:rPr lang="de-DE" dirty="0"/>
+              <a:t>Weitere Feature: </a:t>
+            </a:r>
+          </a:p>
+          <a:p>
+            <a:pPr marL="171450" indent="-171450">
+              <a:buFont typeface="Arial" panose="020B0604020202020204" pitchFamily="34" charset="0"/>
+              <a:buChar char="•"/>
+            </a:pPr>
+            <a:r>
+              <a:rPr lang="de-DE" dirty="0"/>
+              <a:t>Für jeden Nutzer die Bilder einzeln Speichern und je nach aktiven Nutzer die entsprechenden Bilder laden. </a:t>
+            </a:r>
+          </a:p>
+          <a:p>
+            <a:pPr marL="171450" indent="-171450">
+              <a:buFont typeface="Arial" panose="020B0604020202020204" pitchFamily="34" charset="0"/>
+              <a:buChar char="•"/>
+            </a:pPr>
+            <a:r>
+              <a:rPr lang="de-DE" dirty="0"/>
+              <a:t>Fotos von Kamera aufnehmen und speichern</a:t>
+            </a:r>
+          </a:p>
+          <a:p>
+            <a:endParaRPr lang="de-DE" dirty="0"/>
+          </a:p>
+          <a:p>
+            <a:endParaRPr lang="de-DE" dirty="0"/>
+          </a:p>
+        </p:txBody>
+      </p:sp>
+    </p:spTree>
+    <p:extLst>
+      <p:ext uri="{BB962C8B-B14F-4D97-AF65-F5344CB8AC3E}">
+        <p14:creationId xmlns:p14="http://schemas.microsoft.com/office/powerpoint/2010/main" val="421605250"/>
+      </p:ext>
+    </p:extLst>
+  </p:cSld>
+  <p:clrMapOvr>
+    <a:masterClrMapping/>
+  </p:clrMapOvr>
+</p:notes>
+</file>
+
+<file path=ppt/notesSlides/notesSlide9.xml><?xml version="1.0" encoding="utf-8"?>
+<p:notes xmlns:a="http://schemas.openxmlformats.org/drawingml/2006/main" xmlns:r="http://schemas.openxmlformats.org/officeDocument/2006/relationships" xmlns:p="http://schemas.openxmlformats.org/presentationml/2006/main">
+  <p:cSld>
+    <p:spTree>
+      <p:nvGrpSpPr>
+        <p:cNvPr id="1" name=""/>
+        <p:cNvGrpSpPr/>
+        <p:nvPr/>
+      </p:nvGrpSpPr>
+      <p:grpSpPr>
+        <a:xfrm>
+          <a:off x="0" y="0"/>
+          <a:ext cx="0" cy="0"/>
+          <a:chOff x="0" y="0"/>
+          <a:chExt cx="0" cy="0"/>
+        </a:xfrm>
+      </p:grpSpPr>
+      <p:sp>
+        <p:nvSpPr>
+          <p:cNvPr id="2" name="Folienbildplatzhalter 1"/>
+          <p:cNvSpPr>
+            <a:spLocks noGrp="1" noRot="1" noChangeAspect="1"/>
+          </p:cNvSpPr>
+          <p:nvPr>
+            <p:ph type="sldImg"/>
+          </p:nvPr>
+        </p:nvSpPr>
+        <p:spPr/>
+      </p:sp>
+      <p:sp>
+        <p:nvSpPr>
+          <p:cNvPr id="3" name="Notizenplatzhalter 2"/>
+          <p:cNvSpPr>
+            <a:spLocks noGrp="1"/>
+          </p:cNvSpPr>
+          <p:nvPr>
+            <p:ph type="body" idx="1"/>
+          </p:nvPr>
+        </p:nvSpPr>
+        <p:spPr/>
+        <p:txBody>
+          <a:bodyPr/>
+          <a:lstStyle/>
+          <a:p>
+            <a:r>
+              <a:rPr lang="de-DE" dirty="0"/>
+              <a:t>Admin = Betreuer</a:t>
+            </a:r>
+          </a:p>
+          <a:p>
+            <a:r>
+              <a:rPr lang="de-DE" dirty="0"/>
+              <a:t>User = zu betreuende Person</a:t>
+            </a:r>
+          </a:p>
+          <a:p>
+            <a:endParaRPr lang="de-DE" dirty="0"/>
+          </a:p>
+          <a:p>
+            <a:r>
+              <a:rPr lang="de-DE" dirty="0"/>
+              <a:t>Ablaufbeschreibung: https://github.com/SJetz/EPWS2122JetzPettinger/wiki/Ablaufbeschreibungen</a:t>
+            </a:r>
+          </a:p>
+          <a:p>
+            <a:endParaRPr lang="de-DE" dirty="0"/>
+          </a:p>
+        </p:txBody>
+      </p:sp>
+    </p:spTree>
+    <p:extLst>
+      <p:ext uri="{BB962C8B-B14F-4D97-AF65-F5344CB8AC3E}">
+        <p14:creationId xmlns:p14="http://schemas.microsoft.com/office/powerpoint/2010/main" val="2246669534"/>
       </p:ext>
     </p:extLst>
   </p:cSld>
@@ -8432,6 +9535,825 @@
 </p:sld>
 </file>
 
+<file path=ppt/slides/slide10.xml><?xml version="1.0" encoding="utf-8"?>
+<p:sld xmlns:a="http://schemas.openxmlformats.org/drawingml/2006/main" xmlns:r="http://schemas.openxmlformats.org/officeDocument/2006/relationships" xmlns:p="http://schemas.openxmlformats.org/presentationml/2006/main">
+  <p:cSld>
+    <p:spTree>
+      <p:nvGrpSpPr>
+        <p:cNvPr id="1" name=""/>
+        <p:cNvGrpSpPr/>
+        <p:nvPr/>
+      </p:nvGrpSpPr>
+      <p:grpSpPr>
+        <a:xfrm>
+          <a:off x="0" y="0"/>
+          <a:ext cx="0" cy="0"/>
+          <a:chOff x="0" y="0"/>
+          <a:chExt cx="0" cy="0"/>
+        </a:xfrm>
+      </p:grpSpPr>
+      <p:pic>
+        <p:nvPicPr>
+          <p:cNvPr id="4" name="Grafik 3">
+            <a:extLst>
+              <a:ext uri="{FF2B5EF4-FFF2-40B4-BE49-F238E27FC236}">
+                <a16:creationId xmlns:a16="http://schemas.microsoft.com/office/drawing/2014/main" id="{3BBFFF77-4891-49AD-B965-EF0D31CBB9CF}"/>
+              </a:ext>
+            </a:extLst>
+          </p:cNvPr>
+          <p:cNvPicPr>
+            <a:picLocks noChangeAspect="1"/>
+          </p:cNvPicPr>
+          <p:nvPr/>
+        </p:nvPicPr>
+        <p:blipFill rotWithShape="1">
+          <a:blip r:embed="rId3"/>
+          <a:srcRect l="3233" r="4791"/>
+          <a:stretch/>
+        </p:blipFill>
+        <p:spPr>
+          <a:xfrm>
+            <a:off x="0" y="1626297"/>
+            <a:ext cx="4800600" cy="2867090"/>
+          </a:xfrm>
+          <a:prstGeom prst="rect">
+            <a:avLst/>
+          </a:prstGeom>
+        </p:spPr>
+      </p:pic>
+      <p:sp>
+        <p:nvSpPr>
+          <p:cNvPr id="17" name="Titel 16">
+            <a:extLst>
+              <a:ext uri="{FF2B5EF4-FFF2-40B4-BE49-F238E27FC236}">
+                <a16:creationId xmlns:a16="http://schemas.microsoft.com/office/drawing/2014/main" id="{5310A8A3-5C3B-427A-83BE-2B45CDCBD872}"/>
+              </a:ext>
+            </a:extLst>
+          </p:cNvPr>
+          <p:cNvSpPr>
+            <a:spLocks noGrp="1"/>
+          </p:cNvSpPr>
+          <p:nvPr>
+            <p:ph type="title"/>
+          </p:nvPr>
+        </p:nvSpPr>
+        <p:spPr/>
+        <p:txBody>
+          <a:bodyPr/>
+          <a:lstStyle/>
+          <a:p>
+            <a:r>
+              <a:rPr lang="de-DE" dirty="0">
+                <a:latin typeface="Corbel" panose="020B0503020204020204" pitchFamily="34" charset="0"/>
+              </a:rPr>
+              <a:t>Vorstellung des funktionalen Prototypen</a:t>
+            </a:r>
+            <a:br>
+              <a:rPr lang="de-DE" dirty="0">
+                <a:latin typeface="Corbel" panose="020B0503020204020204" pitchFamily="34" charset="0"/>
+              </a:rPr>
+            </a:br>
+            <a:endParaRPr lang="de-DE" dirty="0">
+              <a:latin typeface="Corbel" panose="020B0503020204020204" pitchFamily="34" charset="0"/>
+            </a:endParaRPr>
+          </a:p>
+        </p:txBody>
+      </p:sp>
+      <p:sp>
+        <p:nvSpPr>
+          <p:cNvPr id="18" name="Inhaltsplatzhalter 17">
+            <a:extLst>
+              <a:ext uri="{FF2B5EF4-FFF2-40B4-BE49-F238E27FC236}">
+                <a16:creationId xmlns:a16="http://schemas.microsoft.com/office/drawing/2014/main" id="{29C102FF-5B5C-4AE3-A34C-6C250D62A372}"/>
+              </a:ext>
+            </a:extLst>
+          </p:cNvPr>
+          <p:cNvSpPr>
+            <a:spLocks noGrp="1"/>
+          </p:cNvSpPr>
+          <p:nvPr>
+            <p:ph sz="quarter" idx="12"/>
+          </p:nvPr>
+        </p:nvSpPr>
+        <p:spPr/>
+        <p:txBody>
+          <a:bodyPr/>
+          <a:lstStyle/>
+          <a:p>
+            <a:pPr algn="l"/>
+            <a:r>
+              <a:rPr lang="de-DE" sz="1600" b="0" i="0" dirty="0">
+                <a:effectLst/>
+                <a:latin typeface="Corbel" panose="020B0503020204020204" pitchFamily="34" charset="0"/>
+              </a:rPr>
+              <a:t>Konzept „User können bearbeitet werden“: </a:t>
+            </a:r>
+          </a:p>
+          <a:p>
+            <a:pPr lvl="8">
+              <a:buFont typeface="Arial" panose="020B0604020202020204" pitchFamily="34" charset="0"/>
+              <a:buChar char="•"/>
+            </a:pPr>
+            <a:r>
+              <a:rPr lang="de-DE" sz="1600" dirty="0">
+                <a:latin typeface="Corbel" panose="020B0503020204020204" pitchFamily="34" charset="0"/>
+              </a:rPr>
+              <a:t>Admin erhält nach Klick auf User einen Dialog.</a:t>
+            </a:r>
+          </a:p>
+          <a:p>
+            <a:pPr lvl="8">
+              <a:buFont typeface="Arial" panose="020B0604020202020204" pitchFamily="34" charset="0"/>
+              <a:buChar char="•"/>
+            </a:pPr>
+            <a:r>
+              <a:rPr lang="de-DE" sz="1600" dirty="0">
+                <a:latin typeface="Corbel" panose="020B0503020204020204" pitchFamily="34" charset="0"/>
+                <a:sym typeface="Wingdings" panose="05000000000000000000" pitchFamily="2" charset="2"/>
+              </a:rPr>
+              <a:t>Hier kann er den User wechseln, bearbeiten oder Löschen.</a:t>
+            </a:r>
+          </a:p>
+          <a:p>
+            <a:pPr lvl="8">
+              <a:buFont typeface="Arial" panose="020B0604020202020204" pitchFamily="34" charset="0"/>
+              <a:buChar char="•"/>
+            </a:pPr>
+            <a:r>
+              <a:rPr lang="de-DE" sz="1600" dirty="0">
+                <a:latin typeface="Corbel" panose="020B0503020204020204" pitchFamily="34" charset="0"/>
+                <a:sym typeface="Wingdings" panose="05000000000000000000" pitchFamily="2" charset="2"/>
+              </a:rPr>
+              <a:t>Wechseln: als aktiver Nutzer wird ausgewählter Nutzer in einer </a:t>
+            </a:r>
+            <a:r>
+              <a:rPr lang="de-DE" sz="1600" dirty="0" err="1">
+                <a:latin typeface="Corbel" panose="020B0503020204020204" pitchFamily="34" charset="0"/>
+                <a:sym typeface="Wingdings" panose="05000000000000000000" pitchFamily="2" charset="2"/>
+              </a:rPr>
+              <a:t>SharedPreference</a:t>
+            </a:r>
+            <a:r>
+              <a:rPr lang="de-DE" sz="1600" dirty="0">
+                <a:latin typeface="Corbel" panose="020B0503020204020204" pitchFamily="34" charset="0"/>
+                <a:sym typeface="Wingdings" panose="05000000000000000000" pitchFamily="2" charset="2"/>
+              </a:rPr>
+              <a:t> gespeichert und die </a:t>
+            </a:r>
+            <a:r>
+              <a:rPr lang="de-DE" sz="1600" dirty="0" err="1">
+                <a:latin typeface="Corbel" panose="020B0503020204020204" pitchFamily="34" charset="0"/>
+                <a:sym typeface="Wingdings" panose="05000000000000000000" pitchFamily="2" charset="2"/>
+              </a:rPr>
+              <a:t>MainActivity</a:t>
+            </a:r>
+            <a:r>
+              <a:rPr lang="de-DE" sz="1600" dirty="0">
+                <a:latin typeface="Corbel" panose="020B0503020204020204" pitchFamily="34" charset="0"/>
+                <a:sym typeface="Wingdings" panose="05000000000000000000" pitchFamily="2" charset="2"/>
+              </a:rPr>
+              <a:t> wird geladen.</a:t>
+            </a:r>
+          </a:p>
+          <a:p>
+            <a:pPr lvl="8">
+              <a:buFont typeface="Arial" panose="020B0604020202020204" pitchFamily="34" charset="0"/>
+              <a:buChar char="•"/>
+            </a:pPr>
+            <a:r>
+              <a:rPr lang="de-DE" sz="1600" dirty="0">
+                <a:latin typeface="Corbel" panose="020B0503020204020204" pitchFamily="34" charset="0"/>
+                <a:sym typeface="Wingdings" panose="05000000000000000000" pitchFamily="2" charset="2"/>
+              </a:rPr>
+              <a:t>Bearbeiten: die </a:t>
+            </a:r>
+            <a:r>
+              <a:rPr lang="de-DE" sz="1600" dirty="0" err="1">
+                <a:latin typeface="Corbel" panose="020B0503020204020204" pitchFamily="34" charset="0"/>
+                <a:sym typeface="Wingdings" panose="05000000000000000000" pitchFamily="2" charset="2"/>
+              </a:rPr>
+              <a:t>UserCreationActivity</a:t>
+            </a:r>
+            <a:r>
+              <a:rPr lang="de-DE" sz="1600" dirty="0">
+                <a:latin typeface="Corbel" panose="020B0503020204020204" pitchFamily="34" charset="0"/>
+                <a:sym typeface="Wingdings" panose="05000000000000000000" pitchFamily="2" charset="2"/>
+              </a:rPr>
+              <a:t> wird leicht abgeändert geladen.</a:t>
+            </a:r>
+            <a:br>
+              <a:rPr lang="de-DE" sz="1600" dirty="0">
+                <a:latin typeface="Corbel" panose="020B0503020204020204" pitchFamily="34" charset="0"/>
+                <a:sym typeface="Wingdings" panose="05000000000000000000" pitchFamily="2" charset="2"/>
+              </a:rPr>
+            </a:br>
+            <a:r>
+              <a:rPr lang="de-DE" sz="1600" dirty="0">
+                <a:latin typeface="Corbel" panose="020B0503020204020204" pitchFamily="34" charset="0"/>
+                <a:sym typeface="Wingdings" panose="05000000000000000000" pitchFamily="2" charset="2"/>
+              </a:rPr>
+              <a:t>	- In den </a:t>
+            </a:r>
+            <a:r>
+              <a:rPr lang="de-DE" sz="1600" dirty="0" err="1">
+                <a:latin typeface="Corbel" panose="020B0503020204020204" pitchFamily="34" charset="0"/>
+                <a:sym typeface="Wingdings" panose="05000000000000000000" pitchFamily="2" charset="2"/>
+              </a:rPr>
+              <a:t>EditText</a:t>
+            </a:r>
+            <a:r>
+              <a:rPr lang="de-DE" sz="1600" dirty="0">
+                <a:latin typeface="Corbel" panose="020B0503020204020204" pitchFamily="34" charset="0"/>
+                <a:sym typeface="Wingdings" panose="05000000000000000000" pitchFamily="2" charset="2"/>
+              </a:rPr>
+              <a:t> Feldern steht der aktuelle  </a:t>
+            </a:r>
+            <a:br>
+              <a:rPr lang="de-DE" sz="1600" dirty="0">
+                <a:latin typeface="Corbel" panose="020B0503020204020204" pitchFamily="34" charset="0"/>
+                <a:sym typeface="Wingdings" panose="05000000000000000000" pitchFamily="2" charset="2"/>
+              </a:rPr>
+            </a:br>
+            <a:r>
+              <a:rPr lang="de-DE" sz="1600" dirty="0">
+                <a:latin typeface="Corbel" panose="020B0503020204020204" pitchFamily="34" charset="0"/>
+                <a:sym typeface="Wingdings" panose="05000000000000000000" pitchFamily="2" charset="2"/>
+              </a:rPr>
+              <a:t>        Name und die </a:t>
+            </a:r>
+            <a:r>
+              <a:rPr lang="de-DE" sz="1600" dirty="0" err="1">
+                <a:latin typeface="Corbel" panose="020B0503020204020204" pitchFamily="34" charset="0"/>
+                <a:sym typeface="Wingdings" panose="05000000000000000000" pitchFamily="2" charset="2"/>
+              </a:rPr>
+              <a:t>Flaganzahlen</a:t>
+            </a:r>
+            <a:r>
+              <a:rPr lang="de-DE" sz="1600" dirty="0">
+                <a:latin typeface="Corbel" panose="020B0503020204020204" pitchFamily="34" charset="0"/>
+                <a:sym typeface="Wingdings" panose="05000000000000000000" pitchFamily="2" charset="2"/>
+              </a:rPr>
+              <a:t>. Diese können </a:t>
+            </a:r>
+            <a:br>
+              <a:rPr lang="de-DE" sz="1600" dirty="0">
+                <a:latin typeface="Corbel" panose="020B0503020204020204" pitchFamily="34" charset="0"/>
+                <a:sym typeface="Wingdings" panose="05000000000000000000" pitchFamily="2" charset="2"/>
+              </a:rPr>
+            </a:br>
+            <a:r>
+              <a:rPr lang="de-DE" sz="1600" dirty="0">
+                <a:latin typeface="Corbel" panose="020B0503020204020204" pitchFamily="34" charset="0"/>
+                <a:sym typeface="Wingdings" panose="05000000000000000000" pitchFamily="2" charset="2"/>
+              </a:rPr>
+              <a:t>        nun Bearbeitet und dann gespeichert werden</a:t>
+            </a:r>
+          </a:p>
+          <a:p>
+            <a:pPr lvl="8">
+              <a:buFont typeface="Arial" panose="020B0604020202020204" pitchFamily="34" charset="0"/>
+              <a:buChar char="•"/>
+            </a:pPr>
+            <a:r>
+              <a:rPr lang="de-DE" sz="1600" dirty="0">
+                <a:latin typeface="Corbel" panose="020B0503020204020204" pitchFamily="34" charset="0"/>
+                <a:sym typeface="Wingdings" panose="05000000000000000000" pitchFamily="2" charset="2"/>
+              </a:rPr>
+              <a:t>Löschen: Userdaten-Tabellen-Eintrag und </a:t>
+            </a:r>
+            <a:r>
+              <a:rPr lang="de-DE" sz="1600" dirty="0" err="1">
+                <a:latin typeface="Corbel" panose="020B0503020204020204" pitchFamily="34" charset="0"/>
+                <a:sym typeface="Wingdings" panose="05000000000000000000" pitchFamily="2" charset="2"/>
+              </a:rPr>
+              <a:t>Warenkorb+Name-Tabelle</a:t>
+            </a:r>
+            <a:r>
+              <a:rPr lang="de-DE" sz="1600" dirty="0">
+                <a:latin typeface="Corbel" panose="020B0503020204020204" pitchFamily="34" charset="0"/>
+                <a:sym typeface="Wingdings" panose="05000000000000000000" pitchFamily="2" charset="2"/>
+              </a:rPr>
+              <a:t> werden gelöscht</a:t>
+            </a:r>
+            <a:br>
+              <a:rPr lang="de-DE" sz="1600" dirty="0">
+                <a:latin typeface="Corbel" panose="020B0503020204020204" pitchFamily="34" charset="0"/>
+                <a:sym typeface="Wingdings" panose="05000000000000000000" pitchFamily="2" charset="2"/>
+              </a:rPr>
+            </a:br>
+            <a:r>
+              <a:rPr lang="de-DE" sz="1600" dirty="0">
+                <a:latin typeface="Corbel" panose="020B0503020204020204" pitchFamily="34" charset="0"/>
+                <a:sym typeface="Wingdings" panose="05000000000000000000" pitchFamily="2" charset="2"/>
+              </a:rPr>
+              <a:t>	- Falls alle User gelöscht werden, wird der User </a:t>
+            </a:r>
+            <a:br>
+              <a:rPr lang="de-DE" sz="1600" dirty="0">
+                <a:latin typeface="Corbel" panose="020B0503020204020204" pitchFamily="34" charset="0"/>
+                <a:sym typeface="Wingdings" panose="05000000000000000000" pitchFamily="2" charset="2"/>
+              </a:rPr>
+            </a:br>
+            <a:r>
+              <a:rPr lang="de-DE" sz="1600" dirty="0">
+                <a:latin typeface="Corbel" panose="020B0503020204020204" pitchFamily="34" charset="0"/>
+                <a:sym typeface="Wingdings" panose="05000000000000000000" pitchFamily="2" charset="2"/>
+              </a:rPr>
+              <a:t> 	   aufgefordert einen neuen User anzulegen.</a:t>
+            </a:r>
+            <a:br>
+              <a:rPr lang="de-DE" sz="1600" dirty="0">
+                <a:highlight>
+                  <a:srgbClr val="FFFF00"/>
+                </a:highlight>
+                <a:latin typeface="Corbel" panose="020B0503020204020204" pitchFamily="34" charset="0"/>
+                <a:sym typeface="Wingdings" panose="05000000000000000000" pitchFamily="2" charset="2"/>
+              </a:rPr>
+            </a:br>
+            <a:endParaRPr lang="de-DE" sz="1600" dirty="0">
+              <a:highlight>
+                <a:srgbClr val="FFFF00"/>
+              </a:highlight>
+              <a:latin typeface="Corbel" panose="020B0503020204020204" pitchFamily="34" charset="0"/>
+              <a:sym typeface="Wingdings" panose="05000000000000000000" pitchFamily="2" charset="2"/>
+            </a:endParaRPr>
+          </a:p>
+        </p:txBody>
+      </p:sp>
+      <p:sp>
+        <p:nvSpPr>
+          <p:cNvPr id="2" name="Textplatzhalter 1">
+            <a:extLst>
+              <a:ext uri="{FF2B5EF4-FFF2-40B4-BE49-F238E27FC236}">
+                <a16:creationId xmlns:a16="http://schemas.microsoft.com/office/drawing/2014/main" id="{D92D76A2-9CAD-4D64-9A5F-4F011AEE8144}"/>
+              </a:ext>
+            </a:extLst>
+          </p:cNvPr>
+          <p:cNvSpPr>
+            <a:spLocks noGrp="1"/>
+          </p:cNvSpPr>
+          <p:nvPr>
+            <p:ph type="body" idx="13"/>
+          </p:nvPr>
+        </p:nvSpPr>
+        <p:spPr/>
+        <p:txBody>
+          <a:bodyPr/>
+          <a:lstStyle/>
+          <a:p>
+            <a:endParaRPr lang="de-DE"/>
+          </a:p>
+        </p:txBody>
+      </p:sp>
+      <p:sp>
+        <p:nvSpPr>
+          <p:cNvPr id="5" name="Datumsplatzhalter 4">
+            <a:extLst>
+              <a:ext uri="{FF2B5EF4-FFF2-40B4-BE49-F238E27FC236}">
+                <a16:creationId xmlns:a16="http://schemas.microsoft.com/office/drawing/2014/main" id="{C319720F-1CD0-4FF4-9890-2105ED7BAD7B}"/>
+              </a:ext>
+            </a:extLst>
+          </p:cNvPr>
+          <p:cNvSpPr>
+            <a:spLocks noGrp="1"/>
+          </p:cNvSpPr>
+          <p:nvPr>
+            <p:ph type="dt" sz="half" idx="14"/>
+          </p:nvPr>
+        </p:nvSpPr>
+        <p:spPr/>
+        <p:txBody>
+          <a:bodyPr/>
+          <a:lstStyle/>
+          <a:p>
+            <a:pPr>
+              <a:defRPr/>
+            </a:pPr>
+            <a:fld id="{90503C0D-0707-4A07-942E-3F0C914DAF04}" type="datetime1">
+              <a:rPr lang="de-DE" smtClean="0"/>
+              <a:pPr>
+                <a:defRPr/>
+              </a:pPr>
+              <a:t>19.02.2022</a:t>
+            </a:fld>
+            <a:endParaRPr lang="de-DE" dirty="0"/>
+          </a:p>
+        </p:txBody>
+      </p:sp>
+      <p:sp>
+        <p:nvSpPr>
+          <p:cNvPr id="6" name="Foliennummernplatzhalter 5">
+            <a:extLst>
+              <a:ext uri="{FF2B5EF4-FFF2-40B4-BE49-F238E27FC236}">
+                <a16:creationId xmlns:a16="http://schemas.microsoft.com/office/drawing/2014/main" id="{6A0B34F3-0515-4B69-BAFC-42E1429BE82A}"/>
+              </a:ext>
+            </a:extLst>
+          </p:cNvPr>
+          <p:cNvSpPr>
+            <a:spLocks noGrp="1"/>
+          </p:cNvSpPr>
+          <p:nvPr>
+            <p:ph type="sldNum" sz="quarter" idx="15"/>
+          </p:nvPr>
+        </p:nvSpPr>
+        <p:spPr/>
+        <p:txBody>
+          <a:bodyPr/>
+          <a:lstStyle/>
+          <a:p>
+            <a:r>
+              <a:rPr lang="de-DE"/>
+              <a:t>Seite </a:t>
+            </a:r>
+            <a:fld id="{35334651-DA3B-4EB7-B98A-13466C4842BA}" type="slidenum">
+              <a:rPr lang="de-DE" smtClean="0"/>
+              <a:pPr/>
+              <a:t>10</a:t>
+            </a:fld>
+            <a:endParaRPr lang="de-DE"/>
+          </a:p>
+        </p:txBody>
+      </p:sp>
+    </p:spTree>
+    <p:extLst>
+      <p:ext uri="{BB962C8B-B14F-4D97-AF65-F5344CB8AC3E}">
+        <p14:creationId xmlns:p14="http://schemas.microsoft.com/office/powerpoint/2010/main" val="1795695283"/>
+      </p:ext>
+    </p:extLst>
+  </p:cSld>
+  <p:clrMapOvr>
+    <a:masterClrMapping/>
+  </p:clrMapOvr>
+</p:sld>
+</file>
+
+<file path=ppt/slides/slide11.xml><?xml version="1.0" encoding="utf-8"?>
+<p:sld xmlns:a="http://schemas.openxmlformats.org/drawingml/2006/main" xmlns:r="http://schemas.openxmlformats.org/officeDocument/2006/relationships" xmlns:p="http://schemas.openxmlformats.org/presentationml/2006/main">
+  <p:cSld>
+    <p:spTree>
+      <p:nvGrpSpPr>
+        <p:cNvPr id="1" name=""/>
+        <p:cNvGrpSpPr/>
+        <p:nvPr/>
+      </p:nvGrpSpPr>
+      <p:grpSpPr>
+        <a:xfrm>
+          <a:off x="0" y="0"/>
+          <a:ext cx="0" cy="0"/>
+          <a:chOff x="0" y="0"/>
+          <a:chExt cx="0" cy="0"/>
+        </a:xfrm>
+      </p:grpSpPr>
+      <p:sp>
+        <p:nvSpPr>
+          <p:cNvPr id="17" name="Titel 16">
+            <a:extLst>
+              <a:ext uri="{FF2B5EF4-FFF2-40B4-BE49-F238E27FC236}">
+                <a16:creationId xmlns:a16="http://schemas.microsoft.com/office/drawing/2014/main" id="{5310A8A3-5C3B-427A-83BE-2B45CDCBD872}"/>
+              </a:ext>
+            </a:extLst>
+          </p:cNvPr>
+          <p:cNvSpPr>
+            <a:spLocks noGrp="1"/>
+          </p:cNvSpPr>
+          <p:nvPr>
+            <p:ph type="title"/>
+          </p:nvPr>
+        </p:nvSpPr>
+        <p:spPr/>
+        <p:txBody>
+          <a:bodyPr/>
+          <a:lstStyle/>
+          <a:p>
+            <a:r>
+              <a:rPr lang="de-DE" dirty="0">
+                <a:latin typeface="Corbel" panose="020B0503020204020204" pitchFamily="34" charset="0"/>
+              </a:rPr>
+              <a:t>Codeinspektion</a:t>
+            </a:r>
+          </a:p>
+        </p:txBody>
+      </p:sp>
+      <p:sp>
+        <p:nvSpPr>
+          <p:cNvPr id="2" name="Textplatzhalter 1">
+            <a:extLst>
+              <a:ext uri="{FF2B5EF4-FFF2-40B4-BE49-F238E27FC236}">
+                <a16:creationId xmlns:a16="http://schemas.microsoft.com/office/drawing/2014/main" id="{D92D76A2-9CAD-4D64-9A5F-4F011AEE8144}"/>
+              </a:ext>
+            </a:extLst>
+          </p:cNvPr>
+          <p:cNvSpPr>
+            <a:spLocks noGrp="1"/>
+          </p:cNvSpPr>
+          <p:nvPr>
+            <p:ph type="body" idx="13"/>
+          </p:nvPr>
+        </p:nvSpPr>
+        <p:spPr/>
+        <p:txBody>
+          <a:bodyPr/>
+          <a:lstStyle/>
+          <a:p>
+            <a:endParaRPr lang="de-DE"/>
+          </a:p>
+        </p:txBody>
+      </p:sp>
+      <p:sp>
+        <p:nvSpPr>
+          <p:cNvPr id="5" name="Datumsplatzhalter 4">
+            <a:extLst>
+              <a:ext uri="{FF2B5EF4-FFF2-40B4-BE49-F238E27FC236}">
+                <a16:creationId xmlns:a16="http://schemas.microsoft.com/office/drawing/2014/main" id="{C319720F-1CD0-4FF4-9890-2105ED7BAD7B}"/>
+              </a:ext>
+            </a:extLst>
+          </p:cNvPr>
+          <p:cNvSpPr>
+            <a:spLocks noGrp="1"/>
+          </p:cNvSpPr>
+          <p:nvPr>
+            <p:ph type="dt" sz="half" idx="14"/>
+          </p:nvPr>
+        </p:nvSpPr>
+        <p:spPr/>
+        <p:txBody>
+          <a:bodyPr/>
+          <a:lstStyle/>
+          <a:p>
+            <a:pPr>
+              <a:defRPr/>
+            </a:pPr>
+            <a:fld id="{90503C0D-0707-4A07-942E-3F0C914DAF04}" type="datetime1">
+              <a:rPr lang="de-DE" smtClean="0"/>
+              <a:pPr>
+                <a:defRPr/>
+              </a:pPr>
+              <a:t>19.02.2022</a:t>
+            </a:fld>
+            <a:endParaRPr lang="de-DE" dirty="0"/>
+          </a:p>
+        </p:txBody>
+      </p:sp>
+      <p:sp>
+        <p:nvSpPr>
+          <p:cNvPr id="6" name="Foliennummernplatzhalter 5">
+            <a:extLst>
+              <a:ext uri="{FF2B5EF4-FFF2-40B4-BE49-F238E27FC236}">
+                <a16:creationId xmlns:a16="http://schemas.microsoft.com/office/drawing/2014/main" id="{6A0B34F3-0515-4B69-BAFC-42E1429BE82A}"/>
+              </a:ext>
+            </a:extLst>
+          </p:cNvPr>
+          <p:cNvSpPr>
+            <a:spLocks noGrp="1"/>
+          </p:cNvSpPr>
+          <p:nvPr>
+            <p:ph type="sldNum" sz="quarter" idx="15"/>
+          </p:nvPr>
+        </p:nvSpPr>
+        <p:spPr/>
+        <p:txBody>
+          <a:bodyPr/>
+          <a:lstStyle/>
+          <a:p>
+            <a:r>
+              <a:rPr lang="de-DE"/>
+              <a:t>Seite </a:t>
+            </a:r>
+            <a:fld id="{35334651-DA3B-4EB7-B98A-13466C4842BA}" type="slidenum">
+              <a:rPr lang="de-DE" smtClean="0"/>
+              <a:pPr/>
+              <a:t>11</a:t>
+            </a:fld>
+            <a:endParaRPr lang="de-DE"/>
+          </a:p>
+        </p:txBody>
+      </p:sp>
+      <p:sp>
+        <p:nvSpPr>
+          <p:cNvPr id="3" name="Inhaltsplatzhalter 2">
+            <a:extLst>
+              <a:ext uri="{FF2B5EF4-FFF2-40B4-BE49-F238E27FC236}">
+                <a16:creationId xmlns:a16="http://schemas.microsoft.com/office/drawing/2014/main" id="{A622E4CD-65FA-460B-95F9-93CD18E287EF}"/>
+              </a:ext>
+            </a:extLst>
+          </p:cNvPr>
+          <p:cNvSpPr>
+            <a:spLocks noGrp="1"/>
+          </p:cNvSpPr>
+          <p:nvPr>
+            <p:ph sz="quarter" idx="12"/>
+          </p:nvPr>
+        </p:nvSpPr>
+        <p:spPr/>
+        <p:txBody>
+          <a:bodyPr/>
+          <a:lstStyle/>
+          <a:p>
+            <a:r>
+              <a:rPr lang="de-DE" dirty="0"/>
+              <a:t>https://github.com/ppetting/EP_SJPP_Prototyp</a:t>
+            </a:r>
+          </a:p>
+        </p:txBody>
+      </p:sp>
+    </p:spTree>
+    <p:extLst>
+      <p:ext uri="{BB962C8B-B14F-4D97-AF65-F5344CB8AC3E}">
+        <p14:creationId xmlns:p14="http://schemas.microsoft.com/office/powerpoint/2010/main" val="1569559535"/>
+      </p:ext>
+    </p:extLst>
+  </p:cSld>
+  <p:clrMapOvr>
+    <a:masterClrMapping/>
+  </p:clrMapOvr>
+</p:sld>
+</file>
+
+<file path=ppt/slides/slide12.xml><?xml version="1.0" encoding="utf-8"?>
+<p:sld xmlns:a="http://schemas.openxmlformats.org/drawingml/2006/main" xmlns:r="http://schemas.openxmlformats.org/officeDocument/2006/relationships" xmlns:p="http://schemas.openxmlformats.org/presentationml/2006/main">
+  <p:cSld>
+    <p:spTree>
+      <p:nvGrpSpPr>
+        <p:cNvPr id="1" name=""/>
+        <p:cNvGrpSpPr/>
+        <p:nvPr/>
+      </p:nvGrpSpPr>
+      <p:grpSpPr>
+        <a:xfrm>
+          <a:off x="0" y="0"/>
+          <a:ext cx="0" cy="0"/>
+          <a:chOff x="0" y="0"/>
+          <a:chExt cx="0" cy="0"/>
+        </a:xfrm>
+      </p:grpSpPr>
+      <p:sp>
+        <p:nvSpPr>
+          <p:cNvPr id="17" name="Titel 16">
+            <a:extLst>
+              <a:ext uri="{FF2B5EF4-FFF2-40B4-BE49-F238E27FC236}">
+                <a16:creationId xmlns:a16="http://schemas.microsoft.com/office/drawing/2014/main" id="{5310A8A3-5C3B-427A-83BE-2B45CDCBD872}"/>
+              </a:ext>
+            </a:extLst>
+          </p:cNvPr>
+          <p:cNvSpPr>
+            <a:spLocks noGrp="1"/>
+          </p:cNvSpPr>
+          <p:nvPr>
+            <p:ph type="title"/>
+          </p:nvPr>
+        </p:nvSpPr>
+        <p:spPr/>
+        <p:txBody>
+          <a:bodyPr/>
+          <a:lstStyle/>
+          <a:p>
+            <a:r>
+              <a:rPr lang="de-DE" dirty="0">
+                <a:latin typeface="Corbel" panose="020B0503020204020204" pitchFamily="34" charset="0"/>
+              </a:rPr>
+              <a:t>Fazit</a:t>
+            </a:r>
+          </a:p>
+        </p:txBody>
+      </p:sp>
+      <p:sp>
+        <p:nvSpPr>
+          <p:cNvPr id="18" name="Inhaltsplatzhalter 17">
+            <a:extLst>
+              <a:ext uri="{FF2B5EF4-FFF2-40B4-BE49-F238E27FC236}">
+                <a16:creationId xmlns:a16="http://schemas.microsoft.com/office/drawing/2014/main" id="{29C102FF-5B5C-4AE3-A34C-6C250D62A372}"/>
+              </a:ext>
+            </a:extLst>
+          </p:cNvPr>
+          <p:cNvSpPr>
+            <a:spLocks noGrp="1"/>
+          </p:cNvSpPr>
+          <p:nvPr>
+            <p:ph sz="quarter" idx="12"/>
+          </p:nvPr>
+        </p:nvSpPr>
+        <p:spPr/>
+        <p:txBody>
+          <a:bodyPr/>
+          <a:lstStyle/>
+          <a:p>
+            <a:pPr lvl="3" indent="-342900">
+              <a:buFont typeface="Arial" panose="020B0604020202020204" pitchFamily="34" charset="0"/>
+              <a:buChar char="•"/>
+            </a:pPr>
+            <a:endParaRPr lang="de-DE" dirty="0">
+              <a:latin typeface="Corbel" panose="020B0503020204020204" pitchFamily="34" charset="0"/>
+            </a:endParaRPr>
+          </a:p>
+        </p:txBody>
+      </p:sp>
+      <p:sp>
+        <p:nvSpPr>
+          <p:cNvPr id="2" name="Textplatzhalter 1">
+            <a:extLst>
+              <a:ext uri="{FF2B5EF4-FFF2-40B4-BE49-F238E27FC236}">
+                <a16:creationId xmlns:a16="http://schemas.microsoft.com/office/drawing/2014/main" id="{D92D76A2-9CAD-4D64-9A5F-4F011AEE8144}"/>
+              </a:ext>
+            </a:extLst>
+          </p:cNvPr>
+          <p:cNvSpPr>
+            <a:spLocks noGrp="1"/>
+          </p:cNvSpPr>
+          <p:nvPr>
+            <p:ph type="body" idx="13"/>
+          </p:nvPr>
+        </p:nvSpPr>
+        <p:spPr/>
+        <p:txBody>
+          <a:bodyPr/>
+          <a:lstStyle/>
+          <a:p>
+            <a:endParaRPr lang="de-DE"/>
+          </a:p>
+        </p:txBody>
+      </p:sp>
+      <p:sp>
+        <p:nvSpPr>
+          <p:cNvPr id="5" name="Datumsplatzhalter 4">
+            <a:extLst>
+              <a:ext uri="{FF2B5EF4-FFF2-40B4-BE49-F238E27FC236}">
+                <a16:creationId xmlns:a16="http://schemas.microsoft.com/office/drawing/2014/main" id="{C319720F-1CD0-4FF4-9890-2105ED7BAD7B}"/>
+              </a:ext>
+            </a:extLst>
+          </p:cNvPr>
+          <p:cNvSpPr>
+            <a:spLocks noGrp="1"/>
+          </p:cNvSpPr>
+          <p:nvPr>
+            <p:ph type="dt" sz="half" idx="14"/>
+          </p:nvPr>
+        </p:nvSpPr>
+        <p:spPr/>
+        <p:txBody>
+          <a:bodyPr/>
+          <a:lstStyle/>
+          <a:p>
+            <a:pPr>
+              <a:defRPr/>
+            </a:pPr>
+            <a:fld id="{90503C0D-0707-4A07-942E-3F0C914DAF04}" type="datetime1">
+              <a:rPr lang="de-DE" smtClean="0"/>
+              <a:pPr>
+                <a:defRPr/>
+              </a:pPr>
+              <a:t>19.02.2022</a:t>
+            </a:fld>
+            <a:endParaRPr lang="de-DE" dirty="0"/>
+          </a:p>
+        </p:txBody>
+      </p:sp>
+      <p:sp>
+        <p:nvSpPr>
+          <p:cNvPr id="6" name="Foliennummernplatzhalter 5">
+            <a:extLst>
+              <a:ext uri="{FF2B5EF4-FFF2-40B4-BE49-F238E27FC236}">
+                <a16:creationId xmlns:a16="http://schemas.microsoft.com/office/drawing/2014/main" id="{6A0B34F3-0515-4B69-BAFC-42E1429BE82A}"/>
+              </a:ext>
+            </a:extLst>
+          </p:cNvPr>
+          <p:cNvSpPr>
+            <a:spLocks noGrp="1"/>
+          </p:cNvSpPr>
+          <p:nvPr>
+            <p:ph type="sldNum" sz="quarter" idx="15"/>
+          </p:nvPr>
+        </p:nvSpPr>
+        <p:spPr/>
+        <p:txBody>
+          <a:bodyPr/>
+          <a:lstStyle/>
+          <a:p>
+            <a:r>
+              <a:rPr lang="de-DE"/>
+              <a:t>Seite </a:t>
+            </a:r>
+            <a:fld id="{35334651-DA3B-4EB7-B98A-13466C4842BA}" type="slidenum">
+              <a:rPr lang="de-DE" smtClean="0"/>
+              <a:pPr/>
+              <a:t>12</a:t>
+            </a:fld>
+            <a:endParaRPr lang="de-DE"/>
+          </a:p>
+        </p:txBody>
+      </p:sp>
+    </p:spTree>
+    <p:extLst>
+      <p:ext uri="{BB962C8B-B14F-4D97-AF65-F5344CB8AC3E}">
+        <p14:creationId xmlns:p14="http://schemas.microsoft.com/office/powerpoint/2010/main" val="162874750"/>
+      </p:ext>
+    </p:extLst>
+  </p:cSld>
+  <p:clrMapOvr>
+    <a:masterClrMapping/>
+  </p:clrMapOvr>
+</p:sld>
+</file>
+
 <file path=ppt/slides/slide2.xml><?xml version="1.0" encoding="utf-8"?>
 <p:sld xmlns:a="http://schemas.openxmlformats.org/drawingml/2006/main" xmlns:r="http://schemas.openxmlformats.org/officeDocument/2006/relationships" xmlns:p="http://schemas.openxmlformats.org/presentationml/2006/main">
   <p:cSld>
@@ -8471,7 +10393,7 @@
           <a:lstStyle/>
           <a:p>
             <a:r>
-              <a:rPr lang="de-DE" sz="2400" dirty="0">
+              <a:rPr lang="de-DE" dirty="0">
                 <a:latin typeface="Corbel" panose="020B0503020204020204" pitchFamily="34" charset="0"/>
               </a:rPr>
               <a:t>Wissenschaftliches Poster</a:t>
@@ -8691,48 +10613,121 @@
           <a:bodyPr/>
           <a:lstStyle/>
           <a:p>
-            <a:pPr lvl="4" indent="-342900">
+            <a:pPr algn="l"/>
+            <a:r>
+              <a:rPr lang="de-DE" sz="1600" b="0" i="0" dirty="0">
+                <a:effectLst/>
+                <a:latin typeface="Corbel" panose="020B0503020204020204" pitchFamily="34" charset="0"/>
+              </a:rPr>
+              <a:t>Konzepte: </a:t>
+            </a:r>
+          </a:p>
+          <a:p>
+            <a:pPr algn="l">
               <a:buFont typeface="Arial" panose="020B0604020202020204" pitchFamily="34" charset="0"/>
               <a:buChar char="•"/>
             </a:pPr>
-            <a:endParaRPr lang="de-DE" dirty="0">
-              <a:latin typeface="Corbel" panose="020B0503020204020204" pitchFamily="34" charset="0"/>
-            </a:endParaRPr>
-          </a:p>
-          <a:p>
-            <a:pPr lvl="4" indent="-342900">
+            <a:r>
+              <a:rPr lang="de-DE" sz="1600" dirty="0">
+                <a:latin typeface="Corbel" panose="020B0503020204020204" pitchFamily="34" charset="0"/>
+              </a:rPr>
+              <a:t>First-App-Start</a:t>
+            </a:r>
+          </a:p>
+          <a:p>
+            <a:pPr>
               <a:buFont typeface="Arial" panose="020B0604020202020204" pitchFamily="34" charset="0"/>
               <a:buChar char="•"/>
             </a:pPr>
-            <a:endParaRPr lang="de-DE" dirty="0">
+            <a:r>
+              <a:rPr lang="de-DE" sz="1600" b="0" i="0" dirty="0">
+                <a:effectLst/>
+                <a:latin typeface="Corbel" panose="020B0503020204020204" pitchFamily="34" charset="0"/>
+              </a:rPr>
+              <a:t>Menübereich mit Passwort sichern</a:t>
+            </a:r>
+            <a:endParaRPr lang="de-DE" sz="1600" dirty="0">
               <a:latin typeface="Corbel" panose="020B0503020204020204" pitchFamily="34" charset="0"/>
             </a:endParaRPr>
           </a:p>
           <a:p>
-            <a:pPr marL="730250" lvl="4" indent="0">
-              <a:buNone/>
-            </a:pPr>
-            <a:endParaRPr lang="de-DE" dirty="0">
-              <a:latin typeface="Corbel" panose="020B0503020204020204" pitchFamily="34" charset="0"/>
-              <a:sym typeface="Wingdings" panose="05000000000000000000" pitchFamily="2" charset="2"/>
-            </a:endParaRPr>
-          </a:p>
-          <a:p>
-            <a:pPr lvl="4" indent="-342900">
+            <a:pPr algn="l">
               <a:buFont typeface="Arial" panose="020B0604020202020204" pitchFamily="34" charset="0"/>
               <a:buChar char="•"/>
             </a:pPr>
-            <a:endParaRPr lang="de-DE" dirty="0">
-              <a:latin typeface="Corbel" panose="020B0503020204020204" pitchFamily="34" charset="0"/>
-              <a:sym typeface="Wingdings" panose="05000000000000000000" pitchFamily="2" charset="2"/>
-            </a:endParaRPr>
-          </a:p>
-          <a:p>
-            <a:pPr lvl="4" indent="-342900">
+            <a:r>
+              <a:rPr lang="de-DE" sz="1600" dirty="0">
+                <a:latin typeface="Corbel" panose="020B0503020204020204" pitchFamily="34" charset="0"/>
+              </a:rPr>
+              <a:t>Produkte können nur in den Warenkorb hinzugefügt werden, wenn die </a:t>
+            </a:r>
+            <a:r>
+              <a:rPr lang="de-DE" sz="1600" dirty="0" err="1">
+                <a:latin typeface="Corbel" panose="020B0503020204020204" pitchFamily="34" charset="0"/>
+              </a:rPr>
+              <a:t>Flaganzahl</a:t>
+            </a:r>
+            <a:r>
+              <a:rPr lang="de-DE" sz="1600" dirty="0">
+                <a:latin typeface="Corbel" panose="020B0503020204020204" pitchFamily="34" charset="0"/>
+              </a:rPr>
+              <a:t> nicht überschritten wurde</a:t>
+            </a:r>
+          </a:p>
+          <a:p>
+            <a:pPr>
               <a:buFont typeface="Arial" panose="020B0604020202020204" pitchFamily="34" charset="0"/>
               <a:buChar char="•"/>
             </a:pPr>
-            <a:endParaRPr lang="de-DE" dirty="0">
+            <a:r>
+              <a:rPr lang="de-DE" sz="1600" dirty="0">
+                <a:latin typeface="Corbel" panose="020B0503020204020204" pitchFamily="34" charset="0"/>
+              </a:rPr>
+              <a:t>Produkte können im Warenkorb einzeln gelöscht werden</a:t>
+            </a:r>
+          </a:p>
+          <a:p>
+            <a:pPr algn="l">
+              <a:buFont typeface="Arial" panose="020B0604020202020204" pitchFamily="34" charset="0"/>
+              <a:buChar char="•"/>
+            </a:pPr>
+            <a:r>
+              <a:rPr lang="de-DE" sz="1600" dirty="0">
+                <a:latin typeface="Corbel" panose="020B0503020204020204" pitchFamily="34" charset="0"/>
+              </a:rPr>
+              <a:t>Eigene Produktbilder können hinterlegt werden</a:t>
+            </a:r>
+          </a:p>
+          <a:p>
+            <a:pPr>
+              <a:buFont typeface="Arial" panose="020B0604020202020204" pitchFamily="34" charset="0"/>
+              <a:buChar char="•"/>
+            </a:pPr>
+            <a:r>
+              <a:rPr lang="de-DE" sz="1600" dirty="0">
+                <a:latin typeface="Corbel" panose="020B0503020204020204" pitchFamily="34" charset="0"/>
+              </a:rPr>
+              <a:t>Mehrere User können angelegt werden und zwischen diesen kann gewechselt werden</a:t>
+            </a:r>
+          </a:p>
+          <a:p>
+            <a:pPr algn="l">
+              <a:buFont typeface="Arial" panose="020B0604020202020204" pitchFamily="34" charset="0"/>
+              <a:buChar char="•"/>
+            </a:pPr>
+            <a:r>
+              <a:rPr lang="de-DE" sz="1600" dirty="0">
+                <a:latin typeface="Corbel" panose="020B0503020204020204" pitchFamily="34" charset="0"/>
+              </a:rPr>
+              <a:t>User können bearbeitet werden</a:t>
+            </a:r>
+          </a:p>
+          <a:p>
+            <a:pPr lvl="2">
+              <a:buFont typeface="Arial" panose="020B0604020202020204" pitchFamily="34" charset="0"/>
+              <a:buChar char="•"/>
+            </a:pPr>
+            <a:endParaRPr lang="de-DE" sz="1600" dirty="0">
               <a:latin typeface="Corbel" panose="020B0503020204020204" pitchFamily="34" charset="0"/>
             </a:endParaRPr>
           </a:p>
@@ -8835,7 +10830,7 @@
     </p:spTree>
     <p:extLst>
       <p:ext uri="{BB962C8B-B14F-4D97-AF65-F5344CB8AC3E}">
-        <p14:creationId xmlns:p14="http://schemas.microsoft.com/office/powerpoint/2010/main" val="292346344"/>
+        <p14:creationId xmlns:p14="http://schemas.microsoft.com/office/powerpoint/2010/main" val="425842943"/>
       </p:ext>
     </p:extLst>
   </p:cSld>
@@ -8862,6 +10857,36 @@
           <a:chExt cx="0" cy="0"/>
         </a:xfrm>
       </p:grpSpPr>
+      <p:pic>
+        <p:nvPicPr>
+          <p:cNvPr id="4" name="Grafik 3">
+            <a:extLst>
+              <a:ext uri="{FF2B5EF4-FFF2-40B4-BE49-F238E27FC236}">
+                <a16:creationId xmlns:a16="http://schemas.microsoft.com/office/drawing/2014/main" id="{D4C8A3D3-8107-412A-8D33-144269B89372}"/>
+              </a:ext>
+            </a:extLst>
+          </p:cNvPr>
+          <p:cNvPicPr>
+            <a:picLocks noChangeAspect="1"/>
+          </p:cNvPicPr>
+          <p:nvPr/>
+        </p:nvPicPr>
+        <p:blipFill>
+          <a:blip r:embed="rId3"/>
+          <a:stretch>
+            <a:fillRect/>
+          </a:stretch>
+        </p:blipFill>
+        <p:spPr>
+          <a:xfrm>
+            <a:off x="341658" y="1295657"/>
+            <a:ext cx="4397768" cy="4546474"/>
+          </a:xfrm>
+          <a:prstGeom prst="rect">
+            <a:avLst/>
+          </a:prstGeom>
+        </p:spPr>
+      </p:pic>
       <p:sp>
         <p:nvSpPr>
           <p:cNvPr id="17" name="Titel 16">
@@ -8887,8 +10912,325 @@
               <a:rPr lang="de-DE" dirty="0">
                 <a:latin typeface="Corbel" panose="020B0503020204020204" pitchFamily="34" charset="0"/>
               </a:rPr>
-              <a:t>Codeinspektion</a:t>
-            </a:r>
+              <a:t>Vorstellung des funktionalen Prototypen</a:t>
+            </a:r>
+            <a:br>
+              <a:rPr lang="de-DE" dirty="0">
+                <a:latin typeface="Corbel" panose="020B0503020204020204" pitchFamily="34" charset="0"/>
+              </a:rPr>
+            </a:br>
+            <a:endParaRPr lang="de-DE" dirty="0">
+              <a:latin typeface="Corbel" panose="020B0503020204020204" pitchFamily="34" charset="0"/>
+            </a:endParaRPr>
+          </a:p>
+        </p:txBody>
+      </p:sp>
+      <p:sp>
+        <p:nvSpPr>
+          <p:cNvPr id="18" name="Inhaltsplatzhalter 17">
+            <a:extLst>
+              <a:ext uri="{FF2B5EF4-FFF2-40B4-BE49-F238E27FC236}">
+                <a16:creationId xmlns:a16="http://schemas.microsoft.com/office/drawing/2014/main" id="{29C102FF-5B5C-4AE3-A34C-6C250D62A372}"/>
+              </a:ext>
+            </a:extLst>
+          </p:cNvPr>
+          <p:cNvSpPr>
+            <a:spLocks noGrp="1"/>
+          </p:cNvSpPr>
+          <p:nvPr>
+            <p:ph sz="quarter" idx="12"/>
+          </p:nvPr>
+        </p:nvSpPr>
+        <p:spPr/>
+        <p:txBody>
+          <a:bodyPr/>
+          <a:lstStyle/>
+          <a:p>
+            <a:pPr algn="l"/>
+            <a:r>
+              <a:rPr lang="de-DE" sz="1600" b="0" i="0" dirty="0">
+                <a:effectLst/>
+                <a:latin typeface="Corbel" panose="020B0503020204020204" pitchFamily="34" charset="0"/>
+              </a:rPr>
+              <a:t>Konzept „First-App-Start“: </a:t>
+            </a:r>
+          </a:p>
+          <a:p>
+            <a:pPr lvl="8">
+              <a:buFont typeface="Arial" panose="020B0604020202020204" pitchFamily="34" charset="0"/>
+              <a:buChar char="•"/>
+            </a:pPr>
+            <a:r>
+              <a:rPr lang="de-DE" sz="1600" dirty="0">
+                <a:latin typeface="Corbel" panose="020B0503020204020204" pitchFamily="34" charset="0"/>
+              </a:rPr>
+              <a:t>Erstellung der Datenbank mit den Tabellen „Sortiment“ und „Userdaten“</a:t>
+            </a:r>
+          </a:p>
+          <a:p>
+            <a:pPr lvl="8">
+              <a:buFont typeface="Arial" panose="020B0604020202020204" pitchFamily="34" charset="0"/>
+              <a:buChar char="•"/>
+            </a:pPr>
+            <a:r>
+              <a:rPr lang="de-DE" sz="1600" dirty="0">
+                <a:latin typeface="Corbel" panose="020B0503020204020204" pitchFamily="34" charset="0"/>
+              </a:rPr>
+              <a:t>Admin soll nun Passwort setzen, welches in den </a:t>
+            </a:r>
+            <a:r>
+              <a:rPr lang="de-DE" sz="1600" dirty="0" err="1">
+                <a:latin typeface="Corbel" panose="020B0503020204020204" pitchFamily="34" charset="0"/>
+              </a:rPr>
+              <a:t>SharedPreferences</a:t>
+            </a:r>
+            <a:r>
+              <a:rPr lang="de-DE" sz="1600" dirty="0">
+                <a:latin typeface="Corbel" panose="020B0503020204020204" pitchFamily="34" charset="0"/>
+              </a:rPr>
+              <a:t> gespeichert wird. </a:t>
+            </a:r>
+            <a:br>
+              <a:rPr lang="de-DE" sz="1600" dirty="0">
+                <a:latin typeface="Corbel" panose="020B0503020204020204" pitchFamily="34" charset="0"/>
+              </a:rPr>
+            </a:br>
+            <a:r>
+              <a:rPr lang="de-DE" sz="1600" dirty="0">
+                <a:latin typeface="Corbel" panose="020B0503020204020204" pitchFamily="34" charset="0"/>
+              </a:rPr>
+              <a:t>	- Das kann nicht umgangen werden</a:t>
+            </a:r>
+            <a:br>
+              <a:rPr lang="de-DE" sz="1600" dirty="0">
+                <a:latin typeface="Corbel" panose="020B0503020204020204" pitchFamily="34" charset="0"/>
+              </a:rPr>
+            </a:br>
+            <a:r>
+              <a:rPr lang="de-DE" sz="1600" dirty="0">
+                <a:latin typeface="Corbel" panose="020B0503020204020204" pitchFamily="34" charset="0"/>
+              </a:rPr>
+              <a:t>	   </a:t>
+            </a:r>
+            <a:r>
+              <a:rPr lang="de-DE" sz="1600" dirty="0">
+                <a:latin typeface="Corbel" panose="020B0503020204020204" pitchFamily="34" charset="0"/>
+                <a:sym typeface="Wingdings" panose="05000000000000000000" pitchFamily="2" charset="2"/>
+              </a:rPr>
+              <a:t> 	bis Passwort gesetzt wurde, wird die </a:t>
+            </a:r>
+            <a:br>
+              <a:rPr lang="de-DE" sz="1600" dirty="0">
+                <a:latin typeface="Corbel" panose="020B0503020204020204" pitchFamily="34" charset="0"/>
+                <a:sym typeface="Wingdings" panose="05000000000000000000" pitchFamily="2" charset="2"/>
+              </a:rPr>
+            </a:br>
+            <a:r>
+              <a:rPr lang="de-DE" sz="1600" dirty="0">
+                <a:latin typeface="Corbel" panose="020B0503020204020204" pitchFamily="34" charset="0"/>
+                <a:sym typeface="Wingdings" panose="05000000000000000000" pitchFamily="2" charset="2"/>
+              </a:rPr>
+              <a:t>    		</a:t>
+            </a:r>
+            <a:r>
+              <a:rPr lang="de-DE" sz="1600" dirty="0" err="1">
+                <a:latin typeface="Corbel" panose="020B0503020204020204" pitchFamily="34" charset="0"/>
+                <a:sym typeface="Wingdings" panose="05000000000000000000" pitchFamily="2" charset="2"/>
+              </a:rPr>
+              <a:t>Activity</a:t>
+            </a:r>
+            <a:r>
+              <a:rPr lang="de-DE" sz="1600" dirty="0">
+                <a:latin typeface="Corbel" panose="020B0503020204020204" pitchFamily="34" charset="0"/>
+                <a:sym typeface="Wingdings" panose="05000000000000000000" pitchFamily="2" charset="2"/>
+              </a:rPr>
+              <a:t> aufgerufen</a:t>
+            </a:r>
+            <a:endParaRPr lang="de-DE" sz="1600" dirty="0">
+              <a:latin typeface="Corbel" panose="020B0503020204020204" pitchFamily="34" charset="0"/>
+            </a:endParaRPr>
+          </a:p>
+          <a:p>
+            <a:pPr lvl="8">
+              <a:buFont typeface="Arial" panose="020B0604020202020204" pitchFamily="34" charset="0"/>
+              <a:buChar char="•"/>
+            </a:pPr>
+            <a:r>
+              <a:rPr lang="de-DE" sz="1600" dirty="0">
+                <a:latin typeface="Corbel" panose="020B0503020204020204" pitchFamily="34" charset="0"/>
+              </a:rPr>
+              <a:t>Erster User soll angelegt werden</a:t>
+            </a:r>
+            <a:br>
+              <a:rPr lang="de-DE" sz="1600" dirty="0">
+                <a:latin typeface="Corbel" panose="020B0503020204020204" pitchFamily="34" charset="0"/>
+              </a:rPr>
+            </a:br>
+            <a:r>
+              <a:rPr lang="de-DE" sz="1600" dirty="0">
+                <a:latin typeface="Corbel" panose="020B0503020204020204" pitchFamily="34" charset="0"/>
+              </a:rPr>
+              <a:t>	- Eintragen des Namen sowie die </a:t>
+            </a:r>
+            <a:r>
+              <a:rPr lang="de-DE" sz="1600" dirty="0" err="1">
+                <a:latin typeface="Corbel" panose="020B0503020204020204" pitchFamily="34" charset="0"/>
+              </a:rPr>
+              <a:t>Flaganzahlen</a:t>
+            </a:r>
+            <a:r>
+              <a:rPr lang="de-DE" sz="1600" dirty="0">
+                <a:latin typeface="Corbel" panose="020B0503020204020204" pitchFamily="34" charset="0"/>
+              </a:rPr>
+              <a:t> </a:t>
+            </a:r>
+            <a:br>
+              <a:rPr lang="de-DE" sz="1600" dirty="0">
+                <a:latin typeface="Corbel" panose="020B0503020204020204" pitchFamily="34" charset="0"/>
+              </a:rPr>
+            </a:br>
+            <a:r>
+              <a:rPr lang="de-DE" sz="1600" dirty="0">
+                <a:latin typeface="Corbel" panose="020B0503020204020204" pitchFamily="34" charset="0"/>
+              </a:rPr>
+              <a:t>	- Kann nicht umgangen werden</a:t>
+            </a:r>
+            <a:br>
+              <a:rPr lang="de-DE" sz="1600" dirty="0">
+                <a:latin typeface="Corbel" panose="020B0503020204020204" pitchFamily="34" charset="0"/>
+              </a:rPr>
+            </a:br>
+            <a:r>
+              <a:rPr lang="de-DE" sz="1600" dirty="0">
+                <a:latin typeface="Corbel" panose="020B0503020204020204" pitchFamily="34" charset="0"/>
+              </a:rPr>
+              <a:t>	   </a:t>
+            </a:r>
+            <a:r>
+              <a:rPr lang="de-DE" sz="1600" dirty="0">
+                <a:latin typeface="Corbel" panose="020B0503020204020204" pitchFamily="34" charset="0"/>
+                <a:sym typeface="Wingdings" panose="05000000000000000000" pitchFamily="2" charset="2"/>
+              </a:rPr>
+              <a:t> 	bis alles gesetzt wurde, wird die </a:t>
+            </a:r>
+            <a:br>
+              <a:rPr lang="de-DE" sz="1600" dirty="0">
+                <a:latin typeface="Corbel" panose="020B0503020204020204" pitchFamily="34" charset="0"/>
+                <a:sym typeface="Wingdings" panose="05000000000000000000" pitchFamily="2" charset="2"/>
+              </a:rPr>
+            </a:br>
+            <a:r>
+              <a:rPr lang="de-DE" sz="1600" dirty="0">
+                <a:latin typeface="Corbel" panose="020B0503020204020204" pitchFamily="34" charset="0"/>
+                <a:sym typeface="Wingdings" panose="05000000000000000000" pitchFamily="2" charset="2"/>
+              </a:rPr>
+              <a:t>    		</a:t>
+            </a:r>
+            <a:r>
+              <a:rPr lang="de-DE" sz="1600" dirty="0" err="1">
+                <a:latin typeface="Corbel" panose="020B0503020204020204" pitchFamily="34" charset="0"/>
+                <a:sym typeface="Wingdings" panose="05000000000000000000" pitchFamily="2" charset="2"/>
+              </a:rPr>
+              <a:t>Activity</a:t>
+            </a:r>
+            <a:r>
+              <a:rPr lang="de-DE" sz="1600" dirty="0">
+                <a:latin typeface="Corbel" panose="020B0503020204020204" pitchFamily="34" charset="0"/>
+                <a:sym typeface="Wingdings" panose="05000000000000000000" pitchFamily="2" charset="2"/>
+              </a:rPr>
+              <a:t> aufgerufen</a:t>
+            </a:r>
+            <a:br>
+              <a:rPr lang="de-DE" sz="1600" dirty="0">
+                <a:latin typeface="Corbel" panose="020B0503020204020204" pitchFamily="34" charset="0"/>
+                <a:sym typeface="Wingdings" panose="05000000000000000000" pitchFamily="2" charset="2"/>
+              </a:rPr>
+            </a:br>
+            <a:r>
+              <a:rPr lang="de-DE" sz="1600" dirty="0">
+                <a:latin typeface="Corbel" panose="020B0503020204020204" pitchFamily="34" charset="0"/>
+                <a:sym typeface="Wingdings" panose="05000000000000000000" pitchFamily="2" charset="2"/>
+              </a:rPr>
+              <a:t>	- Diese Daten werden in der Usertabelle  </a:t>
+            </a:r>
+            <a:br>
+              <a:rPr lang="de-DE" sz="1600" dirty="0">
+                <a:latin typeface="Corbel" panose="020B0503020204020204" pitchFamily="34" charset="0"/>
+                <a:sym typeface="Wingdings" panose="05000000000000000000" pitchFamily="2" charset="2"/>
+              </a:rPr>
+            </a:br>
+            <a:r>
+              <a:rPr lang="de-DE" sz="1600" dirty="0">
+                <a:latin typeface="Corbel" panose="020B0503020204020204" pitchFamily="34" charset="0"/>
+                <a:sym typeface="Wingdings" panose="05000000000000000000" pitchFamily="2" charset="2"/>
+              </a:rPr>
+              <a:t>        gespeichert</a:t>
+            </a:r>
+            <a:br>
+              <a:rPr lang="de-DE" sz="1600" dirty="0">
+                <a:latin typeface="Corbel" panose="020B0503020204020204" pitchFamily="34" charset="0"/>
+                <a:sym typeface="Wingdings" panose="05000000000000000000" pitchFamily="2" charset="2"/>
+              </a:rPr>
+            </a:br>
+            <a:r>
+              <a:rPr lang="de-DE" sz="1600" dirty="0">
+                <a:latin typeface="Corbel" panose="020B0503020204020204" pitchFamily="34" charset="0"/>
+                <a:sym typeface="Wingdings" panose="05000000000000000000" pitchFamily="2" charset="2"/>
+              </a:rPr>
+              <a:t>	- die Tabelle „</a:t>
+            </a:r>
+            <a:r>
+              <a:rPr lang="de-DE" sz="1600" dirty="0" err="1">
+                <a:latin typeface="Corbel" panose="020B0503020204020204" pitchFamily="34" charset="0"/>
+                <a:sym typeface="Wingdings" panose="05000000000000000000" pitchFamily="2" charset="2"/>
+              </a:rPr>
+              <a:t>Warenkorb+Name</a:t>
+            </a:r>
+            <a:r>
+              <a:rPr lang="de-DE" sz="1600" dirty="0">
+                <a:latin typeface="Corbel" panose="020B0503020204020204" pitchFamily="34" charset="0"/>
+                <a:sym typeface="Wingdings" panose="05000000000000000000" pitchFamily="2" charset="2"/>
+              </a:rPr>
+              <a:t>“ wird erstellt</a:t>
+            </a:r>
+            <a:endParaRPr lang="de-DE" sz="1600" dirty="0">
+              <a:latin typeface="Corbel" panose="020B0503020204020204" pitchFamily="34" charset="0"/>
+            </a:endParaRPr>
+          </a:p>
+          <a:p>
+            <a:pPr lvl="8">
+              <a:buFont typeface="Arial" panose="020B0604020202020204" pitchFamily="34" charset="0"/>
+              <a:buChar char="•"/>
+            </a:pPr>
+            <a:r>
+              <a:rPr lang="de-DE" sz="1600" dirty="0" err="1">
+                <a:latin typeface="Corbel" panose="020B0503020204020204" pitchFamily="34" charset="0"/>
+              </a:rPr>
+              <a:t>MainActivity</a:t>
+            </a:r>
+            <a:r>
+              <a:rPr lang="de-DE" sz="1600" dirty="0">
+                <a:latin typeface="Corbel" panose="020B0503020204020204" pitchFamily="34" charset="0"/>
+              </a:rPr>
+              <a:t> wird gestartet </a:t>
+            </a:r>
+            <a:r>
+              <a:rPr lang="de-DE" sz="1600" dirty="0">
+                <a:latin typeface="Corbel" panose="020B0503020204020204" pitchFamily="34" charset="0"/>
+                <a:sym typeface="Wingdings" panose="05000000000000000000" pitchFamily="2" charset="2"/>
+              </a:rPr>
+              <a:t> regulärer </a:t>
+            </a:r>
+            <a:r>
+              <a:rPr lang="de-DE" sz="1600" dirty="0" err="1">
+                <a:latin typeface="Corbel" panose="020B0503020204020204" pitchFamily="34" charset="0"/>
+                <a:sym typeface="Wingdings" panose="05000000000000000000" pitchFamily="2" charset="2"/>
+              </a:rPr>
+              <a:t>Appstart</a:t>
+            </a:r>
+            <a:endParaRPr lang="de-DE" sz="1600" dirty="0">
+              <a:latin typeface="Corbel" panose="020B0503020204020204" pitchFamily="34" charset="0"/>
+            </a:endParaRPr>
           </a:p>
         </p:txBody>
       </p:sp>
@@ -8986,38 +11328,10 @@
           </a:p>
         </p:txBody>
       </p:sp>
-      <p:sp>
-        <p:nvSpPr>
-          <p:cNvPr id="3" name="Inhaltsplatzhalter 2">
-            <a:extLst>
-              <a:ext uri="{FF2B5EF4-FFF2-40B4-BE49-F238E27FC236}">
-                <a16:creationId xmlns:a16="http://schemas.microsoft.com/office/drawing/2014/main" id="{A622E4CD-65FA-460B-95F9-93CD18E287EF}"/>
-              </a:ext>
-            </a:extLst>
-          </p:cNvPr>
-          <p:cNvSpPr>
-            <a:spLocks noGrp="1"/>
-          </p:cNvSpPr>
-          <p:nvPr>
-            <p:ph sz="quarter" idx="12"/>
-          </p:nvPr>
-        </p:nvSpPr>
-        <p:spPr/>
-        <p:txBody>
-          <a:bodyPr/>
-          <a:lstStyle/>
-          <a:p>
-            <a:r>
-              <a:rPr lang="de-DE" dirty="0"/>
-              <a:t>https://github.com/ppetting/EP_SJPP_Prototyp</a:t>
-            </a:r>
-          </a:p>
-        </p:txBody>
-      </p:sp>
     </p:spTree>
     <p:extLst>
       <p:ext uri="{BB962C8B-B14F-4D97-AF65-F5344CB8AC3E}">
-        <p14:creationId xmlns:p14="http://schemas.microsoft.com/office/powerpoint/2010/main" val="1569559535"/>
+        <p14:creationId xmlns:p14="http://schemas.microsoft.com/office/powerpoint/2010/main" val="1687109437"/>
       </p:ext>
     </p:extLst>
   </p:cSld>
@@ -9069,8 +11383,16 @@
               <a:rPr lang="de-DE" dirty="0">
                 <a:latin typeface="Corbel" panose="020B0503020204020204" pitchFamily="34" charset="0"/>
               </a:rPr>
-              <a:t>Fazit</a:t>
-            </a:r>
+              <a:t>Vorstellung des funktionalen Prototypen</a:t>
+            </a:r>
+            <a:br>
+              <a:rPr lang="de-DE" dirty="0">
+                <a:latin typeface="Corbel" panose="020B0503020204020204" pitchFamily="34" charset="0"/>
+              </a:rPr>
+            </a:br>
+            <a:endParaRPr lang="de-DE" dirty="0">
+              <a:latin typeface="Corbel" panose="020B0503020204020204" pitchFamily="34" charset="0"/>
+            </a:endParaRPr>
           </a:p>
         </p:txBody>
       </p:sp>
@@ -9095,11 +11417,111 @@
           <a:bodyPr/>
           <a:lstStyle/>
           <a:p>
-            <a:pPr lvl="3" indent="-342900">
+            <a:r>
+              <a:rPr lang="de-DE" sz="1600" b="0" i="0" dirty="0">
+                <a:effectLst/>
+                <a:latin typeface="Corbel" panose="020B0503020204020204" pitchFamily="34" charset="0"/>
+              </a:rPr>
+              <a:t>Konzept „Menübereich mit Passwort sichern“:</a:t>
+            </a:r>
+            <a:endParaRPr lang="de-DE" sz="1600" dirty="0">
+              <a:latin typeface="Corbel" panose="020B0503020204020204" pitchFamily="34" charset="0"/>
+            </a:endParaRPr>
+          </a:p>
+          <a:p>
+            <a:pPr>
               <a:buFont typeface="Arial" panose="020B0604020202020204" pitchFamily="34" charset="0"/>
               <a:buChar char="•"/>
             </a:pPr>
-            <a:endParaRPr lang="de-DE" dirty="0">
+            <a:r>
+              <a:rPr lang="de-DE" sz="1600" b="0" i="0" dirty="0">
+                <a:effectLst/>
+                <a:latin typeface="Corbel" panose="020B0503020204020204" pitchFamily="34" charset="0"/>
+              </a:rPr>
+              <a:t>Wie in „First-App-Start“ beschrieben wird ein Passwort gesetzt und in einer </a:t>
+            </a:r>
+            <a:r>
+              <a:rPr lang="de-DE" sz="1600" b="0" i="0" dirty="0" err="1">
+                <a:effectLst/>
+                <a:latin typeface="Corbel" panose="020B0503020204020204" pitchFamily="34" charset="0"/>
+              </a:rPr>
+              <a:t>SharedPreference</a:t>
+            </a:r>
+            <a:r>
+              <a:rPr lang="de-DE" sz="1600" b="0" i="0" dirty="0">
+                <a:effectLst/>
+                <a:latin typeface="Corbel" panose="020B0503020204020204" pitchFamily="34" charset="0"/>
+              </a:rPr>
+              <a:t> gespeichert</a:t>
+            </a:r>
+            <a:endParaRPr lang="de-DE" sz="1600" dirty="0">
+              <a:latin typeface="Corbel" panose="020B0503020204020204" pitchFamily="34" charset="0"/>
+            </a:endParaRPr>
+          </a:p>
+          <a:p>
+            <a:pPr>
+              <a:buFont typeface="Arial" panose="020B0604020202020204" pitchFamily="34" charset="0"/>
+              <a:buChar char="•"/>
+            </a:pPr>
+            <a:r>
+              <a:rPr lang="de-DE" sz="1600" b="0" i="0" dirty="0">
+                <a:effectLst/>
+                <a:latin typeface="Corbel" panose="020B0503020204020204" pitchFamily="34" charset="0"/>
+              </a:rPr>
+              <a:t>Wenn </a:t>
+            </a:r>
+            <a:r>
+              <a:rPr lang="de-DE" sz="1600" dirty="0">
+                <a:latin typeface="Corbel" panose="020B0503020204020204" pitchFamily="34" charset="0"/>
+              </a:rPr>
+              <a:t>in den Menübereich gewechselt werden soll, erfolgt ein Dialog mit einer Passwortabfrage</a:t>
+            </a:r>
+          </a:p>
+          <a:p>
+            <a:pPr>
+              <a:buFont typeface="Arial" panose="020B0604020202020204" pitchFamily="34" charset="0"/>
+              <a:buChar char="•"/>
+            </a:pPr>
+            <a:r>
+              <a:rPr lang="de-DE" sz="1600" b="0" i="0" dirty="0">
+                <a:effectLst/>
+                <a:latin typeface="Corbel" panose="020B0503020204020204" pitchFamily="34" charset="0"/>
+              </a:rPr>
+              <a:t>Nur wenn das richtige Passwort eingegeben wird, wird in den Menübereich (</a:t>
+            </a:r>
+            <a:r>
+              <a:rPr lang="de-DE" sz="1600" b="0" i="0" dirty="0" err="1">
+                <a:effectLst/>
+                <a:latin typeface="Corbel" panose="020B0503020204020204" pitchFamily="34" charset="0"/>
+              </a:rPr>
+              <a:t>UserOverView</a:t>
+            </a:r>
+            <a:r>
+              <a:rPr lang="de-DE" sz="1600" dirty="0" err="1">
+                <a:latin typeface="Corbel" panose="020B0503020204020204" pitchFamily="34" charset="0"/>
+              </a:rPr>
+              <a:t>Activity</a:t>
+            </a:r>
+            <a:r>
+              <a:rPr lang="de-DE" sz="1600" dirty="0">
+                <a:latin typeface="Corbel" panose="020B0503020204020204" pitchFamily="34" charset="0"/>
+              </a:rPr>
+              <a:t>)</a:t>
+            </a:r>
+            <a:r>
+              <a:rPr lang="de-DE" sz="1600" b="0" i="0" dirty="0">
+                <a:effectLst/>
+                <a:latin typeface="Corbel" panose="020B0503020204020204" pitchFamily="34" charset="0"/>
+              </a:rPr>
+              <a:t> gewechselt</a:t>
+            </a:r>
+          </a:p>
+          <a:p>
+            <a:pPr lvl="2">
+              <a:buFont typeface="Arial" panose="020B0604020202020204" pitchFamily="34" charset="0"/>
+              <a:buChar char="•"/>
+            </a:pPr>
+            <a:endParaRPr lang="de-DE" sz="1600" dirty="0">
               <a:latin typeface="Corbel" panose="020B0503020204020204" pitchFamily="34" charset="0"/>
             </a:endParaRPr>
           </a:p>
@@ -9202,7 +11624,1517 @@
     </p:spTree>
     <p:extLst>
       <p:ext uri="{BB962C8B-B14F-4D97-AF65-F5344CB8AC3E}">
-        <p14:creationId xmlns:p14="http://schemas.microsoft.com/office/powerpoint/2010/main" val="162874750"/>
+        <p14:creationId xmlns:p14="http://schemas.microsoft.com/office/powerpoint/2010/main" val="1391533907"/>
+      </p:ext>
+    </p:extLst>
+  </p:cSld>
+  <p:clrMapOvr>
+    <a:masterClrMapping/>
+  </p:clrMapOvr>
+</p:sld>
+</file>
+
+<file path=ppt/slides/slide6.xml><?xml version="1.0" encoding="utf-8"?>
+<p:sld xmlns:a="http://schemas.openxmlformats.org/drawingml/2006/main" xmlns:r="http://schemas.openxmlformats.org/officeDocument/2006/relationships" xmlns:p="http://schemas.openxmlformats.org/presentationml/2006/main">
+  <p:cSld>
+    <p:spTree>
+      <p:nvGrpSpPr>
+        <p:cNvPr id="1" name=""/>
+        <p:cNvGrpSpPr/>
+        <p:nvPr/>
+      </p:nvGrpSpPr>
+      <p:grpSpPr>
+        <a:xfrm>
+          <a:off x="0" y="0"/>
+          <a:ext cx="0" cy="0"/>
+          <a:chOff x="0" y="0"/>
+          <a:chExt cx="0" cy="0"/>
+        </a:xfrm>
+      </p:grpSpPr>
+      <p:pic>
+        <p:nvPicPr>
+          <p:cNvPr id="7" name="Grafik 6">
+            <a:extLst>
+              <a:ext uri="{FF2B5EF4-FFF2-40B4-BE49-F238E27FC236}">
+                <a16:creationId xmlns:a16="http://schemas.microsoft.com/office/drawing/2014/main" id="{EC6E2E55-0A0B-4946-80CF-C1C8622CF150}"/>
+              </a:ext>
+            </a:extLst>
+          </p:cNvPr>
+          <p:cNvPicPr>
+            <a:picLocks noChangeAspect="1"/>
+          </p:cNvPicPr>
+          <p:nvPr/>
+        </p:nvPicPr>
+        <p:blipFill rotWithShape="1">
+          <a:blip r:embed="rId3"/>
+          <a:srcRect l="6707" r="5302"/>
+          <a:stretch/>
+        </p:blipFill>
+        <p:spPr>
+          <a:xfrm>
+            <a:off x="0" y="1567733"/>
+            <a:ext cx="4572000" cy="4320000"/>
+          </a:xfrm>
+          <a:prstGeom prst="rect">
+            <a:avLst/>
+          </a:prstGeom>
+        </p:spPr>
+      </p:pic>
+      <p:sp>
+        <p:nvSpPr>
+          <p:cNvPr id="17" name="Titel 16">
+            <a:extLst>
+              <a:ext uri="{FF2B5EF4-FFF2-40B4-BE49-F238E27FC236}">
+                <a16:creationId xmlns:a16="http://schemas.microsoft.com/office/drawing/2014/main" id="{5310A8A3-5C3B-427A-83BE-2B45CDCBD872}"/>
+              </a:ext>
+            </a:extLst>
+          </p:cNvPr>
+          <p:cNvSpPr>
+            <a:spLocks noGrp="1"/>
+          </p:cNvSpPr>
+          <p:nvPr>
+            <p:ph type="title"/>
+          </p:nvPr>
+        </p:nvSpPr>
+        <p:spPr/>
+        <p:txBody>
+          <a:bodyPr/>
+          <a:lstStyle/>
+          <a:p>
+            <a:r>
+              <a:rPr lang="de-DE" dirty="0">
+                <a:latin typeface="Corbel" panose="020B0503020204020204" pitchFamily="34" charset="0"/>
+              </a:rPr>
+              <a:t>Vorstellung des funktionalen Prototypen</a:t>
+            </a:r>
+            <a:br>
+              <a:rPr lang="de-DE" dirty="0">
+                <a:latin typeface="Corbel" panose="020B0503020204020204" pitchFamily="34" charset="0"/>
+              </a:rPr>
+            </a:br>
+            <a:endParaRPr lang="de-DE" dirty="0">
+              <a:latin typeface="Corbel" panose="020B0503020204020204" pitchFamily="34" charset="0"/>
+            </a:endParaRPr>
+          </a:p>
+        </p:txBody>
+      </p:sp>
+      <p:sp>
+        <p:nvSpPr>
+          <p:cNvPr id="18" name="Inhaltsplatzhalter 17">
+            <a:extLst>
+              <a:ext uri="{FF2B5EF4-FFF2-40B4-BE49-F238E27FC236}">
+                <a16:creationId xmlns:a16="http://schemas.microsoft.com/office/drawing/2014/main" id="{29C102FF-5B5C-4AE3-A34C-6C250D62A372}"/>
+              </a:ext>
+            </a:extLst>
+          </p:cNvPr>
+          <p:cNvSpPr>
+            <a:spLocks noGrp="1"/>
+          </p:cNvSpPr>
+          <p:nvPr>
+            <p:ph sz="quarter" idx="12"/>
+          </p:nvPr>
+        </p:nvSpPr>
+        <p:spPr/>
+        <p:txBody>
+          <a:bodyPr/>
+          <a:lstStyle/>
+          <a:p>
+            <a:pPr algn="l"/>
+            <a:r>
+              <a:rPr lang="de-DE" sz="1600" b="0" i="0" dirty="0">
+                <a:effectLst/>
+                <a:latin typeface="Corbel" panose="020B0503020204020204" pitchFamily="34" charset="0"/>
+              </a:rPr>
+              <a:t>Konzept „Zu Warenkorb hinzufügen“: </a:t>
+            </a:r>
+          </a:p>
+          <a:p>
+            <a:pPr lvl="8">
+              <a:buFont typeface="Arial" panose="020B0604020202020204" pitchFamily="34" charset="0"/>
+              <a:buChar char="•"/>
+            </a:pPr>
+            <a:r>
+              <a:rPr lang="de-DE" sz="1600" dirty="0">
+                <a:latin typeface="Corbel" panose="020B0503020204020204" pitchFamily="34" charset="0"/>
+              </a:rPr>
+              <a:t>Produkt wird in </a:t>
+            </a:r>
+            <a:r>
+              <a:rPr lang="de-DE" sz="1600" dirty="0" err="1">
+                <a:latin typeface="Corbel" panose="020B0503020204020204" pitchFamily="34" charset="0"/>
+              </a:rPr>
+              <a:t>Warenkorb+Name</a:t>
+            </a:r>
+            <a:r>
+              <a:rPr lang="de-DE" sz="1600" dirty="0">
+                <a:latin typeface="Corbel" panose="020B0503020204020204" pitchFamily="34" charset="0"/>
+              </a:rPr>
+              <a:t> gespeichert</a:t>
+            </a:r>
+            <a:br>
+              <a:rPr lang="de-DE" sz="1600" dirty="0">
+                <a:latin typeface="Corbel" panose="020B0503020204020204" pitchFamily="34" charset="0"/>
+              </a:rPr>
+            </a:br>
+            <a:r>
+              <a:rPr lang="de-DE" sz="1600" dirty="0">
+                <a:latin typeface="Corbel" panose="020B0503020204020204" pitchFamily="34" charset="0"/>
+              </a:rPr>
+              <a:t>	- Name ist der </a:t>
+            </a:r>
+            <a:r>
+              <a:rPr lang="de-DE" sz="1600" dirty="0" err="1">
+                <a:latin typeface="Corbel" panose="020B0503020204020204" pitchFamily="34" charset="0"/>
+              </a:rPr>
+              <a:t>aktiveNutzer</a:t>
+            </a:r>
+            <a:r>
+              <a:rPr lang="de-DE" sz="1600" dirty="0">
+                <a:latin typeface="Corbel" panose="020B0503020204020204" pitchFamily="34" charset="0"/>
+              </a:rPr>
+              <a:t>-Name aus den </a:t>
+            </a:r>
+            <a:br>
+              <a:rPr lang="de-DE" sz="1600" dirty="0">
+                <a:latin typeface="Corbel" panose="020B0503020204020204" pitchFamily="34" charset="0"/>
+              </a:rPr>
+            </a:br>
+            <a:r>
+              <a:rPr lang="de-DE" sz="1600" dirty="0">
+                <a:latin typeface="Corbel" panose="020B0503020204020204" pitchFamily="34" charset="0"/>
+              </a:rPr>
+              <a:t> 	   </a:t>
+            </a:r>
+            <a:r>
+              <a:rPr lang="de-DE" sz="1600" dirty="0" err="1">
+                <a:latin typeface="Corbel" panose="020B0503020204020204" pitchFamily="34" charset="0"/>
+              </a:rPr>
+              <a:t>SharedPreferences</a:t>
+            </a:r>
+            <a:endParaRPr lang="de-DE" sz="1600" dirty="0">
+              <a:latin typeface="Corbel" panose="020B0503020204020204" pitchFamily="34" charset="0"/>
+            </a:endParaRPr>
+          </a:p>
+          <a:p>
+            <a:pPr lvl="8">
+              <a:buFont typeface="Arial" panose="020B0604020202020204" pitchFamily="34" charset="0"/>
+              <a:buChar char="•"/>
+            </a:pPr>
+            <a:r>
+              <a:rPr lang="de-DE" sz="1600" dirty="0">
+                <a:latin typeface="Corbel" panose="020B0503020204020204" pitchFamily="34" charset="0"/>
+              </a:rPr>
+              <a:t>Es werden Produkte nur hinzugefügt, wenn die maximale </a:t>
+            </a:r>
+            <a:r>
+              <a:rPr lang="de-DE" sz="1600" dirty="0" err="1">
+                <a:latin typeface="Corbel" panose="020B0503020204020204" pitchFamily="34" charset="0"/>
+              </a:rPr>
+              <a:t>Flaganzahl</a:t>
+            </a:r>
+            <a:r>
+              <a:rPr lang="de-DE" sz="1600" dirty="0">
+                <a:latin typeface="Corbel" panose="020B0503020204020204" pitchFamily="34" charset="0"/>
+              </a:rPr>
+              <a:t> für den </a:t>
+            </a:r>
+            <a:r>
+              <a:rPr lang="de-DE" sz="1600" dirty="0" err="1">
+                <a:latin typeface="Corbel" panose="020B0503020204020204" pitchFamily="34" charset="0"/>
+              </a:rPr>
+              <a:t>Flag</a:t>
+            </a:r>
+            <a:r>
+              <a:rPr lang="de-DE" sz="1600" dirty="0">
+                <a:latin typeface="Corbel" panose="020B0503020204020204" pitchFamily="34" charset="0"/>
+              </a:rPr>
+              <a:t> des Produktes nicht überschritten wird.</a:t>
+            </a:r>
+            <a:br>
+              <a:rPr lang="de-DE" sz="1600" dirty="0">
+                <a:latin typeface="Corbel" panose="020B0503020204020204" pitchFamily="34" charset="0"/>
+              </a:rPr>
+            </a:br>
+            <a:r>
+              <a:rPr lang="de-DE" sz="1600" dirty="0">
+                <a:latin typeface="Corbel" panose="020B0503020204020204" pitchFamily="34" charset="0"/>
+              </a:rPr>
+              <a:t>	- Abgleich der Anzahl an Produkten mit dem </a:t>
+            </a:r>
+            <a:br>
+              <a:rPr lang="de-DE" sz="1600" dirty="0">
+                <a:latin typeface="Corbel" panose="020B0503020204020204" pitchFamily="34" charset="0"/>
+              </a:rPr>
+            </a:br>
+            <a:r>
+              <a:rPr lang="de-DE" sz="1600" dirty="0">
+                <a:latin typeface="Corbel" panose="020B0503020204020204" pitchFamily="34" charset="0"/>
+              </a:rPr>
+              <a:t>        der entsprechenden </a:t>
+            </a:r>
+            <a:r>
+              <a:rPr lang="de-DE" sz="1600" dirty="0" err="1">
+                <a:latin typeface="Corbel" panose="020B0503020204020204" pitchFamily="34" charset="0"/>
+              </a:rPr>
+              <a:t>Flagfarbe</a:t>
+            </a:r>
+            <a:r>
+              <a:rPr lang="de-DE" sz="1600" dirty="0">
+                <a:latin typeface="Corbel" panose="020B0503020204020204" pitchFamily="34" charset="0"/>
+              </a:rPr>
+              <a:t> mit der in den </a:t>
+            </a:r>
+            <a:br>
+              <a:rPr lang="de-DE" sz="1600" dirty="0">
+                <a:latin typeface="Corbel" panose="020B0503020204020204" pitchFamily="34" charset="0"/>
+              </a:rPr>
+            </a:br>
+            <a:r>
+              <a:rPr lang="de-DE" sz="1600" dirty="0">
+                <a:latin typeface="Corbel" panose="020B0503020204020204" pitchFamily="34" charset="0"/>
+              </a:rPr>
+              <a:t>        Userdaten für die </a:t>
+            </a:r>
+            <a:r>
+              <a:rPr lang="de-DE" sz="1600" dirty="0" err="1">
+                <a:latin typeface="Corbel" panose="020B0503020204020204" pitchFamily="34" charset="0"/>
+              </a:rPr>
+              <a:t>Flagfarbe</a:t>
+            </a:r>
+            <a:r>
+              <a:rPr lang="de-DE" sz="1600" dirty="0">
+                <a:latin typeface="Corbel" panose="020B0503020204020204" pitchFamily="34" charset="0"/>
+              </a:rPr>
+              <a:t> hinterlegten </a:t>
+            </a:r>
+            <a:br>
+              <a:rPr lang="de-DE" sz="1600" dirty="0">
+                <a:latin typeface="Corbel" panose="020B0503020204020204" pitchFamily="34" charset="0"/>
+              </a:rPr>
+            </a:br>
+            <a:r>
+              <a:rPr lang="de-DE" sz="1600" dirty="0">
+                <a:latin typeface="Corbel" panose="020B0503020204020204" pitchFamily="34" charset="0"/>
+              </a:rPr>
+              <a:t>       maximalen </a:t>
+            </a:r>
+            <a:r>
+              <a:rPr lang="de-DE" sz="1600" dirty="0" err="1">
+                <a:latin typeface="Corbel" panose="020B0503020204020204" pitchFamily="34" charset="0"/>
+              </a:rPr>
+              <a:t>Flaganzahl</a:t>
+            </a:r>
+            <a:endParaRPr lang="de-DE" sz="1600" dirty="0">
+              <a:latin typeface="Corbel" panose="020B0503020204020204" pitchFamily="34" charset="0"/>
+            </a:endParaRPr>
+          </a:p>
+          <a:p>
+            <a:pPr lvl="8">
+              <a:buFont typeface="Arial" panose="020B0604020202020204" pitchFamily="34" charset="0"/>
+              <a:buChar char="•"/>
+            </a:pPr>
+            <a:r>
+              <a:rPr lang="de-DE" sz="1600" dirty="0">
+                <a:latin typeface="Corbel" panose="020B0503020204020204" pitchFamily="34" charset="0"/>
+              </a:rPr>
+              <a:t>Wenn es hinzugefügt werden darf, wird die Animation ausgeführt und das Produkt wird in der </a:t>
+            </a:r>
+            <a:r>
+              <a:rPr lang="de-DE" sz="1600" dirty="0" err="1">
+                <a:latin typeface="Corbel" panose="020B0503020204020204" pitchFamily="34" charset="0"/>
+              </a:rPr>
+              <a:t>Warenkob+Name</a:t>
+            </a:r>
+            <a:r>
+              <a:rPr lang="de-DE" sz="1600" dirty="0">
+                <a:latin typeface="Corbel" panose="020B0503020204020204" pitchFamily="34" charset="0"/>
+              </a:rPr>
+              <a:t> Tabelle gespeichert</a:t>
+            </a:r>
+          </a:p>
+          <a:p>
+            <a:pPr lvl="8">
+              <a:buFont typeface="Arial" panose="020B0604020202020204" pitchFamily="34" charset="0"/>
+              <a:buChar char="•"/>
+            </a:pPr>
+            <a:r>
+              <a:rPr lang="de-DE" sz="1600" dirty="0">
+                <a:latin typeface="Corbel" panose="020B0503020204020204" pitchFamily="34" charset="0"/>
+              </a:rPr>
+              <a:t>Wenn es nicht hinzugefügt werden darf, wird ein Soundhinweis und Toast ausgegeben. </a:t>
+            </a:r>
+          </a:p>
+        </p:txBody>
+      </p:sp>
+      <p:sp>
+        <p:nvSpPr>
+          <p:cNvPr id="2" name="Textplatzhalter 1">
+            <a:extLst>
+              <a:ext uri="{FF2B5EF4-FFF2-40B4-BE49-F238E27FC236}">
+                <a16:creationId xmlns:a16="http://schemas.microsoft.com/office/drawing/2014/main" id="{D92D76A2-9CAD-4D64-9A5F-4F011AEE8144}"/>
+              </a:ext>
+            </a:extLst>
+          </p:cNvPr>
+          <p:cNvSpPr>
+            <a:spLocks noGrp="1"/>
+          </p:cNvSpPr>
+          <p:nvPr>
+            <p:ph type="body" idx="13"/>
+          </p:nvPr>
+        </p:nvSpPr>
+        <p:spPr/>
+        <p:txBody>
+          <a:bodyPr/>
+          <a:lstStyle/>
+          <a:p>
+            <a:endParaRPr lang="de-DE"/>
+          </a:p>
+        </p:txBody>
+      </p:sp>
+      <p:sp>
+        <p:nvSpPr>
+          <p:cNvPr id="5" name="Datumsplatzhalter 4">
+            <a:extLst>
+              <a:ext uri="{FF2B5EF4-FFF2-40B4-BE49-F238E27FC236}">
+                <a16:creationId xmlns:a16="http://schemas.microsoft.com/office/drawing/2014/main" id="{C319720F-1CD0-4FF4-9890-2105ED7BAD7B}"/>
+              </a:ext>
+            </a:extLst>
+          </p:cNvPr>
+          <p:cNvSpPr>
+            <a:spLocks noGrp="1"/>
+          </p:cNvSpPr>
+          <p:nvPr>
+            <p:ph type="dt" sz="half" idx="14"/>
+          </p:nvPr>
+        </p:nvSpPr>
+        <p:spPr/>
+        <p:txBody>
+          <a:bodyPr/>
+          <a:lstStyle/>
+          <a:p>
+            <a:pPr>
+              <a:defRPr/>
+            </a:pPr>
+            <a:fld id="{90503C0D-0707-4A07-942E-3F0C914DAF04}" type="datetime1">
+              <a:rPr lang="de-DE" smtClean="0"/>
+              <a:pPr>
+                <a:defRPr/>
+              </a:pPr>
+              <a:t>19.02.2022</a:t>
+            </a:fld>
+            <a:endParaRPr lang="de-DE" dirty="0"/>
+          </a:p>
+        </p:txBody>
+      </p:sp>
+      <p:sp>
+        <p:nvSpPr>
+          <p:cNvPr id="6" name="Foliennummernplatzhalter 5">
+            <a:extLst>
+              <a:ext uri="{FF2B5EF4-FFF2-40B4-BE49-F238E27FC236}">
+                <a16:creationId xmlns:a16="http://schemas.microsoft.com/office/drawing/2014/main" id="{6A0B34F3-0515-4B69-BAFC-42E1429BE82A}"/>
+              </a:ext>
+            </a:extLst>
+          </p:cNvPr>
+          <p:cNvSpPr>
+            <a:spLocks noGrp="1"/>
+          </p:cNvSpPr>
+          <p:nvPr>
+            <p:ph type="sldNum" sz="quarter" idx="15"/>
+          </p:nvPr>
+        </p:nvSpPr>
+        <p:spPr/>
+        <p:txBody>
+          <a:bodyPr/>
+          <a:lstStyle/>
+          <a:p>
+            <a:r>
+              <a:rPr lang="de-DE"/>
+              <a:t>Seite </a:t>
+            </a:r>
+            <a:fld id="{35334651-DA3B-4EB7-B98A-13466C4842BA}" type="slidenum">
+              <a:rPr lang="de-DE" smtClean="0"/>
+              <a:pPr/>
+              <a:t>6</a:t>
+            </a:fld>
+            <a:endParaRPr lang="de-DE"/>
+          </a:p>
+        </p:txBody>
+      </p:sp>
+    </p:spTree>
+    <p:extLst>
+      <p:ext uri="{BB962C8B-B14F-4D97-AF65-F5344CB8AC3E}">
+        <p14:creationId xmlns:p14="http://schemas.microsoft.com/office/powerpoint/2010/main" val="1137850579"/>
+      </p:ext>
+    </p:extLst>
+  </p:cSld>
+  <p:clrMapOvr>
+    <a:masterClrMapping/>
+  </p:clrMapOvr>
+</p:sld>
+</file>
+
+<file path=ppt/slides/slide7.xml><?xml version="1.0" encoding="utf-8"?>
+<p:sld xmlns:a="http://schemas.openxmlformats.org/drawingml/2006/main" xmlns:r="http://schemas.openxmlformats.org/officeDocument/2006/relationships" xmlns:p="http://schemas.openxmlformats.org/presentationml/2006/main">
+  <p:cSld>
+    <p:spTree>
+      <p:nvGrpSpPr>
+        <p:cNvPr id="1" name=""/>
+        <p:cNvGrpSpPr/>
+        <p:nvPr/>
+      </p:nvGrpSpPr>
+      <p:grpSpPr>
+        <a:xfrm>
+          <a:off x="0" y="0"/>
+          <a:ext cx="0" cy="0"/>
+          <a:chOff x="0" y="0"/>
+          <a:chExt cx="0" cy="0"/>
+        </a:xfrm>
+      </p:grpSpPr>
+      <p:pic>
+        <p:nvPicPr>
+          <p:cNvPr id="4" name="Grafik 3">
+            <a:extLst>
+              <a:ext uri="{FF2B5EF4-FFF2-40B4-BE49-F238E27FC236}">
+                <a16:creationId xmlns:a16="http://schemas.microsoft.com/office/drawing/2014/main" id="{0EFEFD3C-44C3-4D58-9B69-F398F7C9A5DE}"/>
+              </a:ext>
+            </a:extLst>
+          </p:cNvPr>
+          <p:cNvPicPr>
+            <a:picLocks noChangeAspect="1"/>
+          </p:cNvPicPr>
+          <p:nvPr/>
+        </p:nvPicPr>
+        <p:blipFill rotWithShape="1">
+          <a:blip r:embed="rId3"/>
+          <a:srcRect l="5590" r="9175"/>
+          <a:stretch/>
+        </p:blipFill>
+        <p:spPr>
+          <a:xfrm>
+            <a:off x="0" y="1357313"/>
+            <a:ext cx="4660900" cy="4071954"/>
+          </a:xfrm>
+          <a:prstGeom prst="rect">
+            <a:avLst/>
+          </a:prstGeom>
+        </p:spPr>
+      </p:pic>
+      <p:sp>
+        <p:nvSpPr>
+          <p:cNvPr id="17" name="Titel 16">
+            <a:extLst>
+              <a:ext uri="{FF2B5EF4-FFF2-40B4-BE49-F238E27FC236}">
+                <a16:creationId xmlns:a16="http://schemas.microsoft.com/office/drawing/2014/main" id="{5310A8A3-5C3B-427A-83BE-2B45CDCBD872}"/>
+              </a:ext>
+            </a:extLst>
+          </p:cNvPr>
+          <p:cNvSpPr>
+            <a:spLocks noGrp="1"/>
+          </p:cNvSpPr>
+          <p:nvPr>
+            <p:ph type="title"/>
+          </p:nvPr>
+        </p:nvSpPr>
+        <p:spPr/>
+        <p:txBody>
+          <a:bodyPr/>
+          <a:lstStyle/>
+          <a:p>
+            <a:r>
+              <a:rPr lang="de-DE" dirty="0">
+                <a:latin typeface="Corbel" panose="020B0503020204020204" pitchFamily="34" charset="0"/>
+              </a:rPr>
+              <a:t>Vorstellung des funktionalen Prototypen</a:t>
+            </a:r>
+            <a:br>
+              <a:rPr lang="de-DE" dirty="0">
+                <a:latin typeface="Corbel" panose="020B0503020204020204" pitchFamily="34" charset="0"/>
+              </a:rPr>
+            </a:br>
+            <a:endParaRPr lang="de-DE" dirty="0">
+              <a:latin typeface="Corbel" panose="020B0503020204020204" pitchFamily="34" charset="0"/>
+            </a:endParaRPr>
+          </a:p>
+        </p:txBody>
+      </p:sp>
+      <p:sp>
+        <p:nvSpPr>
+          <p:cNvPr id="18" name="Inhaltsplatzhalter 17">
+            <a:extLst>
+              <a:ext uri="{FF2B5EF4-FFF2-40B4-BE49-F238E27FC236}">
+                <a16:creationId xmlns:a16="http://schemas.microsoft.com/office/drawing/2014/main" id="{29C102FF-5B5C-4AE3-A34C-6C250D62A372}"/>
+              </a:ext>
+            </a:extLst>
+          </p:cNvPr>
+          <p:cNvSpPr>
+            <a:spLocks noGrp="1"/>
+          </p:cNvSpPr>
+          <p:nvPr>
+            <p:ph sz="quarter" idx="12"/>
+          </p:nvPr>
+        </p:nvSpPr>
+        <p:spPr/>
+        <p:txBody>
+          <a:bodyPr/>
+          <a:lstStyle/>
+          <a:p>
+            <a:pPr algn="l"/>
+            <a:r>
+              <a:rPr lang="de-DE" sz="1600" b="0" i="0" dirty="0">
+                <a:effectLst/>
+                <a:latin typeface="Corbel" panose="020B0503020204020204" pitchFamily="34" charset="0"/>
+              </a:rPr>
+              <a:t>Konzept „Produkte können einzeln aus dem Warenkorb gelöscht werden“: </a:t>
+            </a:r>
+          </a:p>
+          <a:p>
+            <a:pPr lvl="8">
+              <a:buFont typeface="Arial" panose="020B0604020202020204" pitchFamily="34" charset="0"/>
+              <a:buChar char="•"/>
+            </a:pPr>
+            <a:r>
+              <a:rPr lang="de-DE" sz="1600" dirty="0">
+                <a:latin typeface="Corbel" panose="020B0503020204020204" pitchFamily="34" charset="0"/>
+              </a:rPr>
+              <a:t>Es gibt die Entscheidung, ob einzelne Produkte oder der gesamte Warenkorb gelöscht werden soll.</a:t>
+            </a:r>
+          </a:p>
+          <a:p>
+            <a:pPr lvl="8">
+              <a:buFont typeface="Arial" panose="020B0604020202020204" pitchFamily="34" charset="0"/>
+              <a:buChar char="•"/>
+            </a:pPr>
+            <a:r>
+              <a:rPr lang="de-DE" sz="1600" dirty="0">
+                <a:latin typeface="Corbel" panose="020B0503020204020204" pitchFamily="34" charset="0"/>
+              </a:rPr>
+              <a:t>Falls der gesamte Warenkorb gelöscht wird, erscheint dem User ein Dialog, ob er das wirklich möchte.</a:t>
+            </a:r>
+            <a:br>
+              <a:rPr lang="de-DE" sz="1600" dirty="0">
+                <a:latin typeface="Corbel" panose="020B0503020204020204" pitchFamily="34" charset="0"/>
+              </a:rPr>
+            </a:br>
+            <a:r>
+              <a:rPr lang="de-DE" sz="1600" dirty="0">
+                <a:latin typeface="Corbel" panose="020B0503020204020204" pitchFamily="34" charset="0"/>
+              </a:rPr>
+              <a:t>	- Dialog ist vertont und die Auswahl-</a:t>
+            </a:r>
+            <a:br>
+              <a:rPr lang="de-DE" sz="1600" dirty="0">
+                <a:latin typeface="Corbel" panose="020B0503020204020204" pitchFamily="34" charset="0"/>
+              </a:rPr>
+            </a:br>
+            <a:r>
+              <a:rPr lang="de-DE" sz="1600" dirty="0">
+                <a:latin typeface="Corbel" panose="020B0503020204020204" pitchFamily="34" charset="0"/>
+              </a:rPr>
+              <a:t>        </a:t>
+            </a:r>
+            <a:r>
+              <a:rPr lang="de-DE" sz="1600" dirty="0" err="1">
+                <a:latin typeface="Corbel" panose="020B0503020204020204" pitchFamily="34" charset="0"/>
+              </a:rPr>
+              <a:t>möglichkeiten</a:t>
+            </a:r>
+            <a:r>
+              <a:rPr lang="de-DE" sz="1600" dirty="0">
+                <a:latin typeface="Corbel" panose="020B0503020204020204" pitchFamily="34" charset="0"/>
+              </a:rPr>
+              <a:t> werden durch Bilder dargestellt </a:t>
+            </a:r>
+          </a:p>
+          <a:p>
+            <a:pPr lvl="8">
+              <a:buFont typeface="Arial" panose="020B0604020202020204" pitchFamily="34" charset="0"/>
+              <a:buChar char="•"/>
+            </a:pPr>
+            <a:r>
+              <a:rPr lang="de-DE" sz="1600" dirty="0">
+                <a:latin typeface="Corbel" panose="020B0503020204020204" pitchFamily="34" charset="0"/>
+              </a:rPr>
+              <a:t>Einzelnes Löschen entfernt in </a:t>
+            </a:r>
+            <a:r>
+              <a:rPr lang="de-DE" sz="1600" dirty="0" err="1">
+                <a:latin typeface="Corbel" panose="020B0503020204020204" pitchFamily="34" charset="0"/>
+              </a:rPr>
+              <a:t>Warenkorb+Name</a:t>
+            </a:r>
+            <a:r>
+              <a:rPr lang="de-DE" sz="1600" dirty="0">
+                <a:latin typeface="Corbel" panose="020B0503020204020204" pitchFamily="34" charset="0"/>
+              </a:rPr>
+              <a:t> Tabelle nur das durch Buttondruck ausgewählte Produkt.</a:t>
+            </a:r>
+            <a:br>
+              <a:rPr lang="de-DE" sz="1600" dirty="0">
+                <a:latin typeface="Corbel" panose="020B0503020204020204" pitchFamily="34" charset="0"/>
+              </a:rPr>
+            </a:br>
+            <a:r>
+              <a:rPr lang="de-DE" sz="1600" dirty="0">
+                <a:latin typeface="Corbel" panose="020B0503020204020204" pitchFamily="34" charset="0"/>
+              </a:rPr>
+              <a:t>	- Diese Funktion kann auch als „Abhaken“ beim </a:t>
+            </a:r>
+            <a:br>
+              <a:rPr lang="de-DE" sz="1600" dirty="0">
+                <a:latin typeface="Corbel" panose="020B0503020204020204" pitchFamily="34" charset="0"/>
+              </a:rPr>
+            </a:br>
+            <a:r>
+              <a:rPr lang="de-DE" sz="1600" dirty="0">
+                <a:latin typeface="Corbel" panose="020B0503020204020204" pitchFamily="34" charset="0"/>
+              </a:rPr>
+              <a:t>        Einkauf genutzt werden</a:t>
+            </a:r>
+            <a:br>
+              <a:rPr lang="de-DE" sz="1600" dirty="0">
+                <a:latin typeface="Corbel" panose="020B0503020204020204" pitchFamily="34" charset="0"/>
+              </a:rPr>
+            </a:br>
+            <a:r>
+              <a:rPr lang="de-DE" sz="1600" dirty="0">
+                <a:latin typeface="Corbel" panose="020B0503020204020204" pitchFamily="34" charset="0"/>
+              </a:rPr>
+              <a:t>	- Damit keine Verwirrung herrscht, wird das </a:t>
+            </a:r>
+            <a:br>
+              <a:rPr lang="de-DE" sz="1600" dirty="0">
+                <a:latin typeface="Corbel" panose="020B0503020204020204" pitchFamily="34" charset="0"/>
+              </a:rPr>
+            </a:br>
+            <a:r>
+              <a:rPr lang="de-DE" sz="1600" dirty="0">
+                <a:latin typeface="Corbel" panose="020B0503020204020204" pitchFamily="34" charset="0"/>
+              </a:rPr>
+              <a:t>        gelöschte Produkt aus dem Warenkorb </a:t>
+            </a:r>
+            <a:br>
+              <a:rPr lang="de-DE" sz="1600" dirty="0">
+                <a:latin typeface="Corbel" panose="020B0503020204020204" pitchFamily="34" charset="0"/>
+              </a:rPr>
+            </a:br>
+            <a:r>
+              <a:rPr lang="de-DE" sz="1600" dirty="0">
+                <a:latin typeface="Corbel" panose="020B0503020204020204" pitchFamily="34" charset="0"/>
+              </a:rPr>
+              <a:t>       entfernt, dabei wird auch eine Animation </a:t>
+            </a:r>
+            <a:br>
+              <a:rPr lang="de-DE" sz="1600" dirty="0">
+                <a:latin typeface="Corbel" panose="020B0503020204020204" pitchFamily="34" charset="0"/>
+              </a:rPr>
+            </a:br>
+            <a:r>
+              <a:rPr lang="de-DE" sz="1600" dirty="0">
+                <a:latin typeface="Corbel" panose="020B0503020204020204" pitchFamily="34" charset="0"/>
+              </a:rPr>
+              <a:t>       ausgeführt</a:t>
+            </a:r>
+          </a:p>
+        </p:txBody>
+      </p:sp>
+      <p:sp>
+        <p:nvSpPr>
+          <p:cNvPr id="2" name="Textplatzhalter 1">
+            <a:extLst>
+              <a:ext uri="{FF2B5EF4-FFF2-40B4-BE49-F238E27FC236}">
+                <a16:creationId xmlns:a16="http://schemas.microsoft.com/office/drawing/2014/main" id="{D92D76A2-9CAD-4D64-9A5F-4F011AEE8144}"/>
+              </a:ext>
+            </a:extLst>
+          </p:cNvPr>
+          <p:cNvSpPr>
+            <a:spLocks noGrp="1"/>
+          </p:cNvSpPr>
+          <p:nvPr>
+            <p:ph type="body" idx="13"/>
+          </p:nvPr>
+        </p:nvSpPr>
+        <p:spPr/>
+        <p:txBody>
+          <a:bodyPr/>
+          <a:lstStyle/>
+          <a:p>
+            <a:endParaRPr lang="de-DE"/>
+          </a:p>
+        </p:txBody>
+      </p:sp>
+      <p:sp>
+        <p:nvSpPr>
+          <p:cNvPr id="5" name="Datumsplatzhalter 4">
+            <a:extLst>
+              <a:ext uri="{FF2B5EF4-FFF2-40B4-BE49-F238E27FC236}">
+                <a16:creationId xmlns:a16="http://schemas.microsoft.com/office/drawing/2014/main" id="{C319720F-1CD0-4FF4-9890-2105ED7BAD7B}"/>
+              </a:ext>
+            </a:extLst>
+          </p:cNvPr>
+          <p:cNvSpPr>
+            <a:spLocks noGrp="1"/>
+          </p:cNvSpPr>
+          <p:nvPr>
+            <p:ph type="dt" sz="half" idx="14"/>
+          </p:nvPr>
+        </p:nvSpPr>
+        <p:spPr/>
+        <p:txBody>
+          <a:bodyPr/>
+          <a:lstStyle/>
+          <a:p>
+            <a:pPr>
+              <a:defRPr/>
+            </a:pPr>
+            <a:fld id="{90503C0D-0707-4A07-942E-3F0C914DAF04}" type="datetime1">
+              <a:rPr lang="de-DE" smtClean="0"/>
+              <a:pPr>
+                <a:defRPr/>
+              </a:pPr>
+              <a:t>19.02.2022</a:t>
+            </a:fld>
+            <a:endParaRPr lang="de-DE" dirty="0"/>
+          </a:p>
+        </p:txBody>
+      </p:sp>
+      <p:sp>
+        <p:nvSpPr>
+          <p:cNvPr id="6" name="Foliennummernplatzhalter 5">
+            <a:extLst>
+              <a:ext uri="{FF2B5EF4-FFF2-40B4-BE49-F238E27FC236}">
+                <a16:creationId xmlns:a16="http://schemas.microsoft.com/office/drawing/2014/main" id="{6A0B34F3-0515-4B69-BAFC-42E1429BE82A}"/>
+              </a:ext>
+            </a:extLst>
+          </p:cNvPr>
+          <p:cNvSpPr>
+            <a:spLocks noGrp="1"/>
+          </p:cNvSpPr>
+          <p:nvPr>
+            <p:ph type="sldNum" sz="quarter" idx="15"/>
+          </p:nvPr>
+        </p:nvSpPr>
+        <p:spPr/>
+        <p:txBody>
+          <a:bodyPr/>
+          <a:lstStyle/>
+          <a:p>
+            <a:r>
+              <a:rPr lang="de-DE"/>
+              <a:t>Seite </a:t>
+            </a:r>
+            <a:fld id="{35334651-DA3B-4EB7-B98A-13466C4842BA}" type="slidenum">
+              <a:rPr lang="de-DE" smtClean="0"/>
+              <a:pPr/>
+              <a:t>7</a:t>
+            </a:fld>
+            <a:endParaRPr lang="de-DE"/>
+          </a:p>
+        </p:txBody>
+      </p:sp>
+    </p:spTree>
+    <p:extLst>
+      <p:ext uri="{BB962C8B-B14F-4D97-AF65-F5344CB8AC3E}">
+        <p14:creationId xmlns:p14="http://schemas.microsoft.com/office/powerpoint/2010/main" val="3995763342"/>
+      </p:ext>
+    </p:extLst>
+  </p:cSld>
+  <p:clrMapOvr>
+    <a:masterClrMapping/>
+  </p:clrMapOvr>
+</p:sld>
+</file>
+
+<file path=ppt/slides/slide8.xml><?xml version="1.0" encoding="utf-8"?>
+<p:sld xmlns:a="http://schemas.openxmlformats.org/drawingml/2006/main" xmlns:r="http://schemas.openxmlformats.org/officeDocument/2006/relationships" xmlns:p="http://schemas.openxmlformats.org/presentationml/2006/main">
+  <p:cSld>
+    <p:spTree>
+      <p:nvGrpSpPr>
+        <p:cNvPr id="1" name=""/>
+        <p:cNvGrpSpPr/>
+        <p:nvPr/>
+      </p:nvGrpSpPr>
+      <p:grpSpPr>
+        <a:xfrm>
+          <a:off x="0" y="0"/>
+          <a:ext cx="0" cy="0"/>
+          <a:chOff x="0" y="0"/>
+          <a:chExt cx="0" cy="0"/>
+        </a:xfrm>
+      </p:grpSpPr>
+      <p:pic>
+        <p:nvPicPr>
+          <p:cNvPr id="7" name="Grafik 6">
+            <a:extLst>
+              <a:ext uri="{FF2B5EF4-FFF2-40B4-BE49-F238E27FC236}">
+                <a16:creationId xmlns:a16="http://schemas.microsoft.com/office/drawing/2014/main" id="{DEA04C3D-951A-4CAC-BF81-1DB8197A29DF}"/>
+              </a:ext>
+            </a:extLst>
+          </p:cNvPr>
+          <p:cNvPicPr>
+            <a:picLocks noChangeAspect="1"/>
+          </p:cNvPicPr>
+          <p:nvPr/>
+        </p:nvPicPr>
+        <p:blipFill rotWithShape="1">
+          <a:blip r:embed="rId3"/>
+          <a:srcRect l="22882" t="4859" r="7571" b="12609"/>
+          <a:stretch/>
+        </p:blipFill>
+        <p:spPr>
+          <a:xfrm>
+            <a:off x="749300" y="1549934"/>
+            <a:ext cx="3505200" cy="4376998"/>
+          </a:xfrm>
+          <a:prstGeom prst="rect">
+            <a:avLst/>
+          </a:prstGeom>
+        </p:spPr>
+      </p:pic>
+      <p:sp>
+        <p:nvSpPr>
+          <p:cNvPr id="17" name="Titel 16">
+            <a:extLst>
+              <a:ext uri="{FF2B5EF4-FFF2-40B4-BE49-F238E27FC236}">
+                <a16:creationId xmlns:a16="http://schemas.microsoft.com/office/drawing/2014/main" id="{5310A8A3-5C3B-427A-83BE-2B45CDCBD872}"/>
+              </a:ext>
+            </a:extLst>
+          </p:cNvPr>
+          <p:cNvSpPr>
+            <a:spLocks noGrp="1"/>
+          </p:cNvSpPr>
+          <p:nvPr>
+            <p:ph type="title"/>
+          </p:nvPr>
+        </p:nvSpPr>
+        <p:spPr/>
+        <p:txBody>
+          <a:bodyPr/>
+          <a:lstStyle/>
+          <a:p>
+            <a:r>
+              <a:rPr lang="de-DE" dirty="0">
+                <a:latin typeface="Corbel" panose="020B0503020204020204" pitchFamily="34" charset="0"/>
+              </a:rPr>
+              <a:t>Vorstellung des funktionalen Prototypen</a:t>
+            </a:r>
+            <a:br>
+              <a:rPr lang="de-DE" dirty="0">
+                <a:latin typeface="Corbel" panose="020B0503020204020204" pitchFamily="34" charset="0"/>
+              </a:rPr>
+            </a:br>
+            <a:endParaRPr lang="de-DE" dirty="0">
+              <a:latin typeface="Corbel" panose="020B0503020204020204" pitchFamily="34" charset="0"/>
+            </a:endParaRPr>
+          </a:p>
+        </p:txBody>
+      </p:sp>
+      <p:sp>
+        <p:nvSpPr>
+          <p:cNvPr id="18" name="Inhaltsplatzhalter 17">
+            <a:extLst>
+              <a:ext uri="{FF2B5EF4-FFF2-40B4-BE49-F238E27FC236}">
+                <a16:creationId xmlns:a16="http://schemas.microsoft.com/office/drawing/2014/main" id="{29C102FF-5B5C-4AE3-A34C-6C250D62A372}"/>
+              </a:ext>
+            </a:extLst>
+          </p:cNvPr>
+          <p:cNvSpPr>
+            <a:spLocks noGrp="1"/>
+          </p:cNvSpPr>
+          <p:nvPr>
+            <p:ph sz="quarter" idx="12"/>
+          </p:nvPr>
+        </p:nvSpPr>
+        <p:spPr/>
+        <p:txBody>
+          <a:bodyPr/>
+          <a:lstStyle/>
+          <a:p>
+            <a:pPr algn="l"/>
+            <a:r>
+              <a:rPr lang="de-DE" sz="1600" b="0" i="0" dirty="0">
+                <a:effectLst/>
+                <a:latin typeface="Corbel" panose="020B0503020204020204" pitchFamily="34" charset="0"/>
+              </a:rPr>
+              <a:t>Konzept „Eigene Produktbilder hinterlegen“: </a:t>
+            </a:r>
+          </a:p>
+          <a:p>
+            <a:pPr lvl="8">
+              <a:buFont typeface="Arial" panose="020B0604020202020204" pitchFamily="34" charset="0"/>
+              <a:buChar char="•"/>
+            </a:pPr>
+            <a:r>
+              <a:rPr lang="de-DE" sz="1600" dirty="0">
+                <a:latin typeface="Corbel" panose="020B0503020204020204" pitchFamily="34" charset="0"/>
+              </a:rPr>
+              <a:t>Der Admin kann im abgesicherten Menübereich per Buttondruck auf die </a:t>
+            </a:r>
+            <a:r>
+              <a:rPr lang="de-DE" sz="1600" dirty="0" err="1">
+                <a:latin typeface="Corbel" panose="020B0503020204020204" pitchFamily="34" charset="0"/>
+              </a:rPr>
+              <a:t>ibtnChancerActivity</a:t>
+            </a:r>
+            <a:r>
+              <a:rPr lang="de-DE" sz="1600" dirty="0">
+                <a:latin typeface="Corbel" panose="020B0503020204020204" pitchFamily="34" charset="0"/>
+              </a:rPr>
+              <a:t> gelangen.</a:t>
+            </a:r>
+          </a:p>
+          <a:p>
+            <a:pPr lvl="8">
+              <a:buFont typeface="Arial" panose="020B0604020202020204" pitchFamily="34" charset="0"/>
+              <a:buChar char="•"/>
+            </a:pPr>
+            <a:r>
+              <a:rPr lang="de-DE" sz="1600" dirty="0">
+                <a:latin typeface="Corbel" panose="020B0503020204020204" pitchFamily="34" charset="0"/>
+              </a:rPr>
+              <a:t>Hier sieht er eine Liste mit allen Produkten, ihren Namen und Bilder.</a:t>
+            </a:r>
+          </a:p>
+          <a:p>
+            <a:pPr lvl="8">
+              <a:buFont typeface="Arial" panose="020B0604020202020204" pitchFamily="34" charset="0"/>
+              <a:buChar char="•"/>
+            </a:pPr>
+            <a:r>
+              <a:rPr lang="de-DE" sz="1600" dirty="0">
+                <a:latin typeface="Corbel" panose="020B0503020204020204" pitchFamily="34" charset="0"/>
+              </a:rPr>
+              <a:t>Per Buttondruck kann er entsprechendes Bild verändern. </a:t>
+            </a:r>
+          </a:p>
+          <a:p>
+            <a:pPr lvl="8">
+              <a:buFont typeface="Arial" panose="020B0604020202020204" pitchFamily="34" charset="0"/>
+              <a:buChar char="•"/>
+            </a:pPr>
+            <a:r>
+              <a:rPr lang="de-DE" sz="1600" dirty="0">
+                <a:latin typeface="Corbel" panose="020B0503020204020204" pitchFamily="34" charset="0"/>
+              </a:rPr>
+              <a:t>Dafür kann er aus der </a:t>
+            </a:r>
+            <a:r>
+              <a:rPr lang="de-DE" sz="1600" dirty="0" err="1">
+                <a:latin typeface="Corbel" panose="020B0503020204020204" pitchFamily="34" charset="0"/>
+              </a:rPr>
+              <a:t>Gallerie</a:t>
+            </a:r>
+            <a:r>
+              <a:rPr lang="de-DE" sz="1600" dirty="0">
+                <a:latin typeface="Corbel" panose="020B0503020204020204" pitchFamily="34" charset="0"/>
+              </a:rPr>
+              <a:t> seines Handys ein Bild auswählen. </a:t>
+            </a:r>
+          </a:p>
+          <a:p>
+            <a:pPr lvl="8">
+              <a:buFont typeface="Arial" panose="020B0604020202020204" pitchFamily="34" charset="0"/>
+              <a:buChar char="•"/>
+            </a:pPr>
+            <a:r>
+              <a:rPr lang="de-DE" sz="1600" dirty="0">
+                <a:latin typeface="Corbel" panose="020B0503020204020204" pitchFamily="34" charset="0"/>
+              </a:rPr>
+              <a:t>Seine Auswahl muss nun bestätigt werden.</a:t>
+            </a:r>
+          </a:p>
+          <a:p>
+            <a:pPr lvl="8">
+              <a:buFont typeface="Arial" panose="020B0604020202020204" pitchFamily="34" charset="0"/>
+              <a:buChar char="•"/>
+            </a:pPr>
+            <a:r>
+              <a:rPr lang="de-DE" sz="1600" dirty="0">
+                <a:latin typeface="Corbel" panose="020B0503020204020204" pitchFamily="34" charset="0"/>
+              </a:rPr>
+              <a:t>Danach wird das Bild in der </a:t>
+            </a:r>
+            <a:r>
+              <a:rPr lang="de-DE" sz="1600" dirty="0" err="1">
+                <a:latin typeface="Corbel" panose="020B0503020204020204" pitchFamily="34" charset="0"/>
+              </a:rPr>
+              <a:t>Sortimenttabelle</a:t>
+            </a:r>
+            <a:r>
+              <a:rPr lang="de-DE" sz="1600" dirty="0">
+                <a:latin typeface="Corbel" panose="020B0503020204020204" pitchFamily="34" charset="0"/>
+              </a:rPr>
+              <a:t> hinterlegt und in allen anderen </a:t>
+            </a:r>
+            <a:r>
+              <a:rPr lang="de-DE" sz="1600" dirty="0" err="1">
+                <a:latin typeface="Corbel" panose="020B0503020204020204" pitchFamily="34" charset="0"/>
+              </a:rPr>
+              <a:t>Activities</a:t>
+            </a:r>
+            <a:r>
+              <a:rPr lang="de-DE" sz="1600" dirty="0">
+                <a:latin typeface="Corbel" panose="020B0503020204020204" pitchFamily="34" charset="0"/>
+              </a:rPr>
+              <a:t> von nun an genutzt.</a:t>
+            </a:r>
+          </a:p>
+        </p:txBody>
+      </p:sp>
+      <p:sp>
+        <p:nvSpPr>
+          <p:cNvPr id="2" name="Textplatzhalter 1">
+            <a:extLst>
+              <a:ext uri="{FF2B5EF4-FFF2-40B4-BE49-F238E27FC236}">
+                <a16:creationId xmlns:a16="http://schemas.microsoft.com/office/drawing/2014/main" id="{D92D76A2-9CAD-4D64-9A5F-4F011AEE8144}"/>
+              </a:ext>
+            </a:extLst>
+          </p:cNvPr>
+          <p:cNvSpPr>
+            <a:spLocks noGrp="1"/>
+          </p:cNvSpPr>
+          <p:nvPr>
+            <p:ph type="body" idx="13"/>
+          </p:nvPr>
+        </p:nvSpPr>
+        <p:spPr/>
+        <p:txBody>
+          <a:bodyPr/>
+          <a:lstStyle/>
+          <a:p>
+            <a:endParaRPr lang="de-DE"/>
+          </a:p>
+        </p:txBody>
+      </p:sp>
+      <p:sp>
+        <p:nvSpPr>
+          <p:cNvPr id="5" name="Datumsplatzhalter 4">
+            <a:extLst>
+              <a:ext uri="{FF2B5EF4-FFF2-40B4-BE49-F238E27FC236}">
+                <a16:creationId xmlns:a16="http://schemas.microsoft.com/office/drawing/2014/main" id="{C319720F-1CD0-4FF4-9890-2105ED7BAD7B}"/>
+              </a:ext>
+            </a:extLst>
+          </p:cNvPr>
+          <p:cNvSpPr>
+            <a:spLocks noGrp="1"/>
+          </p:cNvSpPr>
+          <p:nvPr>
+            <p:ph type="dt" sz="half" idx="14"/>
+          </p:nvPr>
+        </p:nvSpPr>
+        <p:spPr/>
+        <p:txBody>
+          <a:bodyPr/>
+          <a:lstStyle/>
+          <a:p>
+            <a:pPr>
+              <a:defRPr/>
+            </a:pPr>
+            <a:fld id="{90503C0D-0707-4A07-942E-3F0C914DAF04}" type="datetime1">
+              <a:rPr lang="de-DE" smtClean="0"/>
+              <a:pPr>
+                <a:defRPr/>
+              </a:pPr>
+              <a:t>19.02.2022</a:t>
+            </a:fld>
+            <a:endParaRPr lang="de-DE" dirty="0"/>
+          </a:p>
+        </p:txBody>
+      </p:sp>
+      <p:sp>
+        <p:nvSpPr>
+          <p:cNvPr id="6" name="Foliennummernplatzhalter 5">
+            <a:extLst>
+              <a:ext uri="{FF2B5EF4-FFF2-40B4-BE49-F238E27FC236}">
+                <a16:creationId xmlns:a16="http://schemas.microsoft.com/office/drawing/2014/main" id="{6A0B34F3-0515-4B69-BAFC-42E1429BE82A}"/>
+              </a:ext>
+            </a:extLst>
+          </p:cNvPr>
+          <p:cNvSpPr>
+            <a:spLocks noGrp="1"/>
+          </p:cNvSpPr>
+          <p:nvPr>
+            <p:ph type="sldNum" sz="quarter" idx="15"/>
+          </p:nvPr>
+        </p:nvSpPr>
+        <p:spPr/>
+        <p:txBody>
+          <a:bodyPr/>
+          <a:lstStyle/>
+          <a:p>
+            <a:r>
+              <a:rPr lang="de-DE"/>
+              <a:t>Seite </a:t>
+            </a:r>
+            <a:fld id="{35334651-DA3B-4EB7-B98A-13466C4842BA}" type="slidenum">
+              <a:rPr lang="de-DE" smtClean="0"/>
+              <a:pPr/>
+              <a:t>8</a:t>
+            </a:fld>
+            <a:endParaRPr lang="de-DE"/>
+          </a:p>
+        </p:txBody>
+      </p:sp>
+    </p:spTree>
+    <p:extLst>
+      <p:ext uri="{BB962C8B-B14F-4D97-AF65-F5344CB8AC3E}">
+        <p14:creationId xmlns:p14="http://schemas.microsoft.com/office/powerpoint/2010/main" val="2630958258"/>
+      </p:ext>
+    </p:extLst>
+  </p:cSld>
+  <p:clrMapOvr>
+    <a:masterClrMapping/>
+  </p:clrMapOvr>
+</p:sld>
+</file>
+
+<file path=ppt/slides/slide9.xml><?xml version="1.0" encoding="utf-8"?>
+<p:sld xmlns:a="http://schemas.openxmlformats.org/drawingml/2006/main" xmlns:r="http://schemas.openxmlformats.org/officeDocument/2006/relationships" xmlns:p="http://schemas.openxmlformats.org/presentationml/2006/main">
+  <p:cSld>
+    <p:spTree>
+      <p:nvGrpSpPr>
+        <p:cNvPr id="1" name=""/>
+        <p:cNvGrpSpPr/>
+        <p:nvPr/>
+      </p:nvGrpSpPr>
+      <p:grpSpPr>
+        <a:xfrm>
+          <a:off x="0" y="0"/>
+          <a:ext cx="0" cy="0"/>
+          <a:chOff x="0" y="0"/>
+          <a:chExt cx="0" cy="0"/>
+        </a:xfrm>
+      </p:grpSpPr>
+      <p:pic>
+        <p:nvPicPr>
+          <p:cNvPr id="7" name="Grafik 6">
+            <a:extLst>
+              <a:ext uri="{FF2B5EF4-FFF2-40B4-BE49-F238E27FC236}">
+                <a16:creationId xmlns:a16="http://schemas.microsoft.com/office/drawing/2014/main" id="{B2A4ADB6-1572-43CA-B40F-1C4E255EB7EB}"/>
+              </a:ext>
+            </a:extLst>
+          </p:cNvPr>
+          <p:cNvPicPr>
+            <a:picLocks noChangeAspect="1"/>
+          </p:cNvPicPr>
+          <p:nvPr/>
+        </p:nvPicPr>
+        <p:blipFill rotWithShape="1">
+          <a:blip r:embed="rId3"/>
+          <a:srcRect t="4334" b="11010"/>
+          <a:stretch/>
+        </p:blipFill>
+        <p:spPr>
+          <a:xfrm>
+            <a:off x="144829" y="1567733"/>
+            <a:ext cx="4541471" cy="4358806"/>
+          </a:xfrm>
+          <a:prstGeom prst="rect">
+            <a:avLst/>
+          </a:prstGeom>
+        </p:spPr>
+      </p:pic>
+      <p:sp>
+        <p:nvSpPr>
+          <p:cNvPr id="17" name="Titel 16">
+            <a:extLst>
+              <a:ext uri="{FF2B5EF4-FFF2-40B4-BE49-F238E27FC236}">
+                <a16:creationId xmlns:a16="http://schemas.microsoft.com/office/drawing/2014/main" id="{5310A8A3-5C3B-427A-83BE-2B45CDCBD872}"/>
+              </a:ext>
+            </a:extLst>
+          </p:cNvPr>
+          <p:cNvSpPr>
+            <a:spLocks noGrp="1"/>
+          </p:cNvSpPr>
+          <p:nvPr>
+            <p:ph type="title"/>
+          </p:nvPr>
+        </p:nvSpPr>
+        <p:spPr/>
+        <p:txBody>
+          <a:bodyPr/>
+          <a:lstStyle/>
+          <a:p>
+            <a:r>
+              <a:rPr lang="de-DE" dirty="0">
+                <a:latin typeface="Corbel" panose="020B0503020204020204" pitchFamily="34" charset="0"/>
+              </a:rPr>
+              <a:t>Vorstellung des funktionalen Prototypen</a:t>
+            </a:r>
+            <a:br>
+              <a:rPr lang="de-DE" dirty="0">
+                <a:latin typeface="Corbel" panose="020B0503020204020204" pitchFamily="34" charset="0"/>
+              </a:rPr>
+            </a:br>
+            <a:endParaRPr lang="de-DE" dirty="0">
+              <a:latin typeface="Corbel" panose="020B0503020204020204" pitchFamily="34" charset="0"/>
+            </a:endParaRPr>
+          </a:p>
+        </p:txBody>
+      </p:sp>
+      <p:sp>
+        <p:nvSpPr>
+          <p:cNvPr id="18" name="Inhaltsplatzhalter 17">
+            <a:extLst>
+              <a:ext uri="{FF2B5EF4-FFF2-40B4-BE49-F238E27FC236}">
+                <a16:creationId xmlns:a16="http://schemas.microsoft.com/office/drawing/2014/main" id="{29C102FF-5B5C-4AE3-A34C-6C250D62A372}"/>
+              </a:ext>
+            </a:extLst>
+          </p:cNvPr>
+          <p:cNvSpPr>
+            <a:spLocks noGrp="1"/>
+          </p:cNvSpPr>
+          <p:nvPr>
+            <p:ph sz="quarter" idx="12"/>
+          </p:nvPr>
+        </p:nvSpPr>
+        <p:spPr/>
+        <p:txBody>
+          <a:bodyPr/>
+          <a:lstStyle/>
+          <a:p>
+            <a:pPr algn="l"/>
+            <a:r>
+              <a:rPr lang="de-DE" sz="1600" b="0" i="0" dirty="0">
+                <a:effectLst/>
+                <a:latin typeface="Corbel" panose="020B0503020204020204" pitchFamily="34" charset="0"/>
+              </a:rPr>
+              <a:t>Konzept „Mehrere User können angelegt werden“: </a:t>
+            </a:r>
+          </a:p>
+          <a:p>
+            <a:pPr lvl="8">
+              <a:buFont typeface="Arial" panose="020B0604020202020204" pitchFamily="34" charset="0"/>
+              <a:buChar char="•"/>
+            </a:pPr>
+            <a:r>
+              <a:rPr lang="de-DE" sz="1600" dirty="0" err="1">
+                <a:latin typeface="Corbel" panose="020B0503020204020204" pitchFamily="34" charset="0"/>
+              </a:rPr>
+              <a:t>UserCreationActivity</a:t>
+            </a:r>
+            <a:r>
+              <a:rPr lang="de-DE" sz="1600" dirty="0">
+                <a:latin typeface="Corbel" panose="020B0503020204020204" pitchFamily="34" charset="0"/>
+              </a:rPr>
+              <a:t> wird aufgerufen</a:t>
+            </a:r>
+          </a:p>
+          <a:p>
+            <a:pPr lvl="8">
+              <a:buFont typeface="Arial" panose="020B0604020202020204" pitchFamily="34" charset="0"/>
+              <a:buChar char="•"/>
+            </a:pPr>
+            <a:r>
+              <a:rPr lang="de-DE" sz="1600" dirty="0">
+                <a:latin typeface="Corbel" panose="020B0503020204020204" pitchFamily="34" charset="0"/>
+              </a:rPr>
+              <a:t>Admin wird aufgefordert Name, und </a:t>
+            </a:r>
+            <a:r>
+              <a:rPr lang="de-DE" sz="1600" dirty="0" err="1">
+                <a:latin typeface="Corbel" panose="020B0503020204020204" pitchFamily="34" charset="0"/>
+              </a:rPr>
+              <a:t>Flaganzahl</a:t>
+            </a:r>
+            <a:r>
+              <a:rPr lang="de-DE" sz="1600" dirty="0">
+                <a:latin typeface="Corbel" panose="020B0503020204020204" pitchFamily="34" charset="0"/>
+              </a:rPr>
+              <a:t> einzugeben</a:t>
+            </a:r>
+            <a:br>
+              <a:rPr lang="de-DE" sz="1600" dirty="0">
+                <a:latin typeface="Corbel" panose="020B0503020204020204" pitchFamily="34" charset="0"/>
+                <a:sym typeface="Wingdings" panose="05000000000000000000" pitchFamily="2" charset="2"/>
+              </a:rPr>
+            </a:br>
+            <a:r>
+              <a:rPr lang="de-DE" sz="1600" dirty="0">
+                <a:latin typeface="Corbel" panose="020B0503020204020204" pitchFamily="34" charset="0"/>
+                <a:sym typeface="Wingdings" panose="05000000000000000000" pitchFamily="2" charset="2"/>
+              </a:rPr>
+              <a:t>	- Diese Daten werden in der Usertabelle  </a:t>
+            </a:r>
+            <a:br>
+              <a:rPr lang="de-DE" sz="1600" dirty="0">
+                <a:latin typeface="Corbel" panose="020B0503020204020204" pitchFamily="34" charset="0"/>
+                <a:sym typeface="Wingdings" panose="05000000000000000000" pitchFamily="2" charset="2"/>
+              </a:rPr>
+            </a:br>
+            <a:r>
+              <a:rPr lang="de-DE" sz="1600" dirty="0">
+                <a:latin typeface="Corbel" panose="020B0503020204020204" pitchFamily="34" charset="0"/>
+                <a:sym typeface="Wingdings" panose="05000000000000000000" pitchFamily="2" charset="2"/>
+              </a:rPr>
+              <a:t>        gespeichert</a:t>
+            </a:r>
+            <a:br>
+              <a:rPr lang="de-DE" sz="1600" dirty="0">
+                <a:latin typeface="Corbel" panose="020B0503020204020204" pitchFamily="34" charset="0"/>
+                <a:sym typeface="Wingdings" panose="05000000000000000000" pitchFamily="2" charset="2"/>
+              </a:rPr>
+            </a:br>
+            <a:r>
+              <a:rPr lang="de-DE" sz="1600" dirty="0">
+                <a:latin typeface="Corbel" panose="020B0503020204020204" pitchFamily="34" charset="0"/>
+                <a:sym typeface="Wingdings" panose="05000000000000000000" pitchFamily="2" charset="2"/>
+              </a:rPr>
+              <a:t>	- die Tabelle „</a:t>
+            </a:r>
+            <a:r>
+              <a:rPr lang="de-DE" sz="1600" dirty="0" err="1">
+                <a:latin typeface="Corbel" panose="020B0503020204020204" pitchFamily="34" charset="0"/>
+                <a:sym typeface="Wingdings" panose="05000000000000000000" pitchFamily="2" charset="2"/>
+              </a:rPr>
+              <a:t>Warenkorb+Name</a:t>
+            </a:r>
+            <a:r>
+              <a:rPr lang="de-DE" sz="1600" dirty="0">
+                <a:latin typeface="Corbel" panose="020B0503020204020204" pitchFamily="34" charset="0"/>
+                <a:sym typeface="Wingdings" panose="05000000000000000000" pitchFamily="2" charset="2"/>
+              </a:rPr>
+              <a:t>“ wird erstellt</a:t>
+            </a:r>
+            <a:endParaRPr lang="de-DE" sz="1600" dirty="0">
+              <a:latin typeface="Corbel" panose="020B0503020204020204" pitchFamily="34" charset="0"/>
+            </a:endParaRPr>
+          </a:p>
+          <a:p>
+            <a:pPr lvl="8">
+              <a:buFont typeface="Arial" panose="020B0604020202020204" pitchFamily="34" charset="0"/>
+              <a:buChar char="•"/>
+            </a:pPr>
+            <a:r>
+              <a:rPr lang="de-DE" sz="1600" dirty="0" err="1">
+                <a:latin typeface="Corbel" panose="020B0503020204020204" pitchFamily="34" charset="0"/>
+              </a:rPr>
+              <a:t>MainActivity</a:t>
+            </a:r>
+            <a:r>
+              <a:rPr lang="de-DE" sz="1600" dirty="0">
+                <a:latin typeface="Corbel" panose="020B0503020204020204" pitchFamily="34" charset="0"/>
+              </a:rPr>
+              <a:t> wird gestartet </a:t>
+            </a:r>
+            <a:r>
+              <a:rPr lang="de-DE" sz="1600" dirty="0">
+                <a:latin typeface="Corbel" panose="020B0503020204020204" pitchFamily="34" charset="0"/>
+                <a:sym typeface="Wingdings" panose="05000000000000000000" pitchFamily="2" charset="2"/>
+              </a:rPr>
+              <a:t> regulärer </a:t>
+            </a:r>
+            <a:r>
+              <a:rPr lang="de-DE" sz="1600" dirty="0" err="1">
+                <a:latin typeface="Corbel" panose="020B0503020204020204" pitchFamily="34" charset="0"/>
+                <a:sym typeface="Wingdings" panose="05000000000000000000" pitchFamily="2" charset="2"/>
+              </a:rPr>
+              <a:t>Appstart</a:t>
+            </a:r>
+            <a:endParaRPr lang="de-DE" sz="1600" dirty="0">
+              <a:latin typeface="Corbel" panose="020B0503020204020204" pitchFamily="34" charset="0"/>
+              <a:sym typeface="Wingdings" panose="05000000000000000000" pitchFamily="2" charset="2"/>
+            </a:endParaRPr>
+          </a:p>
+        </p:txBody>
+      </p:sp>
+      <p:sp>
+        <p:nvSpPr>
+          <p:cNvPr id="2" name="Textplatzhalter 1">
+            <a:extLst>
+              <a:ext uri="{FF2B5EF4-FFF2-40B4-BE49-F238E27FC236}">
+                <a16:creationId xmlns:a16="http://schemas.microsoft.com/office/drawing/2014/main" id="{D92D76A2-9CAD-4D64-9A5F-4F011AEE8144}"/>
+              </a:ext>
+            </a:extLst>
+          </p:cNvPr>
+          <p:cNvSpPr>
+            <a:spLocks noGrp="1"/>
+          </p:cNvSpPr>
+          <p:nvPr>
+            <p:ph type="body" idx="13"/>
+          </p:nvPr>
+        </p:nvSpPr>
+        <p:spPr/>
+        <p:txBody>
+          <a:bodyPr/>
+          <a:lstStyle/>
+          <a:p>
+            <a:endParaRPr lang="de-DE"/>
+          </a:p>
+        </p:txBody>
+      </p:sp>
+      <p:sp>
+        <p:nvSpPr>
+          <p:cNvPr id="5" name="Datumsplatzhalter 4">
+            <a:extLst>
+              <a:ext uri="{FF2B5EF4-FFF2-40B4-BE49-F238E27FC236}">
+                <a16:creationId xmlns:a16="http://schemas.microsoft.com/office/drawing/2014/main" id="{C319720F-1CD0-4FF4-9890-2105ED7BAD7B}"/>
+              </a:ext>
+            </a:extLst>
+          </p:cNvPr>
+          <p:cNvSpPr>
+            <a:spLocks noGrp="1"/>
+          </p:cNvSpPr>
+          <p:nvPr>
+            <p:ph type="dt" sz="half" idx="14"/>
+          </p:nvPr>
+        </p:nvSpPr>
+        <p:spPr/>
+        <p:txBody>
+          <a:bodyPr/>
+          <a:lstStyle/>
+          <a:p>
+            <a:pPr>
+              <a:defRPr/>
+            </a:pPr>
+            <a:fld id="{90503C0D-0707-4A07-942E-3F0C914DAF04}" type="datetime1">
+              <a:rPr lang="de-DE" smtClean="0"/>
+              <a:pPr>
+                <a:defRPr/>
+              </a:pPr>
+              <a:t>19.02.2022</a:t>
+            </a:fld>
+            <a:endParaRPr lang="de-DE" dirty="0"/>
+          </a:p>
+        </p:txBody>
+      </p:sp>
+      <p:sp>
+        <p:nvSpPr>
+          <p:cNvPr id="6" name="Foliennummernplatzhalter 5">
+            <a:extLst>
+              <a:ext uri="{FF2B5EF4-FFF2-40B4-BE49-F238E27FC236}">
+                <a16:creationId xmlns:a16="http://schemas.microsoft.com/office/drawing/2014/main" id="{6A0B34F3-0515-4B69-BAFC-42E1429BE82A}"/>
+              </a:ext>
+            </a:extLst>
+          </p:cNvPr>
+          <p:cNvSpPr>
+            <a:spLocks noGrp="1"/>
+          </p:cNvSpPr>
+          <p:nvPr>
+            <p:ph type="sldNum" sz="quarter" idx="15"/>
+          </p:nvPr>
+        </p:nvSpPr>
+        <p:spPr/>
+        <p:txBody>
+          <a:bodyPr/>
+          <a:lstStyle/>
+          <a:p>
+            <a:r>
+              <a:rPr lang="de-DE"/>
+              <a:t>Seite </a:t>
+            </a:r>
+            <a:fld id="{35334651-DA3B-4EB7-B98A-13466C4842BA}" type="slidenum">
+              <a:rPr lang="de-DE" smtClean="0"/>
+              <a:pPr/>
+              <a:t>9</a:t>
+            </a:fld>
+            <a:endParaRPr lang="de-DE"/>
+          </a:p>
+        </p:txBody>
+      </p:sp>
+    </p:spTree>
+    <p:extLst>
+      <p:ext uri="{BB962C8B-B14F-4D97-AF65-F5344CB8AC3E}">
+        <p14:creationId xmlns:p14="http://schemas.microsoft.com/office/powerpoint/2010/main" val="4018820532"/>
       </p:ext>
     </p:extLst>
   </p:cSld>

--- a/Artefakte/Audit 4/Entwicklungsprojekt202122_PettingerJetz.pptx
+++ b/Artefakte/Audit 4/Entwicklungsprojekt202122_PettingerJetz.pptx
@@ -10238,6 +10238,105 @@
           <a:lstStyle/>
           <a:p>
             <a:pPr lvl="3" indent="-342900">
+              <a:buFont typeface="Arial" panose="020B0604020202020204" pitchFamily="34" charset="0"/>
+              <a:buChar char="•"/>
+            </a:pPr>
+            <a:r>
+              <a:rPr lang="de-DE" dirty="0" err="1">
+                <a:latin typeface="Corbel" panose="020B0503020204020204" pitchFamily="34" charset="0"/>
+              </a:rPr>
+              <a:t>Potentzielle</a:t>
+            </a:r>
+            <a:r>
+              <a:rPr lang="de-DE" dirty="0">
+                <a:latin typeface="Corbel" panose="020B0503020204020204" pitchFamily="34" charset="0"/>
+              </a:rPr>
+              <a:t> weitere Features</a:t>
+            </a:r>
+          </a:p>
+          <a:p>
+            <a:pPr lvl="3" indent="-342900">
+              <a:buFont typeface="Arial" panose="020B0604020202020204" pitchFamily="34" charset="0"/>
+              <a:buChar char="•"/>
+            </a:pPr>
+            <a:r>
+              <a:rPr lang="de-DE" dirty="0">
+                <a:latin typeface="Corbel" panose="020B0503020204020204" pitchFamily="34" charset="0"/>
+              </a:rPr>
+              <a:t>Was wurde verändert</a:t>
+            </a:r>
+          </a:p>
+          <a:p>
+            <a:pPr lvl="3" indent="-342900">
+              <a:buFont typeface="Arial" panose="020B0604020202020204" pitchFamily="34" charset="0"/>
+              <a:buChar char="•"/>
+            </a:pPr>
+            <a:r>
+              <a:rPr lang="de-DE" dirty="0">
+                <a:latin typeface="Corbel" panose="020B0503020204020204" pitchFamily="34" charset="0"/>
+              </a:rPr>
+              <a:t>Was lief gut/schlecht</a:t>
+            </a:r>
+          </a:p>
+          <a:p>
+            <a:pPr lvl="4" indent="-342900">
+              <a:buFont typeface="Arial" panose="020B0604020202020204" pitchFamily="34" charset="0"/>
+              <a:buChar char="•"/>
+            </a:pPr>
+            <a:r>
+              <a:rPr lang="de-DE" dirty="0">
+                <a:latin typeface="Corbel" panose="020B0503020204020204" pitchFamily="34" charset="0"/>
+              </a:rPr>
+              <a:t>Zeit </a:t>
+            </a:r>
+            <a:r>
+              <a:rPr lang="de-DE" dirty="0" err="1">
+                <a:latin typeface="Corbel" panose="020B0503020204020204" pitchFamily="34" charset="0"/>
+              </a:rPr>
+              <a:t>kanpp</a:t>
+            </a:r>
+            <a:endParaRPr lang="de-DE" dirty="0">
+              <a:latin typeface="Corbel" panose="020B0503020204020204" pitchFamily="34" charset="0"/>
+            </a:endParaRPr>
+          </a:p>
+          <a:p>
+            <a:pPr lvl="4" indent="-342900">
+              <a:buFont typeface="Arial" panose="020B0604020202020204" pitchFamily="34" charset="0"/>
+              <a:buChar char="•"/>
+            </a:pPr>
+            <a:r>
+              <a:rPr lang="de-DE" dirty="0">
+                <a:latin typeface="Corbel" panose="020B0503020204020204" pitchFamily="34" charset="0"/>
+              </a:rPr>
+              <a:t>Risiko Test eingetreten gab keine </a:t>
+            </a:r>
+            <a:r>
+              <a:rPr lang="de-DE" dirty="0" err="1">
+                <a:latin typeface="Corbel" panose="020B0503020204020204" pitchFamily="34" charset="0"/>
+              </a:rPr>
+              <a:t>weiterne</a:t>
+            </a:r>
+            <a:r>
+              <a:rPr lang="de-DE" dirty="0">
+                <a:latin typeface="Corbel" panose="020B0503020204020204" pitchFamily="34" charset="0"/>
+              </a:rPr>
+              <a:t> Testläufe</a:t>
+            </a:r>
+          </a:p>
+          <a:p>
+            <a:pPr lvl="4" indent="-342900">
+              <a:buFont typeface="Arial" panose="020B0604020202020204" pitchFamily="34" charset="0"/>
+              <a:buChar char="•"/>
+            </a:pPr>
+            <a:r>
+              <a:rPr lang="de-DE" dirty="0">
+                <a:latin typeface="Corbel" panose="020B0503020204020204" pitchFamily="34" charset="0"/>
+              </a:rPr>
+              <a:t>Bewertung von App durch einen Experten verlieft gut</a:t>
+            </a:r>
+          </a:p>
+          <a:p>
+            <a:pPr lvl="4" indent="-342900">
               <a:buFont typeface="Arial" panose="020B0604020202020204" pitchFamily="34" charset="0"/>
               <a:buChar char="•"/>
             </a:pPr>

--- a/Artefakte/Audit 4/Entwicklungsprojekt202122_PettingerJetz.pptx
+++ b/Artefakte/Audit 4/Entwicklungsprojekt202122_PettingerJetz.pptx
@@ -5,10 +5,10 @@
     <p:sldMasterId id="2147483648" r:id="rId1"/>
   </p:sldMasterIdLst>
   <p:notesMasterIdLst>
-    <p:notesMasterId r:id="rId14"/>
+    <p:notesMasterId r:id="rId16"/>
   </p:notesMasterIdLst>
   <p:handoutMasterIdLst>
-    <p:handoutMasterId r:id="rId15"/>
+    <p:handoutMasterId r:id="rId17"/>
   </p:handoutMasterIdLst>
   <p:sldIdLst>
     <p:sldId id="256" r:id="rId2"/>
@@ -23,6 +23,8 @@
     <p:sldId id="269" r:id="rId11"/>
     <p:sldId id="261" r:id="rId12"/>
     <p:sldId id="257" r:id="rId13"/>
+    <p:sldId id="270" r:id="rId14"/>
+    <p:sldId id="271" r:id="rId15"/>
   </p:sldIdLst>
   <p:sldSz cx="9144000" cy="6858000" type="screen4x3"/>
   <p:notesSz cx="9601200" cy="7315200"/>
@@ -2566,6 +2568,226 @@
           <a:bodyPr/>
           <a:lstStyle/>
           <a:p>
+            <a:br>
+              <a:rPr lang="de-DE" b="0" i="0" dirty="0">
+                <a:effectLst/>
+                <a:latin typeface="-apple-system"/>
+              </a:rPr>
+            </a:br>
+            <a:endParaRPr lang="de-DE" dirty="0"/>
+          </a:p>
+        </p:txBody>
+      </p:sp>
+    </p:spTree>
+    <p:extLst>
+      <p:ext uri="{BB962C8B-B14F-4D97-AF65-F5344CB8AC3E}">
+        <p14:creationId xmlns:p14="http://schemas.microsoft.com/office/powerpoint/2010/main" val="1696546615"/>
+      </p:ext>
+    </p:extLst>
+  </p:cSld>
+  <p:clrMapOvr>
+    <a:masterClrMapping/>
+  </p:clrMapOvr>
+</p:notes>
+</file>
+
+<file path=ppt/notesSlides/notesSlide13.xml><?xml version="1.0" encoding="utf-8"?>
+<p:notes xmlns:a="http://schemas.openxmlformats.org/drawingml/2006/main" xmlns:r="http://schemas.openxmlformats.org/officeDocument/2006/relationships" xmlns:p="http://schemas.openxmlformats.org/presentationml/2006/main">
+  <p:cSld>
+    <p:spTree>
+      <p:nvGrpSpPr>
+        <p:cNvPr id="1" name=""/>
+        <p:cNvGrpSpPr/>
+        <p:nvPr/>
+      </p:nvGrpSpPr>
+      <p:grpSpPr>
+        <a:xfrm>
+          <a:off x="0" y="0"/>
+          <a:ext cx="0" cy="0"/>
+          <a:chOff x="0" y="0"/>
+          <a:chExt cx="0" cy="0"/>
+        </a:xfrm>
+      </p:grpSpPr>
+      <p:sp>
+        <p:nvSpPr>
+          <p:cNvPr id="2" name="Folienbildplatzhalter 1"/>
+          <p:cNvSpPr>
+            <a:spLocks noGrp="1" noRot="1" noChangeAspect="1"/>
+          </p:cNvSpPr>
+          <p:nvPr>
+            <p:ph type="sldImg"/>
+          </p:nvPr>
+        </p:nvSpPr>
+        <p:spPr/>
+      </p:sp>
+      <p:sp>
+        <p:nvSpPr>
+          <p:cNvPr id="3" name="Notizenplatzhalter 2"/>
+          <p:cNvSpPr>
+            <a:spLocks noGrp="1"/>
+          </p:cNvSpPr>
+          <p:nvPr>
+            <p:ph type="body" idx="1"/>
+          </p:nvPr>
+        </p:nvSpPr>
+        <p:spPr/>
+        <p:txBody>
+          <a:bodyPr/>
+          <a:lstStyle/>
+          <a:p>
+            <a:r>
+              <a:rPr lang="de-DE" dirty="0"/>
+              <a:t>Weitere positive Punkte:</a:t>
+            </a:r>
+          </a:p>
+          <a:p>
+            <a:pPr marL="171450" indent="-171450">
+              <a:buFont typeface="Arial" panose="020B0604020202020204" pitchFamily="34" charset="0"/>
+              <a:buChar char="•"/>
+            </a:pPr>
+            <a:r>
+              <a:rPr lang="de-DE" dirty="0"/>
+              <a:t>Positive Einschätzung von </a:t>
+            </a:r>
+            <a:r>
+              <a:rPr lang="de-DE"/>
+              <a:t>einem Experten: </a:t>
+            </a:r>
+          </a:p>
+        </p:txBody>
+      </p:sp>
+    </p:spTree>
+    <p:extLst>
+      <p:ext uri="{BB962C8B-B14F-4D97-AF65-F5344CB8AC3E}">
+        <p14:creationId xmlns:p14="http://schemas.microsoft.com/office/powerpoint/2010/main" val="3488556439"/>
+      </p:ext>
+    </p:extLst>
+  </p:cSld>
+  <p:clrMapOvr>
+    <a:masterClrMapping/>
+  </p:clrMapOvr>
+</p:notes>
+</file>
+
+<file path=ppt/notesSlides/notesSlide14.xml><?xml version="1.0" encoding="utf-8"?>
+<p:notes xmlns:a="http://schemas.openxmlformats.org/drawingml/2006/main" xmlns:r="http://schemas.openxmlformats.org/officeDocument/2006/relationships" xmlns:p="http://schemas.openxmlformats.org/presentationml/2006/main">
+  <p:cSld>
+    <p:spTree>
+      <p:nvGrpSpPr>
+        <p:cNvPr id="1" name=""/>
+        <p:cNvGrpSpPr/>
+        <p:nvPr/>
+      </p:nvGrpSpPr>
+      <p:grpSpPr>
+        <a:xfrm>
+          <a:off x="0" y="0"/>
+          <a:ext cx="0" cy="0"/>
+          <a:chOff x="0" y="0"/>
+          <a:chExt cx="0" cy="0"/>
+        </a:xfrm>
+      </p:grpSpPr>
+      <p:sp>
+        <p:nvSpPr>
+          <p:cNvPr id="2" name="Folienbildplatzhalter 1"/>
+          <p:cNvSpPr>
+            <a:spLocks noGrp="1" noRot="1" noChangeAspect="1"/>
+          </p:cNvSpPr>
+          <p:nvPr>
+            <p:ph type="sldImg"/>
+          </p:nvPr>
+        </p:nvSpPr>
+        <p:spPr/>
+      </p:sp>
+      <p:sp>
+        <p:nvSpPr>
+          <p:cNvPr id="3" name="Notizenplatzhalter 2"/>
+          <p:cNvSpPr>
+            <a:spLocks noGrp="1"/>
+          </p:cNvSpPr>
+          <p:nvPr>
+            <p:ph type="body" idx="1"/>
+          </p:nvPr>
+        </p:nvSpPr>
+        <p:spPr/>
+        <p:txBody>
+          <a:bodyPr/>
+          <a:lstStyle/>
+          <a:p>
+            <a:r>
+              <a:rPr lang="de-DE" dirty="0"/>
+              <a:t>Weitere negativen Punkte:</a:t>
+            </a:r>
+          </a:p>
+          <a:p>
+            <a:endParaRPr lang="de-DE" dirty="0"/>
+          </a:p>
+          <a:p>
+            <a:pPr marL="171450" indent="-171450">
+              <a:buFont typeface="Arial" panose="020B0604020202020204" pitchFamily="34" charset="0"/>
+              <a:buChar char="•"/>
+            </a:pPr>
+            <a:r>
+              <a:rPr lang="de-DE" dirty="0"/>
+              <a:t>Wenig Zeit für die vielen Ideen </a:t>
+            </a:r>
+            <a:br>
+              <a:rPr lang="de-DE" dirty="0"/>
+            </a:br>
+            <a:r>
+              <a:rPr lang="de-DE" dirty="0">
+                <a:sym typeface="Wingdings" panose="05000000000000000000" pitchFamily="2" charset="2"/>
+              </a:rPr>
+              <a:t> gibt noch einige potentielle Features (siehe unten)</a:t>
+            </a:r>
+            <a:br>
+              <a:rPr lang="de-DE" dirty="0">
+                <a:sym typeface="Wingdings" panose="05000000000000000000" pitchFamily="2" charset="2"/>
+              </a:rPr>
+            </a:br>
+            <a:r>
+              <a:rPr lang="de-DE" dirty="0">
+                <a:sym typeface="Wingdings" panose="05000000000000000000" pitchFamily="2" charset="2"/>
+              </a:rPr>
+              <a:t> eventuell wurden Edge Cases nicht beachten/gefunden</a:t>
+            </a:r>
+          </a:p>
+          <a:p>
+            <a:pPr marL="171450" indent="-171450">
+              <a:buFont typeface="Arial" panose="020B0604020202020204" pitchFamily="34" charset="0"/>
+              <a:buChar char="•"/>
+            </a:pPr>
+            <a:r>
+              <a:rPr lang="de-DE" dirty="0">
+                <a:sym typeface="Wingdings" panose="05000000000000000000" pitchFamily="2" charset="2"/>
+              </a:rPr>
+              <a:t>Zu wenig </a:t>
+            </a:r>
+            <a:r>
+              <a:rPr lang="de-DE" dirty="0" err="1">
+                <a:sym typeface="Wingdings" panose="05000000000000000000" pitchFamily="2" charset="2"/>
+              </a:rPr>
+              <a:t>Usertest</a:t>
+            </a:r>
+            <a:br>
+              <a:rPr lang="de-DE" dirty="0">
+                <a:sym typeface="Wingdings" panose="05000000000000000000" pitchFamily="2" charset="2"/>
+              </a:rPr>
+            </a:br>
+            <a:r>
+              <a:rPr lang="de-DE" dirty="0">
+                <a:sym typeface="Wingdings" panose="05000000000000000000" pitchFamily="2" charset="2"/>
+              </a:rPr>
+              <a:t> Risiko ist eingetreten: Testergebnisse wurden nicht rechtzeitig erhalten</a:t>
+            </a:r>
+            <a:endParaRPr lang="de-DE" dirty="0"/>
+          </a:p>
+          <a:p>
+            <a:endParaRPr lang="de-DE" dirty="0"/>
+          </a:p>
+          <a:p>
+            <a:endParaRPr lang="de-DE" dirty="0"/>
+          </a:p>
+          <a:p>
             <a:r>
               <a:rPr lang="de-DE" dirty="0"/>
               <a:t>Potenzielle Features: https://github.com/SJetz/EPWS2122JetzPettinger/wiki/potenzielle-Features</a:t>
@@ -2845,7 +3067,7 @@
     </p:spTree>
     <p:extLst>
       <p:ext uri="{BB962C8B-B14F-4D97-AF65-F5344CB8AC3E}">
-        <p14:creationId xmlns:p14="http://schemas.microsoft.com/office/powerpoint/2010/main" val="1696546615"/>
+        <p14:creationId xmlns:p14="http://schemas.microsoft.com/office/powerpoint/2010/main" val="1351235866"/>
       </p:ext>
     </p:extLst>
   </p:cSld>
@@ -2902,7 +3124,10 @@
             <a:br>
               <a:rPr lang="de-DE" dirty="0"/>
             </a:br>
-            <a:endParaRPr lang="de-DE" dirty="0"/>
+            <a:r>
+              <a:rPr lang="de-DE" dirty="0"/>
+              <a:t>Was wurde verändert?</a:t>
+            </a:r>
           </a:p>
         </p:txBody>
       </p:sp>
@@ -10208,11 +10433,14 @@
           <a:lstStyle/>
           <a:p>
             <a:r>
-              <a:rPr lang="de-DE" dirty="0">
-                <a:latin typeface="Corbel" panose="020B0503020204020204" pitchFamily="34" charset="0"/>
-              </a:rPr>
-              <a:t>Fazit</a:t>
-            </a:r>
+              <a:rPr lang="de-DE" dirty="0" err="1">
+                <a:latin typeface="Corbel" panose="020B0503020204020204" pitchFamily="34" charset="0"/>
+              </a:rPr>
+              <a:t>Usprungsidee</a:t>
+            </a:r>
+            <a:endParaRPr lang="de-DE" dirty="0">
+              <a:latin typeface="Corbel" panose="020B0503020204020204" pitchFamily="34" charset="0"/>
+            </a:endParaRPr>
           </a:p>
         </p:txBody>
       </p:sp>
@@ -10237,108 +10465,132 @@
           <a:bodyPr/>
           <a:lstStyle/>
           <a:p>
-            <a:pPr lvl="3" indent="-342900">
+            <a:pPr algn="l"/>
+            <a:r>
+              <a:rPr lang="de-DE" b="1" i="0" dirty="0">
+                <a:effectLst/>
+                <a:latin typeface="-apple-system"/>
+              </a:rPr>
+              <a:t>Strategisches Ziel:</a:t>
+            </a:r>
+          </a:p>
+          <a:p>
+            <a:pPr algn="l">
               <a:buFont typeface="Arial" panose="020B0604020202020204" pitchFamily="34" charset="0"/>
               <a:buChar char="•"/>
             </a:pPr>
             <a:r>
-              <a:rPr lang="de-DE" dirty="0" err="1">
-                <a:latin typeface="Corbel" panose="020B0503020204020204" pitchFamily="34" charset="0"/>
-              </a:rPr>
-              <a:t>Potentzielle</a:t>
-            </a:r>
-            <a:r>
-              <a:rPr lang="de-DE" dirty="0">
-                <a:latin typeface="Corbel" panose="020B0503020204020204" pitchFamily="34" charset="0"/>
-              </a:rPr>
-              <a:t> weitere Features</a:t>
-            </a:r>
-          </a:p>
-          <a:p>
-            <a:pPr lvl="3" indent="-342900">
+              <a:rPr lang="de-DE" b="0" i="0" dirty="0">
+                <a:effectLst/>
+                <a:latin typeface="-apple-system"/>
+              </a:rPr>
+              <a:t>Inklusion und Autonomie des zu Betreuenden</a:t>
+            </a:r>
+          </a:p>
+          <a:p>
+            <a:pPr algn="l">
               <a:buFont typeface="Arial" panose="020B0604020202020204" pitchFamily="34" charset="0"/>
               <a:buChar char="•"/>
             </a:pPr>
             <a:r>
-              <a:rPr lang="de-DE" dirty="0">
-                <a:latin typeface="Corbel" panose="020B0503020204020204" pitchFamily="34" charset="0"/>
-              </a:rPr>
-              <a:t>Was wurde verändert</a:t>
-            </a:r>
-          </a:p>
-          <a:p>
-            <a:pPr lvl="3" indent="-342900">
+              <a:rPr lang="de-DE" b="0" i="0" dirty="0">
+                <a:effectLst/>
+                <a:latin typeface="-apple-system"/>
+              </a:rPr>
+              <a:t>Arbeitsalltagserleichterung des Betreuungspersonals</a:t>
+            </a:r>
+          </a:p>
+          <a:p>
+            <a:pPr algn="l"/>
+            <a:r>
+              <a:rPr lang="de-DE" b="1" i="0" dirty="0">
+                <a:effectLst/>
+                <a:latin typeface="-apple-system"/>
+              </a:rPr>
+              <a:t>Taktisches Ziel:</a:t>
+            </a:r>
+          </a:p>
+          <a:p>
+            <a:pPr algn="l">
               <a:buFont typeface="Arial" panose="020B0604020202020204" pitchFamily="34" charset="0"/>
               <a:buChar char="•"/>
             </a:pPr>
             <a:r>
-              <a:rPr lang="de-DE" dirty="0">
-                <a:latin typeface="Corbel" panose="020B0503020204020204" pitchFamily="34" charset="0"/>
-              </a:rPr>
-              <a:t>Was lief gut/schlecht</a:t>
-            </a:r>
-          </a:p>
-          <a:p>
-            <a:pPr lvl="4" indent="-342900">
+              <a:rPr lang="de-DE" b="0" i="0" dirty="0">
+                <a:effectLst/>
+                <a:latin typeface="-apple-system"/>
+              </a:rPr>
+              <a:t>Einen digitalen Einkaufsplaner, der das aktuelle Supermarktangebote in vereinfachter audiovisueller Form darstellt.</a:t>
+            </a:r>
+          </a:p>
+          <a:p>
+            <a:pPr algn="l"/>
+            <a:r>
+              <a:rPr lang="de-DE" b="1" i="0" dirty="0">
+                <a:effectLst/>
+                <a:latin typeface="-apple-system"/>
+              </a:rPr>
+              <a:t>Operative Ziele:</a:t>
+            </a:r>
+          </a:p>
+          <a:p>
+            <a:pPr algn="l">
               <a:buFont typeface="Arial" panose="020B0604020202020204" pitchFamily="34" charset="0"/>
               <a:buChar char="•"/>
             </a:pPr>
             <a:r>
-              <a:rPr lang="de-DE" dirty="0">
-                <a:latin typeface="Corbel" panose="020B0503020204020204" pitchFamily="34" charset="0"/>
-              </a:rPr>
-              <a:t>Zeit </a:t>
-            </a:r>
-            <a:r>
-              <a:rPr lang="de-DE" dirty="0" err="1">
-                <a:latin typeface="Corbel" panose="020B0503020204020204" pitchFamily="34" charset="0"/>
-              </a:rPr>
-              <a:t>kanpp</a:t>
-            </a:r>
-            <a:endParaRPr lang="de-DE" dirty="0">
-              <a:latin typeface="Corbel" panose="020B0503020204020204" pitchFamily="34" charset="0"/>
-            </a:endParaRPr>
-          </a:p>
-          <a:p>
-            <a:pPr lvl="4" indent="-342900">
+              <a:rPr lang="de-DE" b="0" i="0" dirty="0">
+                <a:effectLst/>
+                <a:latin typeface="-apple-system"/>
+              </a:rPr>
+              <a:t>Klar verständliche und einfache gehaltene Audiospuren</a:t>
+            </a:r>
+          </a:p>
+          <a:p>
+            <a:pPr algn="l">
               <a:buFont typeface="Arial" panose="020B0604020202020204" pitchFamily="34" charset="0"/>
               <a:buChar char="•"/>
             </a:pPr>
             <a:r>
-              <a:rPr lang="de-DE" dirty="0">
-                <a:latin typeface="Corbel" panose="020B0503020204020204" pitchFamily="34" charset="0"/>
-              </a:rPr>
-              <a:t>Risiko Test eingetreten gab keine </a:t>
-            </a:r>
-            <a:r>
-              <a:rPr lang="de-DE" dirty="0" err="1">
-                <a:latin typeface="Corbel" panose="020B0503020204020204" pitchFamily="34" charset="0"/>
-              </a:rPr>
-              <a:t>weiterne</a:t>
-            </a:r>
-            <a:r>
-              <a:rPr lang="de-DE" dirty="0">
-                <a:latin typeface="Corbel" panose="020B0503020204020204" pitchFamily="34" charset="0"/>
-              </a:rPr>
-              <a:t> Testläufe</a:t>
-            </a:r>
-          </a:p>
-          <a:p>
-            <a:pPr lvl="4" indent="-342900">
+              <a:rPr lang="de-DE" b="0" i="0" dirty="0">
+                <a:effectLst/>
+                <a:latin typeface="-apple-system"/>
+              </a:rPr>
+              <a:t>Eindeutige und einfache gehaltene (Symbol-)Bilder und Farben</a:t>
+            </a:r>
+          </a:p>
+          <a:p>
+            <a:pPr algn="l">
               <a:buFont typeface="Arial" panose="020B0604020202020204" pitchFamily="34" charset="0"/>
               <a:buChar char="•"/>
             </a:pPr>
             <a:r>
-              <a:rPr lang="de-DE" dirty="0">
-                <a:latin typeface="Corbel" panose="020B0503020204020204" pitchFamily="34" charset="0"/>
-              </a:rPr>
-              <a:t>Bewertung von App durch einen Experten verlieft gut</a:t>
-            </a:r>
-          </a:p>
-          <a:p>
-            <a:pPr lvl="4" indent="-342900">
+              <a:rPr lang="de-DE" b="0" i="0" dirty="0">
+                <a:effectLst/>
+                <a:latin typeface="-apple-system"/>
+              </a:rPr>
+              <a:t>Eindeutige Semantik</a:t>
+            </a:r>
+          </a:p>
+          <a:p>
+            <a:pPr algn="l">
               <a:buFont typeface="Arial" panose="020B0604020202020204" pitchFamily="34" charset="0"/>
               <a:buChar char="•"/>
+            </a:pPr>
+            <a:r>
+              <a:rPr lang="de-DE" b="0" i="0" dirty="0">
+                <a:effectLst/>
+                <a:latin typeface="-apple-system"/>
+              </a:rPr>
+              <a:t>Einfache Bedien- und Anzeigeelemente</a:t>
+            </a:r>
+          </a:p>
+          <a:p>
+            <a:pPr marL="730250" lvl="4" indent="0">
+              <a:lnSpc>
+                <a:spcPct val="100000"/>
+              </a:lnSpc>
+              <a:buNone/>
             </a:pPr>
             <a:endParaRPr lang="de-DE" dirty="0">
               <a:latin typeface="Corbel" panose="020B0503020204020204" pitchFamily="34" charset="0"/>
@@ -10444,6 +10696,665 @@
     <p:extLst>
       <p:ext uri="{BB962C8B-B14F-4D97-AF65-F5344CB8AC3E}">
         <p14:creationId xmlns:p14="http://schemas.microsoft.com/office/powerpoint/2010/main" val="162874750"/>
+      </p:ext>
+    </p:extLst>
+  </p:cSld>
+  <p:clrMapOvr>
+    <a:masterClrMapping/>
+  </p:clrMapOvr>
+</p:sld>
+</file>
+
+<file path=ppt/slides/slide13.xml><?xml version="1.0" encoding="utf-8"?>
+<p:sld xmlns:a="http://schemas.openxmlformats.org/drawingml/2006/main" xmlns:r="http://schemas.openxmlformats.org/officeDocument/2006/relationships" xmlns:p="http://schemas.openxmlformats.org/presentationml/2006/main">
+  <p:cSld>
+    <p:spTree>
+      <p:nvGrpSpPr>
+        <p:cNvPr id="1" name=""/>
+        <p:cNvGrpSpPr/>
+        <p:nvPr/>
+      </p:nvGrpSpPr>
+      <p:grpSpPr>
+        <a:xfrm>
+          <a:off x="0" y="0"/>
+          <a:ext cx="0" cy="0"/>
+          <a:chOff x="0" y="0"/>
+          <a:chExt cx="0" cy="0"/>
+        </a:xfrm>
+      </p:grpSpPr>
+      <p:sp>
+        <p:nvSpPr>
+          <p:cNvPr id="17" name="Titel 16">
+            <a:extLst>
+              <a:ext uri="{FF2B5EF4-FFF2-40B4-BE49-F238E27FC236}">
+                <a16:creationId xmlns:a16="http://schemas.microsoft.com/office/drawing/2014/main" id="{5310A8A3-5C3B-427A-83BE-2B45CDCBD872}"/>
+              </a:ext>
+            </a:extLst>
+          </p:cNvPr>
+          <p:cNvSpPr>
+            <a:spLocks noGrp="1"/>
+          </p:cNvSpPr>
+          <p:nvPr>
+            <p:ph type="title"/>
+          </p:nvPr>
+        </p:nvSpPr>
+        <p:spPr/>
+        <p:txBody>
+          <a:bodyPr/>
+          <a:lstStyle/>
+          <a:p>
+            <a:r>
+              <a:rPr lang="de-DE" dirty="0">
+                <a:latin typeface="Corbel" panose="020B0503020204020204" pitchFamily="34" charset="0"/>
+              </a:rPr>
+              <a:t>Welche Ziele wurden erreicht</a:t>
+            </a:r>
+          </a:p>
+        </p:txBody>
+      </p:sp>
+      <p:sp>
+        <p:nvSpPr>
+          <p:cNvPr id="18" name="Inhaltsplatzhalter 17">
+            <a:extLst>
+              <a:ext uri="{FF2B5EF4-FFF2-40B4-BE49-F238E27FC236}">
+                <a16:creationId xmlns:a16="http://schemas.microsoft.com/office/drawing/2014/main" id="{29C102FF-5B5C-4AE3-A34C-6C250D62A372}"/>
+              </a:ext>
+            </a:extLst>
+          </p:cNvPr>
+          <p:cNvSpPr>
+            <a:spLocks noGrp="1"/>
+          </p:cNvSpPr>
+          <p:nvPr>
+            <p:ph sz="quarter" idx="12"/>
+          </p:nvPr>
+        </p:nvSpPr>
+        <p:spPr/>
+        <p:txBody>
+          <a:bodyPr/>
+          <a:lstStyle/>
+          <a:p>
+            <a:pPr algn="l">
+              <a:buFont typeface="Arial" panose="020B0604020202020204" pitchFamily="34" charset="0"/>
+              <a:buChar char="•"/>
+            </a:pPr>
+            <a:r>
+              <a:rPr lang="de-DE" sz="1600" b="0" i="0" dirty="0">
+                <a:effectLst/>
+                <a:latin typeface="-apple-system"/>
+              </a:rPr>
+              <a:t>Inklusion und Autonomie des zu Betreuenden wurde </a:t>
+            </a:r>
+            <a:r>
+              <a:rPr lang="de-DE" sz="1600" dirty="0">
+                <a:latin typeface="-apple-system"/>
+              </a:rPr>
+              <a:t>größtenteils </a:t>
+            </a:r>
+            <a:r>
+              <a:rPr lang="de-DE" sz="1600" b="0" i="0" dirty="0">
+                <a:effectLst/>
+                <a:latin typeface="-apple-system"/>
+              </a:rPr>
+              <a:t>erreicht</a:t>
+            </a:r>
+          </a:p>
+          <a:p>
+            <a:pPr lvl="1">
+              <a:buFont typeface="Arial" panose="020B0604020202020204" pitchFamily="34" charset="0"/>
+              <a:buChar char="•"/>
+            </a:pPr>
+            <a:r>
+              <a:rPr lang="de-DE" sz="1600" dirty="0">
+                <a:latin typeface="-apple-system"/>
+              </a:rPr>
+              <a:t>Einkauf kann vom Betreuten alleine geplant werden</a:t>
+            </a:r>
+          </a:p>
+          <a:p>
+            <a:pPr lvl="1">
+              <a:buFont typeface="Arial" panose="020B0604020202020204" pitchFamily="34" charset="0"/>
+              <a:buChar char="•"/>
+            </a:pPr>
+            <a:r>
+              <a:rPr lang="de-DE" sz="1600" dirty="0">
+                <a:latin typeface="-apple-system"/>
+              </a:rPr>
+              <a:t>Einkaufszettel wird durch die App ersetzt und es können die in den Einkaufswagen gelegten Produkte entfernt werden</a:t>
+            </a:r>
+          </a:p>
+          <a:p>
+            <a:pPr lvl="1">
+              <a:buFont typeface="Arial" panose="020B0604020202020204" pitchFamily="34" charset="0"/>
+              <a:buChar char="•"/>
+            </a:pPr>
+            <a:r>
+              <a:rPr lang="de-DE" sz="1600" b="0" i="0" dirty="0">
+                <a:effectLst/>
+                <a:latin typeface="-apple-system"/>
+              </a:rPr>
+              <a:t>Es können Bilder mit Hilfe des Betreuers hinterlegt werden, so kann der Betreute seine Produkte abgleichen</a:t>
+            </a:r>
+            <a:endParaRPr lang="de-DE" sz="1600" dirty="0">
+              <a:latin typeface="-apple-system"/>
+            </a:endParaRPr>
+          </a:p>
+          <a:p>
+            <a:pPr lvl="1">
+              <a:buFont typeface="Arial" panose="020B0604020202020204" pitchFamily="34" charset="0"/>
+              <a:buChar char="•"/>
+            </a:pPr>
+            <a:r>
+              <a:rPr lang="de-DE" sz="1600" b="0" i="0" dirty="0">
+                <a:effectLst/>
+                <a:latin typeface="-apple-system"/>
+              </a:rPr>
+              <a:t>Mittels dem Sound kann der Betreute die App alleine bedienen</a:t>
+            </a:r>
+          </a:p>
+          <a:p>
+            <a:pPr>
+              <a:buFont typeface="Arial" panose="020B0604020202020204" pitchFamily="34" charset="0"/>
+              <a:buChar char="•"/>
+            </a:pPr>
+            <a:r>
+              <a:rPr lang="de-DE" sz="1600" b="0" i="0" dirty="0">
+                <a:effectLst/>
+                <a:latin typeface="-apple-system"/>
+              </a:rPr>
+              <a:t>Arbeitsalltagserleichterung des Betreuungspersonals wurde teils erreicht</a:t>
+            </a:r>
+          </a:p>
+          <a:p>
+            <a:pPr lvl="1">
+              <a:buFont typeface="Arial" panose="020B0604020202020204" pitchFamily="34" charset="0"/>
+              <a:buChar char="•"/>
+            </a:pPr>
+            <a:r>
+              <a:rPr lang="de-DE" sz="1600" b="0" i="0" dirty="0">
+                <a:effectLst/>
+                <a:latin typeface="-apple-system"/>
+              </a:rPr>
+              <a:t>Nach einmaligen einstellen der App kann der Betreute ohne Hilfe seinen eigenen Einkauf planen </a:t>
+            </a:r>
+            <a:r>
+              <a:rPr lang="de-DE" sz="1600" b="0" i="0" dirty="0">
+                <a:effectLst/>
+                <a:latin typeface="-apple-system"/>
+                <a:sym typeface="Wingdings" panose="05000000000000000000" pitchFamily="2" charset="2"/>
+              </a:rPr>
+              <a:t> Es müssen keine Einkaufszettel mit ausgedruckten Bilder geschrieben werden</a:t>
+            </a:r>
+            <a:endParaRPr lang="de-DE" sz="1600" b="0" i="0" dirty="0">
+              <a:effectLst/>
+              <a:latin typeface="-apple-system"/>
+            </a:endParaRPr>
+          </a:p>
+          <a:p>
+            <a:pPr algn="l">
+              <a:buFont typeface="Arial" panose="020B0604020202020204" pitchFamily="34" charset="0"/>
+              <a:buChar char="•"/>
+            </a:pPr>
+            <a:r>
+              <a:rPr lang="de-DE" sz="1600" dirty="0">
+                <a:latin typeface="-apple-system"/>
+              </a:rPr>
+              <a:t>Klare verständliche Audiospuren wurden umgesetzt</a:t>
+            </a:r>
+          </a:p>
+          <a:p>
+            <a:pPr algn="l">
+              <a:buFont typeface="Arial" panose="020B0604020202020204" pitchFamily="34" charset="0"/>
+              <a:buChar char="•"/>
+            </a:pPr>
+            <a:r>
+              <a:rPr lang="de-DE" sz="1600" b="0" i="0" dirty="0">
+                <a:effectLst/>
+                <a:latin typeface="-apple-system"/>
+              </a:rPr>
+              <a:t>Eindeutige und einfach gehaltene (Symbol-)Bilder und Farben wurden umgesetzt</a:t>
+            </a:r>
+          </a:p>
+          <a:p>
+            <a:pPr lvl="1">
+              <a:buFont typeface="Arial" panose="020B0604020202020204" pitchFamily="34" charset="0"/>
+              <a:buChar char="•"/>
+            </a:pPr>
+            <a:r>
+              <a:rPr lang="de-DE" sz="1600" dirty="0">
+                <a:latin typeface="-apple-system"/>
+              </a:rPr>
+              <a:t>Zusatzfunktion: Eigene Bilder können hinterlegt werden </a:t>
+            </a:r>
+            <a:r>
+              <a:rPr lang="de-DE" sz="1600" dirty="0">
+                <a:latin typeface="-apple-system"/>
+                <a:sym typeface="Wingdings" panose="05000000000000000000" pitchFamily="2" charset="2"/>
+              </a:rPr>
+              <a:t> Produkte einfacher zu erkennen</a:t>
+            </a:r>
+            <a:endParaRPr lang="de-DE" sz="1600" b="0" i="0" dirty="0">
+              <a:effectLst/>
+              <a:latin typeface="-apple-system"/>
+            </a:endParaRPr>
+          </a:p>
+          <a:p>
+            <a:pPr algn="l">
+              <a:buFont typeface="Arial" panose="020B0604020202020204" pitchFamily="34" charset="0"/>
+              <a:buChar char="•"/>
+            </a:pPr>
+            <a:r>
+              <a:rPr lang="de-DE" sz="1600" dirty="0">
+                <a:latin typeface="-apple-system"/>
+              </a:rPr>
+              <a:t>Eindeutige Semantik, einfache Bedien- und Anzeigeelemente wurden umgesetzt</a:t>
+            </a:r>
+          </a:p>
+          <a:p>
+            <a:pPr lvl="1">
+              <a:buFont typeface="Arial" panose="020B0604020202020204" pitchFamily="34" charset="0"/>
+              <a:buChar char="•"/>
+            </a:pPr>
+            <a:r>
+              <a:rPr lang="de-DE" sz="1600" b="0" i="0" dirty="0">
+                <a:effectLst/>
+                <a:latin typeface="-apple-system"/>
+              </a:rPr>
+              <a:t>Es wurden nur Funktionen, die man auch aus andere Apps kennt genutzt</a:t>
+            </a:r>
+          </a:p>
+          <a:p>
+            <a:pPr lvl="1">
+              <a:buFont typeface="Arial" panose="020B0604020202020204" pitchFamily="34" charset="0"/>
+              <a:buChar char="•"/>
+            </a:pPr>
+            <a:r>
+              <a:rPr lang="de-DE" sz="1600" dirty="0">
+                <a:latin typeface="-apple-system"/>
+              </a:rPr>
+              <a:t>Abfragen im Betreuten-Bereich sind vertont und Auswahl findet mittels Symbolen statt</a:t>
+            </a:r>
+            <a:endParaRPr lang="de-DE" sz="1600" b="0" i="0" dirty="0">
+              <a:effectLst/>
+              <a:latin typeface="-apple-system"/>
+            </a:endParaRPr>
+          </a:p>
+          <a:p>
+            <a:pPr marL="730250" lvl="4" indent="0">
+              <a:lnSpc>
+                <a:spcPct val="100000"/>
+              </a:lnSpc>
+              <a:buNone/>
+            </a:pPr>
+            <a:endParaRPr lang="de-DE" dirty="0">
+              <a:latin typeface="Corbel" panose="020B0503020204020204" pitchFamily="34" charset="0"/>
+            </a:endParaRPr>
+          </a:p>
+        </p:txBody>
+      </p:sp>
+      <p:sp>
+        <p:nvSpPr>
+          <p:cNvPr id="2" name="Textplatzhalter 1">
+            <a:extLst>
+              <a:ext uri="{FF2B5EF4-FFF2-40B4-BE49-F238E27FC236}">
+                <a16:creationId xmlns:a16="http://schemas.microsoft.com/office/drawing/2014/main" id="{D92D76A2-9CAD-4D64-9A5F-4F011AEE8144}"/>
+              </a:ext>
+            </a:extLst>
+          </p:cNvPr>
+          <p:cNvSpPr>
+            <a:spLocks noGrp="1"/>
+          </p:cNvSpPr>
+          <p:nvPr>
+            <p:ph type="body" idx="13"/>
+          </p:nvPr>
+        </p:nvSpPr>
+        <p:spPr/>
+        <p:txBody>
+          <a:bodyPr/>
+          <a:lstStyle/>
+          <a:p>
+            <a:endParaRPr lang="de-DE"/>
+          </a:p>
+        </p:txBody>
+      </p:sp>
+      <p:sp>
+        <p:nvSpPr>
+          <p:cNvPr id="5" name="Datumsplatzhalter 4">
+            <a:extLst>
+              <a:ext uri="{FF2B5EF4-FFF2-40B4-BE49-F238E27FC236}">
+                <a16:creationId xmlns:a16="http://schemas.microsoft.com/office/drawing/2014/main" id="{C319720F-1CD0-4FF4-9890-2105ED7BAD7B}"/>
+              </a:ext>
+            </a:extLst>
+          </p:cNvPr>
+          <p:cNvSpPr>
+            <a:spLocks noGrp="1"/>
+          </p:cNvSpPr>
+          <p:nvPr>
+            <p:ph type="dt" sz="half" idx="14"/>
+          </p:nvPr>
+        </p:nvSpPr>
+        <p:spPr/>
+        <p:txBody>
+          <a:bodyPr/>
+          <a:lstStyle/>
+          <a:p>
+            <a:pPr>
+              <a:defRPr/>
+            </a:pPr>
+            <a:fld id="{90503C0D-0707-4A07-942E-3F0C914DAF04}" type="datetime1">
+              <a:rPr lang="de-DE" smtClean="0"/>
+              <a:pPr>
+                <a:defRPr/>
+              </a:pPr>
+              <a:t>20.02.2022</a:t>
+            </a:fld>
+            <a:endParaRPr lang="de-DE" dirty="0"/>
+          </a:p>
+        </p:txBody>
+      </p:sp>
+      <p:sp>
+        <p:nvSpPr>
+          <p:cNvPr id="6" name="Foliennummernplatzhalter 5">
+            <a:extLst>
+              <a:ext uri="{FF2B5EF4-FFF2-40B4-BE49-F238E27FC236}">
+                <a16:creationId xmlns:a16="http://schemas.microsoft.com/office/drawing/2014/main" id="{6A0B34F3-0515-4B69-BAFC-42E1429BE82A}"/>
+              </a:ext>
+            </a:extLst>
+          </p:cNvPr>
+          <p:cNvSpPr>
+            <a:spLocks noGrp="1"/>
+          </p:cNvSpPr>
+          <p:nvPr>
+            <p:ph type="sldNum" sz="quarter" idx="15"/>
+          </p:nvPr>
+        </p:nvSpPr>
+        <p:spPr/>
+        <p:txBody>
+          <a:bodyPr/>
+          <a:lstStyle/>
+          <a:p>
+            <a:r>
+              <a:rPr lang="de-DE"/>
+              <a:t>Seite </a:t>
+            </a:r>
+            <a:fld id="{35334651-DA3B-4EB7-B98A-13466C4842BA}" type="slidenum">
+              <a:rPr lang="de-DE" smtClean="0"/>
+              <a:pPr/>
+              <a:t>13</a:t>
+            </a:fld>
+            <a:endParaRPr lang="de-DE"/>
+          </a:p>
+        </p:txBody>
+      </p:sp>
+    </p:spTree>
+    <p:extLst>
+      <p:ext uri="{BB962C8B-B14F-4D97-AF65-F5344CB8AC3E}">
+        <p14:creationId xmlns:p14="http://schemas.microsoft.com/office/powerpoint/2010/main" val="3466356404"/>
+      </p:ext>
+    </p:extLst>
+  </p:cSld>
+  <p:clrMapOvr>
+    <a:masterClrMapping/>
+  </p:clrMapOvr>
+</p:sld>
+</file>
+
+<file path=ppt/slides/slide14.xml><?xml version="1.0" encoding="utf-8"?>
+<p:sld xmlns:a="http://schemas.openxmlformats.org/drawingml/2006/main" xmlns:r="http://schemas.openxmlformats.org/officeDocument/2006/relationships" xmlns:p="http://schemas.openxmlformats.org/presentationml/2006/main">
+  <p:cSld>
+    <p:spTree>
+      <p:nvGrpSpPr>
+        <p:cNvPr id="1" name=""/>
+        <p:cNvGrpSpPr/>
+        <p:nvPr/>
+      </p:nvGrpSpPr>
+      <p:grpSpPr>
+        <a:xfrm>
+          <a:off x="0" y="0"/>
+          <a:ext cx="0" cy="0"/>
+          <a:chOff x="0" y="0"/>
+          <a:chExt cx="0" cy="0"/>
+        </a:xfrm>
+      </p:grpSpPr>
+      <p:sp>
+        <p:nvSpPr>
+          <p:cNvPr id="17" name="Titel 16">
+            <a:extLst>
+              <a:ext uri="{FF2B5EF4-FFF2-40B4-BE49-F238E27FC236}">
+                <a16:creationId xmlns:a16="http://schemas.microsoft.com/office/drawing/2014/main" id="{5310A8A3-5C3B-427A-83BE-2B45CDCBD872}"/>
+              </a:ext>
+            </a:extLst>
+          </p:cNvPr>
+          <p:cNvSpPr>
+            <a:spLocks noGrp="1"/>
+          </p:cNvSpPr>
+          <p:nvPr>
+            <p:ph type="title"/>
+          </p:nvPr>
+        </p:nvSpPr>
+        <p:spPr/>
+        <p:txBody>
+          <a:bodyPr/>
+          <a:lstStyle/>
+          <a:p>
+            <a:r>
+              <a:rPr lang="de-DE" dirty="0">
+                <a:latin typeface="Corbel" panose="020B0503020204020204" pitchFamily="34" charset="0"/>
+              </a:rPr>
+              <a:t>Welche Ziele wurden nicht erreicht</a:t>
+            </a:r>
+          </a:p>
+        </p:txBody>
+      </p:sp>
+      <p:sp>
+        <p:nvSpPr>
+          <p:cNvPr id="18" name="Inhaltsplatzhalter 17">
+            <a:extLst>
+              <a:ext uri="{FF2B5EF4-FFF2-40B4-BE49-F238E27FC236}">
+                <a16:creationId xmlns:a16="http://schemas.microsoft.com/office/drawing/2014/main" id="{29C102FF-5B5C-4AE3-A34C-6C250D62A372}"/>
+              </a:ext>
+            </a:extLst>
+          </p:cNvPr>
+          <p:cNvSpPr>
+            <a:spLocks noGrp="1"/>
+          </p:cNvSpPr>
+          <p:nvPr>
+            <p:ph sz="quarter" idx="12"/>
+          </p:nvPr>
+        </p:nvSpPr>
+        <p:spPr/>
+        <p:txBody>
+          <a:bodyPr/>
+          <a:lstStyle/>
+          <a:p>
+            <a:pPr>
+              <a:buFont typeface="Arial" panose="020B0604020202020204" pitchFamily="34" charset="0"/>
+              <a:buChar char="•"/>
+            </a:pPr>
+            <a:r>
+              <a:rPr lang="de-DE" sz="1600" b="0" i="0" dirty="0">
+                <a:effectLst/>
+                <a:latin typeface="-apple-system"/>
+              </a:rPr>
+              <a:t>Einen digitalen Einkaufsplaner, der das aktuelle Supermarktangebote in vereinfachter audiovisueller Form darstellt.</a:t>
+            </a:r>
+          </a:p>
+          <a:p>
+            <a:pPr lvl="1">
+              <a:buFont typeface="Arial" panose="020B0604020202020204" pitchFamily="34" charset="0"/>
+              <a:buChar char="•"/>
+            </a:pPr>
+            <a:r>
+              <a:rPr lang="de-DE" sz="1600" dirty="0">
+                <a:latin typeface="-apple-system"/>
+              </a:rPr>
+              <a:t>Zu große Menge an Geschäften in denen potentiell eingekauft werden kann und deren Produkte in das Sortiment der App aufgenommen werden muss</a:t>
+            </a:r>
+          </a:p>
+          <a:p>
+            <a:pPr lvl="1">
+              <a:buFont typeface="Arial" panose="020B0604020202020204" pitchFamily="34" charset="0"/>
+              <a:buChar char="•"/>
+            </a:pPr>
+            <a:r>
+              <a:rPr lang="de-DE" sz="1600" dirty="0">
+                <a:latin typeface="-apple-system"/>
+              </a:rPr>
+              <a:t>Unmöglich die riesige Produktanzahl auf eine geringere Anzahl herunterzubrechen und zu vereinfachen, ohne dass der Betreuer das gesamte Sortiment aller Supermärkte durch gehen und davon etwas auswählen muss</a:t>
+            </a:r>
+          </a:p>
+          <a:p>
+            <a:pPr lvl="1">
+              <a:buFont typeface="Arial" panose="020B0604020202020204" pitchFamily="34" charset="0"/>
+              <a:buChar char="•"/>
+            </a:pPr>
+            <a:r>
+              <a:rPr lang="de-DE" sz="1600" b="0" i="0" dirty="0">
+                <a:effectLst/>
+                <a:latin typeface="-apple-system"/>
+              </a:rPr>
+              <a:t>Ebenso konnten Rabatte</a:t>
+            </a:r>
+            <a:r>
+              <a:rPr lang="de-DE" sz="1600" dirty="0">
+                <a:latin typeface="-apple-system"/>
+              </a:rPr>
+              <a:t>, Preisänderungen sowie ausverkaufte Produkte im Supermarkt der Region nicht  realistisch übertragen werden</a:t>
+            </a:r>
+          </a:p>
+          <a:p>
+            <a:pPr lvl="1">
+              <a:buFont typeface="Arial" panose="020B0604020202020204" pitchFamily="34" charset="0"/>
+              <a:buChar char="•"/>
+            </a:pPr>
+            <a:r>
+              <a:rPr lang="de-DE" sz="1600" dirty="0">
+                <a:latin typeface="-apple-system"/>
+              </a:rPr>
+              <a:t>Idee der Preiskalkulierung wurde verworfen, da es zu viele verschiedene Preise für eine Produktart gibt und ein Mittelwert nicht den gewünschten Effekt erzielt</a:t>
+            </a:r>
+          </a:p>
+          <a:p>
+            <a:pPr lvl="2">
+              <a:buFont typeface="Arial" panose="020B0604020202020204" pitchFamily="34" charset="0"/>
+              <a:buChar char="•"/>
+            </a:pPr>
+            <a:r>
+              <a:rPr lang="de-DE" sz="1600" dirty="0">
+                <a:latin typeface="-apple-system"/>
+              </a:rPr>
+              <a:t>Für die Budgetgeber zählt bei der Abrechnung allein die Rechnung und der reelle Geldbetrag</a:t>
+            </a:r>
+          </a:p>
+          <a:p>
+            <a:pPr algn="l">
+              <a:buFont typeface="Arial" panose="020B0604020202020204" pitchFamily="34" charset="0"/>
+              <a:buChar char="•"/>
+            </a:pPr>
+            <a:endParaRPr lang="de-DE" sz="1600" b="0" i="0" dirty="0">
+              <a:effectLst/>
+              <a:latin typeface="-apple-system"/>
+            </a:endParaRPr>
+          </a:p>
+        </p:txBody>
+      </p:sp>
+      <p:sp>
+        <p:nvSpPr>
+          <p:cNvPr id="2" name="Textplatzhalter 1">
+            <a:extLst>
+              <a:ext uri="{FF2B5EF4-FFF2-40B4-BE49-F238E27FC236}">
+                <a16:creationId xmlns:a16="http://schemas.microsoft.com/office/drawing/2014/main" id="{D92D76A2-9CAD-4D64-9A5F-4F011AEE8144}"/>
+              </a:ext>
+            </a:extLst>
+          </p:cNvPr>
+          <p:cNvSpPr>
+            <a:spLocks noGrp="1"/>
+          </p:cNvSpPr>
+          <p:nvPr>
+            <p:ph type="body" idx="13"/>
+          </p:nvPr>
+        </p:nvSpPr>
+        <p:spPr/>
+        <p:txBody>
+          <a:bodyPr/>
+          <a:lstStyle/>
+          <a:p>
+            <a:endParaRPr lang="de-DE"/>
+          </a:p>
+        </p:txBody>
+      </p:sp>
+      <p:sp>
+        <p:nvSpPr>
+          <p:cNvPr id="5" name="Datumsplatzhalter 4">
+            <a:extLst>
+              <a:ext uri="{FF2B5EF4-FFF2-40B4-BE49-F238E27FC236}">
+                <a16:creationId xmlns:a16="http://schemas.microsoft.com/office/drawing/2014/main" id="{C319720F-1CD0-4FF4-9890-2105ED7BAD7B}"/>
+              </a:ext>
+            </a:extLst>
+          </p:cNvPr>
+          <p:cNvSpPr>
+            <a:spLocks noGrp="1"/>
+          </p:cNvSpPr>
+          <p:nvPr>
+            <p:ph type="dt" sz="half" idx="14"/>
+          </p:nvPr>
+        </p:nvSpPr>
+        <p:spPr/>
+        <p:txBody>
+          <a:bodyPr/>
+          <a:lstStyle/>
+          <a:p>
+            <a:pPr>
+              <a:defRPr/>
+            </a:pPr>
+            <a:fld id="{90503C0D-0707-4A07-942E-3F0C914DAF04}" type="datetime1">
+              <a:rPr lang="de-DE" smtClean="0"/>
+              <a:pPr>
+                <a:defRPr/>
+              </a:pPr>
+              <a:t>20.02.2022</a:t>
+            </a:fld>
+            <a:endParaRPr lang="de-DE" dirty="0"/>
+          </a:p>
+        </p:txBody>
+      </p:sp>
+      <p:sp>
+        <p:nvSpPr>
+          <p:cNvPr id="6" name="Foliennummernplatzhalter 5">
+            <a:extLst>
+              <a:ext uri="{FF2B5EF4-FFF2-40B4-BE49-F238E27FC236}">
+                <a16:creationId xmlns:a16="http://schemas.microsoft.com/office/drawing/2014/main" id="{6A0B34F3-0515-4B69-BAFC-42E1429BE82A}"/>
+              </a:ext>
+            </a:extLst>
+          </p:cNvPr>
+          <p:cNvSpPr>
+            <a:spLocks noGrp="1"/>
+          </p:cNvSpPr>
+          <p:nvPr>
+            <p:ph type="sldNum" sz="quarter" idx="15"/>
+          </p:nvPr>
+        </p:nvSpPr>
+        <p:spPr/>
+        <p:txBody>
+          <a:bodyPr/>
+          <a:lstStyle/>
+          <a:p>
+            <a:r>
+              <a:rPr lang="de-DE"/>
+              <a:t>Seite </a:t>
+            </a:r>
+            <a:fld id="{35334651-DA3B-4EB7-B98A-13466C4842BA}" type="slidenum">
+              <a:rPr lang="de-DE" smtClean="0"/>
+              <a:pPr/>
+              <a:t>14</a:t>
+            </a:fld>
+            <a:endParaRPr lang="de-DE"/>
+          </a:p>
+        </p:txBody>
+      </p:sp>
+    </p:spTree>
+    <p:extLst>
+      <p:ext uri="{BB962C8B-B14F-4D97-AF65-F5344CB8AC3E}">
+        <p14:creationId xmlns:p14="http://schemas.microsoft.com/office/powerpoint/2010/main" val="2275963404"/>
       </p:ext>
     </p:extLst>
   </p:cSld>

--- a/Artefakte/Audit 4/Entwicklungsprojekt202122_PettingerJetz.pptx
+++ b/Artefakte/Audit 4/Entwicklungsprojekt202122_PettingerJetz.pptx
@@ -831,7 +831,7 @@
                 </a:lnSpc>
                 <a:defRPr/>
               </a:pPr>
-              <a:t>19.02.2022</a:t>
+              <a:t>20.02.2022</a:t>
             </a:fld>
             <a:endParaRPr lang="de-DE" sz="900" dirty="0"/>
           </a:p>
@@ -1823,7 +1823,7 @@
                 </a:lnSpc>
                 <a:defRPr/>
               </a:pPr>
-              <a:t>19.02.2022</a:t>
+              <a:t>20.02.2022</a:t>
             </a:fld>
             <a:endParaRPr lang="de-DE" sz="900" dirty="0"/>
           </a:p>
@@ -2318,7 +2318,19 @@
           <a:p>
             <a:r>
               <a:rPr lang="de-DE" dirty="0"/>
-              <a:t>Ablaufbeschreibung: https://github.com/SJetz/EPWS2122JetzPettinger/wiki/Ablaufbeschreibungen</a:t>
+              <a:t>Ablaufbeschreibung:</a:t>
+            </a:r>
+          </a:p>
+          <a:p>
+            <a:r>
+              <a:rPr lang="de-DE" dirty="0"/>
+              <a:t>https://github.com/SJetz/EPWS2122JetzPettinger/wiki/Ablaufbeschreibungen</a:t>
+            </a:r>
+          </a:p>
+          <a:p>
+            <a:r>
+              <a:rPr lang="de-DE" dirty="0"/>
+              <a:t>https://github.com/SJetz/EPWS2122JetzPettinger/tree/main/Artefakte/Audit%204/FlowCharts</a:t>
             </a:r>
           </a:p>
           <a:p>
@@ -2347,7 +2359,7 @@
             </a:pPr>
             <a:r>
               <a:rPr lang="de-DE" dirty="0"/>
-              <a:t>Dies ist der Fall, da der gesamte User gelöscht wird. D.h. Sein Eintrag in der Userdaten-Tabelle, sowie die </a:t>
+              <a:t>Dies ist der Fall, da der gesamte User gelöscht wird. D.h. sein Eintrag in der Userdaten-Tabelle, sowie die </a:t>
             </a:r>
             <a:r>
               <a:rPr lang="de-DE" dirty="0" err="1"/>
@@ -2355,7 +2367,17 @@
             </a:r>
             <a:r>
               <a:rPr lang="de-DE" dirty="0"/>
-              <a:t> wird gelöscht</a:t>
+              <a:t> wird gelöscht und mit den neuen Daten angelegt</a:t>
+            </a:r>
+          </a:p>
+          <a:p>
+            <a:pPr marL="628650" lvl="1" indent="-171450">
+              <a:buFont typeface="Arial" panose="020B0604020202020204" pitchFamily="34" charset="0"/>
+              <a:buChar char="•"/>
+            </a:pPr>
+            <a:r>
+              <a:rPr lang="de-DE" dirty="0"/>
+              <a:t>Als die Tabellen geupdatet werden sollten gab es Probleme mit den Tabellen, deswegen wurde sich dazu entschieden den User zu löschen und neu anzulegen</a:t>
             </a:r>
           </a:p>
           <a:p>
@@ -2395,7 +2417,7 @@
                 <a:latin typeface="Corbel" panose="020B0503020204020204" pitchFamily="34" charset="0"/>
                 <a:sym typeface="Wingdings" panose="05000000000000000000" pitchFamily="2" charset="2"/>
               </a:rPr>
-              <a:t>Wenn alle User gelöscht  Aufforderung zum Anlegen eines neuen Users</a:t>
+              <a:t>Wenn alle User gelöscht wurden  Aufforderung zum Anlegen eines neuen Users</a:t>
             </a:r>
           </a:p>
           <a:p>
@@ -2505,6 +2527,16 @@
           <a:lstStyle/>
           <a:p>
             <a:r>
+              <a:rPr lang="de-DE" dirty="0" err="1"/>
+              <a:t>Github</a:t>
+            </a:r>
+            <a:r>
+              <a:rPr lang="de-DE" dirty="0"/>
+              <a:t>-Link zum Code: https://github.com/ppetting/EP_SJPP_Prototyp</a:t>
+            </a:r>
+          </a:p>
+          <a:p>
+            <a:r>
               <a:rPr lang="de-DE" dirty="0"/>
               <a:t>Methodenerläuterung:</a:t>
             </a:r>
@@ -2647,11 +2679,7 @@
             </a:pPr>
             <a:r>
               <a:rPr lang="de-DE" dirty="0"/>
-              <a:t>Positive Einschätzung von </a:t>
-            </a:r>
-            <a:r>
-              <a:rPr lang="de-DE"/>
-              <a:t>einem Experten: </a:t>
+              <a:t>Positive Einschätzung von einem Experten: https://github.com/SJetz/EPWS2122JetzPettinger/blob/main/Artefakte/Audit%204/Experteneinsch%C3%A4tzung_ElisabethJetz.pdf</a:t>
             </a:r>
           </a:p>
         </p:txBody>
@@ -2714,6 +2742,23 @@
           <a:lstStyle/>
           <a:p>
             <a:r>
+              <a:rPr lang="de-DE" sz="1800" dirty="0">
+                <a:solidFill>
+                  <a:srgbClr val="767171"/>
+                </a:solidFill>
+                <a:effectLst/>
+                <a:latin typeface="Calibri" panose="020F0502020204030204" pitchFamily="34" charset="0"/>
+                <a:ea typeface="Yu Mincho" panose="02020400000000000000" pitchFamily="18" charset="-128"/>
+              </a:rPr>
+              <a:t>Es handelt sich um einen digitalen Einkaufsplaner, jedoch nicht mit Supermarktangeboten, sondern mit einer eigener Sortiment-Tabelle</a:t>
+            </a:r>
+            <a:endParaRPr lang="de-DE" dirty="0"/>
+          </a:p>
+          <a:p>
+            <a:endParaRPr lang="de-DE" dirty="0"/>
+          </a:p>
+          <a:p>
+            <a:r>
               <a:rPr lang="de-DE" dirty="0"/>
               <a:t>Weitere negativen Punkte:</a:t>
             </a:r>
@@ -2760,13 +2805,7 @@
               <a:rPr lang="de-DE" dirty="0">
                 <a:sym typeface="Wingdings" panose="05000000000000000000" pitchFamily="2" charset="2"/>
               </a:rPr>
-              <a:t>Zu wenig </a:t>
-            </a:r>
-            <a:r>
-              <a:rPr lang="de-DE" dirty="0" err="1">
-                <a:sym typeface="Wingdings" panose="05000000000000000000" pitchFamily="2" charset="2"/>
-              </a:rPr>
-              <a:t>Usertest</a:t>
+              <a:t>Zu wenig Usertests</a:t>
             </a:r>
             <a:br>
               <a:rPr lang="de-DE" dirty="0">
@@ -2898,7 +2937,7 @@
                 <a:effectLst/>
                 <a:latin typeface="-apple-system"/>
               </a:rPr>
-              <a:t>Betreuer soll auswählen können, ob es Unverträglichkeiten exzitieren und ob Produkte mit entsprechenden Inhaltstoffe aussortiert werden sollen</a:t>
+              <a:t>Betreuer soll auswählen können, ob Unverträglichkeiten exzitieren und ob Produkte mit entsprechenden Inhaltstoffe aussortiert werden sollen</a:t>
             </a:r>
           </a:p>
           <a:p>
@@ -2994,7 +3033,7 @@
                 <a:effectLst/>
                 <a:latin typeface="-apple-system"/>
               </a:rPr>
-              <a:t>Bilder von Betreuten einfügen für die Userübersicht (</a:t>
+              <a:t>Bilder von Betreuten einfügen in die Userübersicht (</a:t>
             </a:r>
             <a:r>
               <a:rPr lang="de-DE" b="0" i="0" dirty="0" err="1">
@@ -3004,7 +3043,7 @@
                 <a:effectLst/>
                 <a:latin typeface="-apple-system"/>
               </a:rPr>
-              <a:t>Sensiebeledaten</a:t>
+              <a:t>Sensibeldaten</a:t>
             </a:r>
             <a:r>
               <a:rPr lang="de-DE" b="0" i="0" dirty="0">
@@ -3121,13 +3160,7 @@
           <a:bodyPr/>
           <a:lstStyle/>
           <a:p>
-            <a:br>
-              <a:rPr lang="de-DE" dirty="0"/>
-            </a:br>
-            <a:r>
-              <a:rPr lang="de-DE" dirty="0"/>
-              <a:t>Was wurde verändert?</a:t>
-            </a:r>
+            <a:endParaRPr lang="de-DE" dirty="0"/>
           </a:p>
         </p:txBody>
       </p:sp>
@@ -3188,12 +3221,33 @@
           <a:bodyPr/>
           <a:lstStyle/>
           <a:p>
+            <a:pPr marL="0" marR="0" lvl="0" indent="0" algn="l" defTabSz="457200" rtl="0" eaLnBrk="0" fontAlgn="base" latinLnBrk="0" hangingPunct="0">
+              <a:lnSpc>
+                <a:spcPct val="100000"/>
+              </a:lnSpc>
+              <a:spcBef>
+                <a:spcPct val="30000"/>
+              </a:spcBef>
+              <a:spcAft>
+                <a:spcPct val="0"/>
+              </a:spcAft>
+              <a:buClrTx/>
+              <a:buSzTx/>
+              <a:buFontTx/>
+              <a:buNone/>
+              <a:tabLst/>
+              <a:defRPr/>
+            </a:pPr>
+            <a:r>
+              <a:rPr lang="de-DE" dirty="0"/>
+              <a:t>Ablaufbeschreibung: </a:t>
+            </a:r>
             <a:br>
               <a:rPr lang="de-DE" dirty="0"/>
             </a:br>
             <a:r>
               <a:rPr lang="de-DE" dirty="0"/>
-              <a:t>Ablaufbeschreibung: </a:t>
+              <a:t>https://github.com/SJetz/EPWS2122JetzPettinger/wiki/Ablaufbeschreibungen</a:t>
             </a:r>
           </a:p>
           <a:p>
@@ -3203,13 +3257,8 @@
             </a:pPr>
             <a:r>
               <a:rPr lang="de-DE" dirty="0"/>
-              <a:t>First </a:t>
-            </a:r>
-            <a:r>
-              <a:rPr lang="de-DE" dirty="0" err="1"/>
-              <a:t>Appstart</a:t>
-            </a:r>
-            <a:endParaRPr lang="de-DE" dirty="0"/>
+              <a:t>First-App-Start</a:t>
+            </a:r>
           </a:p>
           <a:p>
             <a:pPr marL="171450" indent="-171450">
@@ -3218,13 +3267,8 @@
             </a:pPr>
             <a:r>
               <a:rPr lang="de-DE" dirty="0"/>
-              <a:t>Regulärer </a:t>
-            </a:r>
-            <a:r>
-              <a:rPr lang="de-DE" dirty="0" err="1"/>
-              <a:t>Appstart</a:t>
-            </a:r>
-            <a:endParaRPr lang="de-DE" dirty="0"/>
+              <a:t>Regulärer App-Start</a:t>
+            </a:r>
           </a:p>
           <a:p>
             <a:pPr marL="171450" indent="-171450">
@@ -3352,7 +3396,19 @@
           <a:p>
             <a:r>
               <a:rPr lang="de-DE" dirty="0"/>
-              <a:t>Ablaufbeschreibung: https://github.com/SJetz/EPWS2122JetzPettinger/wiki/Ablaufbeschreibungen</a:t>
+              <a:t>Ablaufbeschreibung: </a:t>
+            </a:r>
+          </a:p>
+          <a:p>
+            <a:r>
+              <a:rPr lang="de-DE" dirty="0"/>
+              <a:t>https://github.com/SJetz/EPWS2122JetzPettinger/wiki/Ablaufbeschreibungen</a:t>
+            </a:r>
+          </a:p>
+          <a:p>
+            <a:r>
+              <a:rPr lang="de-DE" dirty="0"/>
+              <a:t>https://github.com/SJetz/EPWS2122JetzPettinger/tree/main/Artefakte/Audit%204/FlowCharts</a:t>
             </a:r>
           </a:p>
           <a:p>
@@ -3417,6 +3473,24 @@
           <a:bodyPr/>
           <a:lstStyle/>
           <a:p>
+            <a:r>
+              <a:rPr lang="de-DE" dirty="0"/>
+              <a:t>Ablaufbeschreibung:</a:t>
+            </a:r>
+          </a:p>
+          <a:p>
+            <a:r>
+              <a:rPr lang="de-DE" dirty="0"/>
+              <a:t>https://github.com/SJetz/EPWS2122JetzPettinger/wiki/Ablaufbeschreibungen</a:t>
+            </a:r>
+          </a:p>
+          <a:p>
+            <a:r>
+              <a:rPr lang="de-DE" dirty="0"/>
+              <a:t>https://github.com/SJetz/EPWS2122JetzPettinger/tree/main/Artefakte/Audit%204/FlowCharts</a:t>
+            </a:r>
+          </a:p>
+          <a:p>
             <a:pPr marL="0" marR="0" lvl="0" indent="0" algn="l" defTabSz="457200" rtl="0" eaLnBrk="0" fontAlgn="base" latinLnBrk="0" hangingPunct="0">
               <a:lnSpc>
                 <a:spcPct val="100000"/>
@@ -3434,10 +3508,7 @@
               <a:tabLst/>
               <a:defRPr/>
             </a:pPr>
-            <a:r>
-              <a:rPr lang="de-DE" dirty="0"/>
-              <a:t>Ablaufbeschreibung: https://github.com/SJetz/EPWS2122JetzPettinger/wiki/Ablaufbeschreibungen</a:t>
-            </a:r>
+            <a:endParaRPr lang="de-DE" dirty="0"/>
           </a:p>
           <a:p>
             <a:pPr marL="0" marR="0" lvl="0" indent="0" algn="l" defTabSz="457200" rtl="0" eaLnBrk="0" fontAlgn="base" latinLnBrk="0" hangingPunct="0">
@@ -3457,29 +3528,9 @@
               <a:tabLst/>
               <a:defRPr/>
             </a:pPr>
-            <a:endParaRPr lang="de-DE" dirty="0"/>
-          </a:p>
-          <a:p>
-            <a:pPr marL="0" marR="0" lvl="0" indent="0" algn="l" defTabSz="457200" rtl="0" eaLnBrk="0" fontAlgn="base" latinLnBrk="0" hangingPunct="0">
-              <a:lnSpc>
-                <a:spcPct val="100000"/>
-              </a:lnSpc>
-              <a:spcBef>
-                <a:spcPct val="30000"/>
-              </a:spcBef>
-              <a:spcAft>
-                <a:spcPct val="0"/>
-              </a:spcAft>
-              <a:buClrTx/>
-              <a:buSzTx/>
-              <a:buFontTx/>
-              <a:buNone/>
-              <a:tabLst/>
-              <a:defRPr/>
-            </a:pPr>
             <a:r>
               <a:rPr lang="de-DE" dirty="0"/>
-              <a:t>Dieser Ablauf wird in der Ablaufbeschreibung unter dem Punkt regulärer Ablauf beschrieben.</a:t>
+              <a:t>Dieser Ablauf wird in der Ablaufbeschreibung unter dem Punkt „regulärer Ablauf“ beschrieben.</a:t>
             </a:r>
           </a:p>
           <a:p>
@@ -3546,7 +3597,19 @@
           <a:p>
             <a:r>
               <a:rPr lang="de-DE" dirty="0"/>
-              <a:t>Ablaufbeschreibung: https://github.com/SJetz/EPWS2122JetzPettinger/wiki/Ablaufbeschreibungen</a:t>
+              <a:t>Ablaufbeschreibung: </a:t>
+            </a:r>
+          </a:p>
+          <a:p>
+            <a:r>
+              <a:rPr lang="de-DE" dirty="0"/>
+              <a:t>https://github.com/SJetz/EPWS2122JetzPettinger/wiki/Ablaufbeschreibungen</a:t>
+            </a:r>
+          </a:p>
+          <a:p>
+            <a:r>
+              <a:rPr lang="de-DE" dirty="0"/>
+              <a:t>https://github.com/SJetz/EPWS2122JetzPettinger/tree/main/Artefakte/Audit%204/FlowCharts</a:t>
             </a:r>
           </a:p>
           <a:p>
@@ -3613,7 +3676,34 @@
           <a:p>
             <a:r>
               <a:rPr lang="de-DE" dirty="0"/>
-              <a:t>Ablaufbeschreibung: https://github.com/SJetz/EPWS2122JetzPettinger/wiki/Ablaufbeschreibungen</a:t>
+              <a:t>Admin = Betreuer</a:t>
+            </a:r>
+          </a:p>
+          <a:p>
+            <a:r>
+              <a:rPr lang="de-DE" dirty="0"/>
+              <a:t>User = zu betreuende Person</a:t>
+            </a:r>
+          </a:p>
+          <a:p>
+            <a:endParaRPr lang="de-DE" dirty="0"/>
+          </a:p>
+          <a:p>
+            <a:r>
+              <a:rPr lang="de-DE" dirty="0"/>
+              <a:t>Ablaufbeschreibung: </a:t>
+            </a:r>
+          </a:p>
+          <a:p>
+            <a:r>
+              <a:rPr lang="de-DE" dirty="0"/>
+              <a:t>https://github.com/SJetz/EPWS2122JetzPettinger/wiki/Ablaufbeschreibungen</a:t>
+            </a:r>
+          </a:p>
+          <a:p>
+            <a:r>
+              <a:rPr lang="de-DE" dirty="0"/>
+              <a:t>https://github.com/SJetz/EPWS2122JetzPettinger/tree/main/Artefakte/Audit%204/FlowCharts</a:t>
             </a:r>
           </a:p>
           <a:p>
@@ -3635,7 +3725,7 @@
             </a:pPr>
             <a:r>
               <a:rPr lang="de-DE" dirty="0"/>
-              <a:t>Mit der Warenkorb-Liste kann der Betreute direkt nach seinem Produkt suchen</a:t>
+              <a:t>Mit der Warenkorb-Liste kann der Betreute beim Einkaufen direkt nach seinem Produkt suchen</a:t>
             </a:r>
           </a:p>
           <a:p>
@@ -3727,7 +3817,19 @@
             </a:br>
             <a:r>
               <a:rPr lang="de-DE" dirty="0"/>
-              <a:t>Ablaufbeschreibung: https://github.com/SJetz/EPWS2122JetzPettinger/wiki/Ablaufbeschreibungen</a:t>
+              <a:t>Ablaufbeschreibung: </a:t>
+            </a:r>
+          </a:p>
+          <a:p>
+            <a:r>
+              <a:rPr lang="de-DE" dirty="0"/>
+              <a:t>https://github.com/SJetz/EPWS2122JetzPettinger/wiki/Ablaufbeschreibungen</a:t>
+            </a:r>
+          </a:p>
+          <a:p>
+            <a:r>
+              <a:rPr lang="de-DE" dirty="0"/>
+              <a:t>https://github.com/SJetz/EPWS2122JetzPettinger/tree/main/Artefakte/Audit%204/FlowCharts</a:t>
             </a:r>
           </a:p>
           <a:p>
@@ -3841,7 +3943,19 @@
           <a:p>
             <a:r>
               <a:rPr lang="de-DE" dirty="0"/>
-              <a:t>Ablaufbeschreibung: https://github.com/SJetz/EPWS2122JetzPettinger/wiki/Ablaufbeschreibungen</a:t>
+              <a:t>Ablaufbeschreibung: </a:t>
+            </a:r>
+          </a:p>
+          <a:p>
+            <a:r>
+              <a:rPr lang="de-DE" dirty="0"/>
+              <a:t>https://github.com/SJetz/EPWS2122JetzPettinger/wiki/Ablaufbeschreibungen</a:t>
+            </a:r>
+          </a:p>
+          <a:p>
+            <a:r>
+              <a:rPr lang="de-DE" dirty="0"/>
+              <a:t>https://github.com/SJetz/EPWS2122JetzPettinger/tree/main/Artefakte/Audit%204/FlowCharts</a:t>
             </a:r>
           </a:p>
           <a:p>
@@ -4069,7 +4183,7 @@
               <a:pPr>
                 <a:defRPr/>
               </a:pPr>
-              <a:t>19.02.2022</a:t>
+              <a:t>20.02.2022</a:t>
             </a:fld>
             <a:endParaRPr lang="de-DE" dirty="0"/>
           </a:p>
@@ -4406,7 +4520,7 @@
               <a:pPr>
                 <a:defRPr/>
               </a:pPr>
-              <a:t>19.02.2022</a:t>
+              <a:t>20.02.2022</a:t>
             </a:fld>
             <a:endParaRPr lang="de-DE" dirty="0"/>
           </a:p>
@@ -4806,7 +4920,7 @@
               <a:pPr>
                 <a:defRPr/>
               </a:pPr>
-              <a:t>19.02.2022</a:t>
+              <a:t>20.02.2022</a:t>
             </a:fld>
             <a:endParaRPr lang="de-DE" dirty="0"/>
           </a:p>
@@ -5360,7 +5474,7 @@
               <a:pPr>
                 <a:defRPr/>
               </a:pPr>
-              <a:t>19.02.2022</a:t>
+              <a:t>20.02.2022</a:t>
             </a:fld>
             <a:endParaRPr lang="de-DE" dirty="0"/>
           </a:p>
@@ -5792,7 +5906,7 @@
               <a:pPr>
                 <a:defRPr/>
               </a:pPr>
-              <a:t>19.02.2022</a:t>
+              <a:t>20.02.2022</a:t>
             </a:fld>
             <a:endParaRPr lang="de-DE" dirty="0"/>
           </a:p>
@@ -5887,7 +6001,7 @@
               <a:pPr>
                 <a:defRPr/>
               </a:pPr>
-              <a:t>19.02.2022</a:t>
+              <a:t>20.02.2022</a:t>
             </a:fld>
             <a:endParaRPr lang="de-DE" dirty="0"/>
           </a:p>
@@ -6855,7 +6969,7 @@
               <a:pPr>
                 <a:defRPr/>
               </a:pPr>
-              <a:t>19.02.2022</a:t>
+              <a:t>20.02.2022</a:t>
             </a:fld>
             <a:endParaRPr lang="de-DE" dirty="0"/>
           </a:p>
@@ -8316,7 +8430,7 @@
               <a:pPr>
                 <a:defRPr/>
               </a:pPr>
-              <a:t>19.02.2022</a:t>
+              <a:t>20.02.2022</a:t>
             </a:fld>
             <a:endParaRPr lang="de-DE" dirty="0"/>
           </a:p>
@@ -9707,7 +9821,7 @@
               <a:pPr>
                 <a:defRPr/>
               </a:pPr>
-              <a:t>19.02.2022</a:t>
+              <a:t>20.02.2022</a:t>
             </a:fld>
             <a:endParaRPr lang="de-DE" dirty="0"/>
           </a:p>
@@ -9883,7 +9997,7 @@
               <a:rPr lang="de-DE" sz="1600" dirty="0">
                 <a:latin typeface="Corbel" panose="020B0503020204020204" pitchFamily="34" charset="0"/>
               </a:rPr>
-              <a:t>Admin erhält nach Klick auf User einen Dialog.</a:t>
+              <a:t>Admin erhält nach Klick auf User einen Dialog</a:t>
             </a:r>
           </a:p>
           <a:p>
@@ -9896,7 +10010,7 @@
                 <a:latin typeface="Corbel" panose="020B0503020204020204" pitchFamily="34" charset="0"/>
                 <a:sym typeface="Wingdings" panose="05000000000000000000" pitchFamily="2" charset="2"/>
               </a:rPr>
-              <a:t>Hier kann er den User wechseln, bearbeiten oder Löschen.</a:t>
+              <a:t>Hier kann er den User wechseln, bearbeiten oder löschen</a:t>
             </a:r>
           </a:p>
           <a:p>
@@ -9937,7 +10051,7 @@
                 <a:latin typeface="Corbel" panose="020B0503020204020204" pitchFamily="34" charset="0"/>
                 <a:sym typeface="Wingdings" panose="05000000000000000000" pitchFamily="2" charset="2"/>
               </a:rPr>
-              <a:t> wird geladen.</a:t>
+              <a:t> wird geladen</a:t>
             </a:r>
           </a:p>
           <a:p>
@@ -9964,7 +10078,7 @@
                 <a:latin typeface="Corbel" panose="020B0503020204020204" pitchFamily="34" charset="0"/>
                 <a:sym typeface="Wingdings" panose="05000000000000000000" pitchFamily="2" charset="2"/>
               </a:rPr>
-              <a:t> wird leicht abgeändert geladen.</a:t>
+              <a:t> wird leicht abgeändert geladen</a:t>
             </a:r>
             <a:br>
               <a:rPr lang="de-DE" sz="1600" dirty="0">
@@ -10084,7 +10198,7 @@
                 <a:latin typeface="Corbel" panose="020B0503020204020204" pitchFamily="34" charset="0"/>
                 <a:sym typeface="Wingdings" panose="05000000000000000000" pitchFamily="2" charset="2"/>
               </a:rPr>
-              <a:t> 	   aufgefordert einen neuen User anzulegen.</a:t>
+              <a:t> 	   aufgefordert einen neuen User anzulegen</a:t>
             </a:r>
             <a:br>
               <a:rPr lang="de-DE" sz="1600" dirty="0">
@@ -10159,7 +10273,7 @@
               <a:pPr>
                 <a:defRPr/>
               </a:pPr>
-              <a:t>19.02.2022</a:t>
+              <a:t>20.02.2022</a:t>
             </a:fld>
             <a:endParaRPr lang="de-DE" dirty="0"/>
           </a:p>
@@ -10196,6 +10310,55 @@
               <a:t>10</a:t>
             </a:fld>
             <a:endParaRPr lang="de-DE"/>
+          </a:p>
+        </p:txBody>
+      </p:sp>
+      <p:sp>
+        <p:nvSpPr>
+          <p:cNvPr id="8" name="Textfeld 7">
+            <a:extLst>
+              <a:ext uri="{FF2B5EF4-FFF2-40B4-BE49-F238E27FC236}">
+                <a16:creationId xmlns:a16="http://schemas.microsoft.com/office/drawing/2014/main" id="{4B731DA0-1094-444D-8D0A-B99014A440E3}"/>
+              </a:ext>
+            </a:extLst>
+          </p:cNvPr>
+          <p:cNvSpPr txBox="1"/>
+          <p:nvPr/>
+        </p:nvSpPr>
+        <p:spPr>
+          <a:xfrm>
+            <a:off x="1863546" y="6331620"/>
+            <a:ext cx="5490290" cy="369332"/>
+          </a:xfrm>
+          <a:prstGeom prst="rect">
+            <a:avLst/>
+          </a:prstGeom>
+          <a:noFill/>
+        </p:spPr>
+        <p:txBody>
+          <a:bodyPr wrap="square" rtlCol="0">
+            <a:spAutoFit/>
+          </a:bodyPr>
+          <a:lstStyle/>
+          <a:p>
+            <a:r>
+              <a:rPr lang="de-DE" sz="900" dirty="0">
+                <a:latin typeface="Arial" panose="020B0604020202020204" pitchFamily="34" charset="0"/>
+                <a:cs typeface="Arial" panose="020B0604020202020204" pitchFamily="34" charset="0"/>
+                <a:hlinkClick r:id="rId4"/>
+              </a:rPr>
+              <a:t>https://github.com/SJetz/EPWS2122JetzPettinger/wiki/Ablaufbeschreibungen</a:t>
+            </a:r>
+            <a:endParaRPr lang="de-DE" sz="900" dirty="0">
+              <a:latin typeface="Arial" panose="020B0604020202020204" pitchFamily="34" charset="0"/>
+              <a:cs typeface="Arial" panose="020B0604020202020204" pitchFamily="34" charset="0"/>
+            </a:endParaRPr>
+          </a:p>
+          <a:p>
+            <a:endParaRPr lang="de-DE" sz="900" dirty="0">
+              <a:latin typeface="Arial" panose="020B0604020202020204" pitchFamily="34" charset="0"/>
+              <a:cs typeface="Arial" panose="020B0604020202020204" pitchFamily="34" charset="0"/>
+            </a:endParaRPr>
           </a:p>
         </p:txBody>
       </p:sp>
@@ -10313,7 +10476,7 @@
               <a:pPr>
                 <a:defRPr/>
               </a:pPr>
-              <a:t>19.02.2022</a:t>
+              <a:t>20.02.2022</a:t>
             </a:fld>
             <a:endParaRPr lang="de-DE" dirty="0"/>
           </a:p>
@@ -10378,6 +10541,85 @@
               <a:rPr lang="de-DE" dirty="0"/>
               <a:t>https://github.com/ppetting/EP_SJPP_Prototyp</a:t>
             </a:r>
+          </a:p>
+        </p:txBody>
+      </p:sp>
+      <p:pic>
+        <p:nvPicPr>
+          <p:cNvPr id="7" name="Grafik 6">
+            <a:extLst>
+              <a:ext uri="{FF2B5EF4-FFF2-40B4-BE49-F238E27FC236}">
+                <a16:creationId xmlns:a16="http://schemas.microsoft.com/office/drawing/2014/main" id="{FBDAF249-95E7-4C2C-88BD-D514BDB61A84}"/>
+              </a:ext>
+            </a:extLst>
+          </p:cNvPr>
+          <p:cNvPicPr>
+            <a:picLocks noChangeAspect="1"/>
+          </p:cNvPicPr>
+          <p:nvPr/>
+        </p:nvPicPr>
+        <p:blipFill>
+          <a:blip r:embed="rId3"/>
+          <a:stretch>
+            <a:fillRect/>
+          </a:stretch>
+        </p:blipFill>
+        <p:spPr>
+          <a:xfrm>
+            <a:off x="6231765" y="668782"/>
+            <a:ext cx="2592333" cy="5184665"/>
+          </a:xfrm>
+          <a:prstGeom prst="rect">
+            <a:avLst/>
+          </a:prstGeom>
+        </p:spPr>
+      </p:pic>
+      <p:sp>
+        <p:nvSpPr>
+          <p:cNvPr id="9" name="Textfeld 8">
+            <a:extLst>
+              <a:ext uri="{FF2B5EF4-FFF2-40B4-BE49-F238E27FC236}">
+                <a16:creationId xmlns:a16="http://schemas.microsoft.com/office/drawing/2014/main" id="{88F7DA7F-3574-472E-A086-E5AD81E8FF54}"/>
+              </a:ext>
+            </a:extLst>
+          </p:cNvPr>
+          <p:cNvSpPr txBox="1"/>
+          <p:nvPr/>
+        </p:nvSpPr>
+        <p:spPr>
+          <a:xfrm>
+            <a:off x="1863546" y="6331620"/>
+            <a:ext cx="5490290" cy="369332"/>
+          </a:xfrm>
+          <a:prstGeom prst="rect">
+            <a:avLst/>
+          </a:prstGeom>
+          <a:noFill/>
+        </p:spPr>
+        <p:txBody>
+          <a:bodyPr wrap="square" rtlCol="0">
+            <a:spAutoFit/>
+          </a:bodyPr>
+          <a:lstStyle/>
+          <a:p>
+            <a:r>
+              <a:rPr lang="de-DE" sz="900" dirty="0">
+                <a:latin typeface="Arial" panose="020B0604020202020204" pitchFamily="34" charset="0"/>
+                <a:cs typeface="Arial" panose="020B0604020202020204" pitchFamily="34" charset="0"/>
+                <a:hlinkClick r:id="rId4"/>
+              </a:rPr>
+              <a:t>https://github.com/ppetting/EP_SJPP_Prototyp</a:t>
+            </a:r>
+            <a:endParaRPr lang="de-DE" sz="900" dirty="0">
+              <a:latin typeface="Arial" panose="020B0604020202020204" pitchFamily="34" charset="0"/>
+              <a:cs typeface="Arial" panose="020B0604020202020204" pitchFamily="34" charset="0"/>
+            </a:endParaRPr>
+          </a:p>
+          <a:p>
+            <a:endParaRPr lang="de-DE" sz="900" dirty="0">
+              <a:latin typeface="Arial" panose="020B0604020202020204" pitchFamily="34" charset="0"/>
+              <a:cs typeface="Arial" panose="020B0604020202020204" pitchFamily="34" charset="0"/>
+            </a:endParaRPr>
           </a:p>
         </p:txBody>
       </p:sp>
@@ -10520,7 +10762,7 @@
                 <a:effectLst/>
                 <a:latin typeface="-apple-system"/>
               </a:rPr>
-              <a:t>Einen digitalen Einkaufsplaner, der das aktuelle Supermarktangebote in vereinfachter audiovisueller Form darstellt.</a:t>
+              <a:t>Einen digitalen Einkaufsplaner, der das aktuelle Supermarktangebote in vereinfachter audiovisueller Form darstellt</a:t>
             </a:r>
           </a:p>
           <a:p>
@@ -10652,7 +10894,7 @@
               <a:pPr>
                 <a:defRPr/>
               </a:pPr>
-              <a:t>19.02.2022</a:t>
+              <a:t>20.02.2022</a:t>
             </a:fld>
             <a:endParaRPr lang="de-DE" dirty="0"/>
           </a:p>
@@ -10689,6 +10931,52 @@
               <a:t>12</a:t>
             </a:fld>
             <a:endParaRPr lang="de-DE"/>
+          </a:p>
+        </p:txBody>
+      </p:sp>
+      <p:sp>
+        <p:nvSpPr>
+          <p:cNvPr id="7" name="Textfeld 6">
+            <a:extLst>
+              <a:ext uri="{FF2B5EF4-FFF2-40B4-BE49-F238E27FC236}">
+                <a16:creationId xmlns:a16="http://schemas.microsoft.com/office/drawing/2014/main" id="{C3BC9511-C166-48FB-BD8E-1841871E71D3}"/>
+              </a:ext>
+            </a:extLst>
+          </p:cNvPr>
+          <p:cNvSpPr txBox="1"/>
+          <p:nvPr/>
+        </p:nvSpPr>
+        <p:spPr>
+          <a:xfrm>
+            <a:off x="1863546" y="6331620"/>
+            <a:ext cx="5490290" cy="369332"/>
+          </a:xfrm>
+          <a:prstGeom prst="rect">
+            <a:avLst/>
+          </a:prstGeom>
+          <a:noFill/>
+        </p:spPr>
+        <p:txBody>
+          <a:bodyPr wrap="square" rtlCol="0">
+            <a:spAutoFit/>
+          </a:bodyPr>
+          <a:lstStyle/>
+          <a:p>
+            <a:r>
+              <a:rPr lang="de-DE" sz="900" dirty="0">
+                <a:latin typeface="Arial" panose="020B0604020202020204" pitchFamily="34" charset="0"/>
+                <a:cs typeface="Arial" panose="020B0604020202020204" pitchFamily="34" charset="0"/>
+                <a:hlinkClick r:id="rId3"/>
+              </a:rPr>
+              <a:t>https://github.com/SJetz/EPWS2122JetzPettinger</a:t>
+            </a:r>
+            <a:endParaRPr lang="de-DE" sz="900" dirty="0"/>
+          </a:p>
+          <a:p>
+            <a:endParaRPr lang="de-DE" sz="900" dirty="0">
+              <a:latin typeface="Arial" panose="020B0604020202020204" pitchFamily="34" charset="0"/>
+              <a:cs typeface="Arial" panose="020B0604020202020204" pitchFamily="34" charset="0"/>
+            </a:endParaRPr>
           </a:p>
         </p:txBody>
       </p:sp>
@@ -10819,7 +11107,7 @@
               <a:rPr lang="de-DE" sz="1600" dirty="0">
                 <a:latin typeface="-apple-system"/>
               </a:rPr>
-              <a:t>Einkaufszettel wird durch die App ersetzt und es können die in den Einkaufswagen gelegten Produkte entfernt werden</a:t>
+              <a:t>Einkaufszettel wird durch die App ersetzt und es können, die in den Einkaufswagen gelegten, Produkte entfernt werden</a:t>
             </a:r>
           </a:p>
           <a:p>
@@ -10874,7 +11162,7 @@
                 <a:effectLst/>
                 <a:latin typeface="-apple-system"/>
               </a:rPr>
-              <a:t>Nach einmaligen einstellen der App kann der Betreute ohne Hilfe seinen eigenen Einkauf planen </a:t>
+              <a:t>Nach einmaligen Einstellen der App kann der Betreute ohne Hilfe seinen eigenen Einkauf planen </a:t>
             </a:r>
             <a:r>
               <a:rPr lang="de-DE" sz="1600" b="0" i="0" dirty="0">
@@ -10959,7 +11247,7 @@
                 <a:effectLst/>
                 <a:latin typeface="-apple-system"/>
               </a:rPr>
-              <a:t>Es wurden nur Funktionen, die man auch aus andere Apps kennt genutzt</a:t>
+              <a:t>Es wurden nur Funktionen, die man auch aus andere Apps kennt, genutzt</a:t>
             </a:r>
           </a:p>
           <a:p>
@@ -11199,7 +11487,7 @@
               <a:rPr lang="de-DE" sz="1600" dirty="0">
                 <a:latin typeface="-apple-system"/>
               </a:rPr>
-              <a:t>Unmöglich die riesige Produktanzahl auf eine geringere Anzahl herunterzubrechen und zu vereinfachen, ohne dass der Betreuer das gesamte Sortiment aller Supermärkte durch gehen und davon etwas auswählen muss</a:t>
+              <a:t>Unmöglich die riesige Produktanzahl auf eine geringere Anzahl herunterzubrechen und zu vereinfachen, ohne dass der Betreuer das gesamte Sortiment aller Supermärkte durch geht und davon etwas auswählen muss</a:t>
             </a:r>
           </a:p>
           <a:p>
@@ -11411,35 +11699,34 @@
           </a:p>
         </p:txBody>
       </p:sp>
-      <p:sp>
-        <p:nvSpPr>
-          <p:cNvPr id="18" name="Inhaltsplatzhalter 17">
+      <p:pic>
+        <p:nvPicPr>
+          <p:cNvPr id="7" name="Inhaltsplatzhalter 6">
             <a:extLst>
               <a:ext uri="{FF2B5EF4-FFF2-40B4-BE49-F238E27FC236}">
-                <a16:creationId xmlns:a16="http://schemas.microsoft.com/office/drawing/2014/main" id="{29C102FF-5B5C-4AE3-A34C-6C250D62A372}"/>
+                <a16:creationId xmlns:a16="http://schemas.microsoft.com/office/drawing/2014/main" id="{FD1B5DA1-AB4A-4752-BE28-EB0099F2CE17}"/>
               </a:ext>
             </a:extLst>
           </p:cNvPr>
-          <p:cNvSpPr>
-            <a:spLocks noGrp="1"/>
-          </p:cNvSpPr>
+          <p:cNvPicPr>
+            <a:picLocks noGrp="1" noChangeAspect="1"/>
+          </p:cNvPicPr>
           <p:nvPr>
             <p:ph sz="quarter" idx="12"/>
           </p:nvPr>
-        </p:nvSpPr>
-        <p:spPr/>
-        <p:txBody>
-          <a:bodyPr/>
-          <a:lstStyle/>
-          <a:p>
-            <a:pPr algn="l"/>
-            <a:endParaRPr lang="de-DE" sz="1600" b="0" i="0" dirty="0">
-              <a:effectLst/>
-              <a:latin typeface="Corbel" panose="020B0503020204020204" pitchFamily="34" charset="0"/>
-            </a:endParaRPr>
-          </a:p>
-        </p:txBody>
-      </p:sp>
+        </p:nvPicPr>
+        <p:blipFill rotWithShape="1">
+          <a:blip r:embed="rId3"/>
+          <a:srcRect l="1127" r="1301"/>
+          <a:stretch/>
+        </p:blipFill>
+        <p:spPr>
+          <a:xfrm>
+            <a:off x="2794000" y="874089"/>
+            <a:ext cx="3549650" cy="5034510"/>
+          </a:xfrm>
+        </p:spPr>
+      </p:pic>
       <p:sp>
         <p:nvSpPr>
           <p:cNvPr id="2" name="Textplatzhalter 1">
@@ -11494,7 +11781,7 @@
               <a:pPr>
                 <a:defRPr/>
               </a:pPr>
-              <a:t>19.02.2022</a:t>
+              <a:t>20.02.2022</a:t>
             </a:fld>
             <a:endParaRPr lang="de-DE" dirty="0"/>
           </a:p>
@@ -11531,6 +11818,55 @@
               <a:t>2</a:t>
             </a:fld>
             <a:endParaRPr lang="de-DE"/>
+          </a:p>
+        </p:txBody>
+      </p:sp>
+      <p:sp>
+        <p:nvSpPr>
+          <p:cNvPr id="10" name="Textfeld 9">
+            <a:extLst>
+              <a:ext uri="{FF2B5EF4-FFF2-40B4-BE49-F238E27FC236}">
+                <a16:creationId xmlns:a16="http://schemas.microsoft.com/office/drawing/2014/main" id="{EB4A7764-CEB4-4030-8D52-A34D035E784B}"/>
+              </a:ext>
+            </a:extLst>
+          </p:cNvPr>
+          <p:cNvSpPr txBox="1"/>
+          <p:nvPr/>
+        </p:nvSpPr>
+        <p:spPr>
+          <a:xfrm>
+            <a:off x="1863546" y="6331620"/>
+            <a:ext cx="5490290" cy="369332"/>
+          </a:xfrm>
+          <a:prstGeom prst="rect">
+            <a:avLst/>
+          </a:prstGeom>
+          <a:noFill/>
+        </p:spPr>
+        <p:txBody>
+          <a:bodyPr wrap="square" rtlCol="0">
+            <a:spAutoFit/>
+          </a:bodyPr>
+          <a:lstStyle/>
+          <a:p>
+            <a:r>
+              <a:rPr lang="de-DE" sz="900" dirty="0">
+                <a:latin typeface="Arial" panose="020B0604020202020204" pitchFamily="34" charset="0"/>
+                <a:cs typeface="Arial" panose="020B0604020202020204" pitchFamily="34" charset="0"/>
+                <a:hlinkClick r:id="rId4"/>
+              </a:rPr>
+              <a:t>https://github.com/SJetz/EPWS2122JetzPettinger/blob/main/Artefakte/wissenschaftliches%20Poster.pdf</a:t>
+            </a:r>
+            <a:endParaRPr lang="de-DE" sz="900" dirty="0">
+              <a:latin typeface="Arial" panose="020B0604020202020204" pitchFamily="34" charset="0"/>
+              <a:cs typeface="Arial" panose="020B0604020202020204" pitchFamily="34" charset="0"/>
+            </a:endParaRPr>
+          </a:p>
+          <a:p>
+            <a:endParaRPr lang="de-DE" sz="900" dirty="0">
+              <a:latin typeface="Arial" panose="020B0604020202020204" pitchFamily="34" charset="0"/>
+              <a:cs typeface="Arial" panose="020B0604020202020204" pitchFamily="34" charset="0"/>
+            </a:endParaRPr>
           </a:p>
         </p:txBody>
       </p:sp>
@@ -11675,13 +12011,13 @@
               <a:rPr lang="de-DE" sz="1600" dirty="0" err="1">
                 <a:latin typeface="Corbel" panose="020B0503020204020204" pitchFamily="34" charset="0"/>
               </a:rPr>
-              <a:t>Flaganzahl</a:t>
+              <a:t>Flag</a:t>
             </a:r>
             <a:r>
               <a:rPr lang="de-DE" sz="1600" dirty="0">
                 <a:latin typeface="Corbel" panose="020B0503020204020204" pitchFamily="34" charset="0"/>
               </a:rPr>
-              <a:t> nicht überschritten wurde</a:t>
+              <a:t>-Anzahl nicht überschritten wurde</a:t>
             </a:r>
           </a:p>
           <a:p>
@@ -11797,7 +12133,7 @@
               <a:pPr>
                 <a:defRPr/>
               </a:pPr>
-              <a:t>19.02.2022</a:t>
+              <a:t>20.02.2022</a:t>
             </a:fld>
             <a:endParaRPr lang="de-DE" dirty="0"/>
           </a:p>
@@ -12086,13 +12422,13 @@
               <a:rPr lang="de-DE" sz="1600" dirty="0" err="1">
                 <a:latin typeface="Corbel" panose="020B0503020204020204" pitchFamily="34" charset="0"/>
               </a:rPr>
-              <a:t>Flaganzahlen</a:t>
+              <a:t>Flag</a:t>
             </a:r>
             <a:r>
               <a:rPr lang="de-DE" sz="1600" dirty="0">
                 <a:latin typeface="Corbel" panose="020B0503020204020204" pitchFamily="34" charset="0"/>
               </a:rPr>
-              <a:t> </a:t>
+              <a:t>-Anzahl </a:t>
             </a:r>
             <a:br>
               <a:rPr lang="de-DE" sz="1600" dirty="0">
@@ -12298,7 +12634,7 @@
               <a:pPr>
                 <a:defRPr/>
               </a:pPr>
-              <a:t>19.02.2022</a:t>
+              <a:t>20.02.2022</a:t>
             </a:fld>
             <a:endParaRPr lang="de-DE" dirty="0"/>
           </a:p>
@@ -12335,6 +12671,55 @@
               <a:t>4</a:t>
             </a:fld>
             <a:endParaRPr lang="de-DE"/>
+          </a:p>
+        </p:txBody>
+      </p:sp>
+      <p:sp>
+        <p:nvSpPr>
+          <p:cNvPr id="8" name="Textfeld 7">
+            <a:extLst>
+              <a:ext uri="{FF2B5EF4-FFF2-40B4-BE49-F238E27FC236}">
+                <a16:creationId xmlns:a16="http://schemas.microsoft.com/office/drawing/2014/main" id="{7A9F0702-7EC2-4A9D-8A24-1C0E0A8E76C9}"/>
+              </a:ext>
+            </a:extLst>
+          </p:cNvPr>
+          <p:cNvSpPr txBox="1"/>
+          <p:nvPr/>
+        </p:nvSpPr>
+        <p:spPr>
+          <a:xfrm>
+            <a:off x="1863546" y="6331620"/>
+            <a:ext cx="5490290" cy="369332"/>
+          </a:xfrm>
+          <a:prstGeom prst="rect">
+            <a:avLst/>
+          </a:prstGeom>
+          <a:noFill/>
+        </p:spPr>
+        <p:txBody>
+          <a:bodyPr wrap="square" rtlCol="0">
+            <a:spAutoFit/>
+          </a:bodyPr>
+          <a:lstStyle/>
+          <a:p>
+            <a:r>
+              <a:rPr lang="de-DE" sz="900" dirty="0">
+                <a:latin typeface="Arial" panose="020B0604020202020204" pitchFamily="34" charset="0"/>
+                <a:cs typeface="Arial" panose="020B0604020202020204" pitchFamily="34" charset="0"/>
+                <a:hlinkClick r:id="rId4"/>
+              </a:rPr>
+              <a:t>https://github.com/SJetz/EPWS2122JetzPettinger/wiki/Ablaufbeschreibungen</a:t>
+            </a:r>
+            <a:endParaRPr lang="de-DE" sz="900" dirty="0">
+              <a:latin typeface="Arial" panose="020B0604020202020204" pitchFamily="34" charset="0"/>
+              <a:cs typeface="Arial" panose="020B0604020202020204" pitchFamily="34" charset="0"/>
+            </a:endParaRPr>
+          </a:p>
+          <a:p>
+            <a:endParaRPr lang="de-DE" sz="900" dirty="0">
+              <a:latin typeface="Arial" panose="020B0604020202020204" pitchFamily="34" charset="0"/>
+              <a:cs typeface="Arial" panose="020B0604020202020204" pitchFamily="34" charset="0"/>
+            </a:endParaRPr>
           </a:p>
         </p:txBody>
       </p:sp>
@@ -12591,7 +12976,7 @@
               <a:pPr>
                 <a:defRPr/>
               </a:pPr>
-              <a:t>19.02.2022</a:t>
+              <a:t>20.02.2022</a:t>
             </a:fld>
             <a:endParaRPr lang="de-DE" dirty="0"/>
           </a:p>
@@ -12628,6 +13013,55 @@
               <a:t>5</a:t>
             </a:fld>
             <a:endParaRPr lang="de-DE"/>
+          </a:p>
+        </p:txBody>
+      </p:sp>
+      <p:sp>
+        <p:nvSpPr>
+          <p:cNvPr id="7" name="Textfeld 6">
+            <a:extLst>
+              <a:ext uri="{FF2B5EF4-FFF2-40B4-BE49-F238E27FC236}">
+                <a16:creationId xmlns:a16="http://schemas.microsoft.com/office/drawing/2014/main" id="{C8ABB3FB-8A65-472E-9B80-06FCE66BD66C}"/>
+              </a:ext>
+            </a:extLst>
+          </p:cNvPr>
+          <p:cNvSpPr txBox="1"/>
+          <p:nvPr/>
+        </p:nvSpPr>
+        <p:spPr>
+          <a:xfrm>
+            <a:off x="1863546" y="6331620"/>
+            <a:ext cx="5490290" cy="369332"/>
+          </a:xfrm>
+          <a:prstGeom prst="rect">
+            <a:avLst/>
+          </a:prstGeom>
+          <a:noFill/>
+        </p:spPr>
+        <p:txBody>
+          <a:bodyPr wrap="square" rtlCol="0">
+            <a:spAutoFit/>
+          </a:bodyPr>
+          <a:lstStyle/>
+          <a:p>
+            <a:r>
+              <a:rPr lang="de-DE" sz="900" dirty="0">
+                <a:latin typeface="Arial" panose="020B0604020202020204" pitchFamily="34" charset="0"/>
+                <a:cs typeface="Arial" panose="020B0604020202020204" pitchFamily="34" charset="0"/>
+                <a:hlinkClick r:id="rId3"/>
+              </a:rPr>
+              <a:t>https://github.com/SJetz/EPWS2122JetzPettinger/wiki/Ablaufbeschreibungen</a:t>
+            </a:r>
+            <a:endParaRPr lang="de-DE" sz="900" dirty="0">
+              <a:latin typeface="Arial" panose="020B0604020202020204" pitchFamily="34" charset="0"/>
+              <a:cs typeface="Arial" panose="020B0604020202020204" pitchFamily="34" charset="0"/>
+            </a:endParaRPr>
+          </a:p>
+          <a:p>
+            <a:endParaRPr lang="de-DE" sz="900" dirty="0">
+              <a:latin typeface="Arial" panose="020B0604020202020204" pitchFamily="34" charset="0"/>
+              <a:cs typeface="Arial" panose="020B0604020202020204" pitchFamily="34" charset="0"/>
+            </a:endParaRPr>
           </a:p>
         </p:txBody>
       </p:sp>
@@ -12869,7 +13303,7 @@
               <a:rPr lang="de-DE" sz="1600" dirty="0">
                 <a:latin typeface="Corbel" panose="020B0503020204020204" pitchFamily="34" charset="0"/>
               </a:rPr>
-              <a:t>	- Abgleich der Anzahl an Produkten mit dem </a:t>
+              <a:t>	- Abgleich der Anzahl an Produkten  der </a:t>
             </a:r>
             <a:br>
               <a:rPr lang="de-DE" sz="1600" dirty="0">
@@ -12880,7 +13314,7 @@
               <a:rPr lang="de-DE" sz="1600" dirty="0">
                 <a:latin typeface="Corbel" panose="020B0503020204020204" pitchFamily="34" charset="0"/>
               </a:rPr>
-              <a:t>        der entsprechenden </a:t>
+              <a:t>        entsprechenden </a:t>
             </a:r>
             <a:r>
               <a:rPr lang="de-DE" sz="1600" dirty="0" err="1">
@@ -12971,7 +13405,7 @@
               <a:rPr lang="de-DE" sz="1600" dirty="0">
                 <a:latin typeface="Corbel" panose="020B0503020204020204" pitchFamily="34" charset="0"/>
               </a:rPr>
-              <a:t>Wenn es nicht hinzugefügt werden darf, wird ein Soundhinweis und Toast ausgegeben. </a:t>
+              <a:t>Wenn es nicht hinzugefügt werden darf, wird ein Soundhinweis und Toast ausgegeben</a:t>
             </a:r>
           </a:p>
         </p:txBody>
@@ -13030,7 +13464,7 @@
               <a:pPr>
                 <a:defRPr/>
               </a:pPr>
-              <a:t>19.02.2022</a:t>
+              <a:t>20.02.2022</a:t>
             </a:fld>
             <a:endParaRPr lang="de-DE" dirty="0"/>
           </a:p>
@@ -13067,6 +13501,55 @@
               <a:t>6</a:t>
             </a:fld>
             <a:endParaRPr lang="de-DE"/>
+          </a:p>
+        </p:txBody>
+      </p:sp>
+      <p:sp>
+        <p:nvSpPr>
+          <p:cNvPr id="8" name="Textfeld 7">
+            <a:extLst>
+              <a:ext uri="{FF2B5EF4-FFF2-40B4-BE49-F238E27FC236}">
+                <a16:creationId xmlns:a16="http://schemas.microsoft.com/office/drawing/2014/main" id="{44328FF0-E09F-4E12-8893-B1BB9B2FD821}"/>
+              </a:ext>
+            </a:extLst>
+          </p:cNvPr>
+          <p:cNvSpPr txBox="1"/>
+          <p:nvPr/>
+        </p:nvSpPr>
+        <p:spPr>
+          <a:xfrm>
+            <a:off x="1863546" y="6331620"/>
+            <a:ext cx="5490290" cy="369332"/>
+          </a:xfrm>
+          <a:prstGeom prst="rect">
+            <a:avLst/>
+          </a:prstGeom>
+          <a:noFill/>
+        </p:spPr>
+        <p:txBody>
+          <a:bodyPr wrap="square" rtlCol="0">
+            <a:spAutoFit/>
+          </a:bodyPr>
+          <a:lstStyle/>
+          <a:p>
+            <a:r>
+              <a:rPr lang="de-DE" sz="900" dirty="0">
+                <a:latin typeface="Arial" panose="020B0604020202020204" pitchFamily="34" charset="0"/>
+                <a:cs typeface="Arial" panose="020B0604020202020204" pitchFamily="34" charset="0"/>
+                <a:hlinkClick r:id="rId4"/>
+              </a:rPr>
+              <a:t>https://github.com/SJetz/EPWS2122JetzPettinger/wiki/Ablaufbeschreibungen</a:t>
+            </a:r>
+            <a:endParaRPr lang="de-DE" sz="900" dirty="0">
+              <a:latin typeface="Arial" panose="020B0604020202020204" pitchFamily="34" charset="0"/>
+              <a:cs typeface="Arial" panose="020B0604020202020204" pitchFamily="34" charset="0"/>
+            </a:endParaRPr>
+          </a:p>
+          <a:p>
+            <a:endParaRPr lang="de-DE" sz="900" dirty="0">
+              <a:latin typeface="Arial" panose="020B0604020202020204" pitchFamily="34" charset="0"/>
+              <a:cs typeface="Arial" panose="020B0604020202020204" pitchFamily="34" charset="0"/>
+            </a:endParaRPr>
           </a:p>
         </p:txBody>
       </p:sp>
@@ -13206,7 +13689,7 @@
               <a:rPr lang="de-DE" sz="1600" dirty="0">
                 <a:latin typeface="Corbel" panose="020B0503020204020204" pitchFamily="34" charset="0"/>
               </a:rPr>
-              <a:t>Es gibt die Entscheidung, ob einzelne Produkte oder der gesamte Warenkorb gelöscht werden soll.</a:t>
+              <a:t>Entscheidung, ob einzelne Produkte oder der gesamte Warenkorb gelöscht werden soll</a:t>
             </a:r>
           </a:p>
           <a:p>
@@ -13218,7 +13701,7 @@
               <a:rPr lang="de-DE" sz="1600" dirty="0">
                 <a:latin typeface="Corbel" panose="020B0503020204020204" pitchFamily="34" charset="0"/>
               </a:rPr>
-              <a:t>Falls der gesamte Warenkorb gelöscht wird, erscheint dem User ein Dialog, ob er das wirklich möchte.</a:t>
+              <a:t>Falls der gesamte Warenkorb gelöscht wird, erscheint dem User ein Dialog, die Funktion ausgeführt werden soll</a:t>
             </a:r>
             <a:br>
               <a:rPr lang="de-DE" sz="1600" dirty="0">
@@ -13276,7 +13759,7 @@
               <a:rPr lang="de-DE" sz="1600" dirty="0">
                 <a:latin typeface="Corbel" panose="020B0503020204020204" pitchFamily="34" charset="0"/>
               </a:rPr>
-              <a:t> Tabelle nur das durch Buttondruck ausgewählte Produkt.</a:t>
+              <a:t> Tabelle nur das durch Buttondruck ausgewählte Produkt</a:t>
             </a:r>
             <a:br>
               <a:rPr lang="de-DE" sz="1600" dirty="0">
@@ -13331,7 +13814,7 @@
               <a:rPr lang="de-DE" sz="1600" dirty="0">
                 <a:latin typeface="Corbel" panose="020B0503020204020204" pitchFamily="34" charset="0"/>
               </a:rPr>
-              <a:t>       entfernt, dabei wird auch eine Animation </a:t>
+              <a:t>        entfernt, dabei wird auch eine Animation </a:t>
             </a:r>
             <a:br>
               <a:rPr lang="de-DE" sz="1600" dirty="0">
@@ -13342,7 +13825,7 @@
               <a:rPr lang="de-DE" sz="1600" dirty="0">
                 <a:latin typeface="Corbel" panose="020B0503020204020204" pitchFamily="34" charset="0"/>
               </a:rPr>
-              <a:t>       ausgeführt</a:t>
+              <a:t>        ausgeführt</a:t>
             </a:r>
           </a:p>
         </p:txBody>
@@ -13401,7 +13884,7 @@
               <a:pPr>
                 <a:defRPr/>
               </a:pPr>
-              <a:t>19.02.2022</a:t>
+              <a:t>20.02.2022</a:t>
             </a:fld>
             <a:endParaRPr lang="de-DE" dirty="0"/>
           </a:p>
@@ -13438,6 +13921,55 @@
               <a:t>7</a:t>
             </a:fld>
             <a:endParaRPr lang="de-DE"/>
+          </a:p>
+        </p:txBody>
+      </p:sp>
+      <p:sp>
+        <p:nvSpPr>
+          <p:cNvPr id="8" name="Textfeld 7">
+            <a:extLst>
+              <a:ext uri="{FF2B5EF4-FFF2-40B4-BE49-F238E27FC236}">
+                <a16:creationId xmlns:a16="http://schemas.microsoft.com/office/drawing/2014/main" id="{7AACDEA9-86CC-4AD0-8454-91B4ADE2E05C}"/>
+              </a:ext>
+            </a:extLst>
+          </p:cNvPr>
+          <p:cNvSpPr txBox="1"/>
+          <p:nvPr/>
+        </p:nvSpPr>
+        <p:spPr>
+          <a:xfrm>
+            <a:off x="1863546" y="6331620"/>
+            <a:ext cx="5490290" cy="369332"/>
+          </a:xfrm>
+          <a:prstGeom prst="rect">
+            <a:avLst/>
+          </a:prstGeom>
+          <a:noFill/>
+        </p:spPr>
+        <p:txBody>
+          <a:bodyPr wrap="square" rtlCol="0">
+            <a:spAutoFit/>
+          </a:bodyPr>
+          <a:lstStyle/>
+          <a:p>
+            <a:r>
+              <a:rPr lang="de-DE" sz="900" dirty="0">
+                <a:latin typeface="Arial" panose="020B0604020202020204" pitchFamily="34" charset="0"/>
+                <a:cs typeface="Arial" panose="020B0604020202020204" pitchFamily="34" charset="0"/>
+                <a:hlinkClick r:id="rId4"/>
+              </a:rPr>
+              <a:t>https://github.com/SJetz/EPWS2122JetzPettinger/wiki/Ablaufbeschreibungen</a:t>
+            </a:r>
+            <a:endParaRPr lang="de-DE" sz="900" dirty="0">
+              <a:latin typeface="Arial" panose="020B0604020202020204" pitchFamily="34" charset="0"/>
+              <a:cs typeface="Arial" panose="020B0604020202020204" pitchFamily="34" charset="0"/>
+            </a:endParaRPr>
+          </a:p>
+          <a:p>
+            <a:endParaRPr lang="de-DE" sz="900" dirty="0">
+              <a:latin typeface="Arial" panose="020B0604020202020204" pitchFamily="34" charset="0"/>
+              <a:cs typeface="Arial" panose="020B0604020202020204" pitchFamily="34" charset="0"/>
+            </a:endParaRPr>
           </a:p>
         </p:txBody>
       </p:sp>
@@ -13589,7 +14121,7 @@
               <a:rPr lang="de-DE" sz="1600" dirty="0">
                 <a:latin typeface="Corbel" panose="020B0503020204020204" pitchFamily="34" charset="0"/>
               </a:rPr>
-              <a:t> gelangen.</a:t>
+              <a:t> gelangen</a:t>
             </a:r>
           </a:p>
           <a:p>
@@ -13601,7 +14133,7 @@
               <a:rPr lang="de-DE" sz="1600" dirty="0">
                 <a:latin typeface="Corbel" panose="020B0503020204020204" pitchFamily="34" charset="0"/>
               </a:rPr>
-              <a:t>Hier sieht er eine Liste mit allen Produkten, ihren Namen und Bilder.</a:t>
+              <a:t>Hier sieht er eine Liste mit allen Produkten, ihren Namen und Bilder</a:t>
             </a:r>
           </a:p>
           <a:p>
@@ -13613,7 +14145,7 @@
               <a:rPr lang="de-DE" sz="1600" dirty="0">
                 <a:latin typeface="Corbel" panose="020B0503020204020204" pitchFamily="34" charset="0"/>
               </a:rPr>
-              <a:t>Per Buttondruck kann er entsprechendes Bild verändern. </a:t>
+              <a:t>Per Buttondruck kann er entsprechendes Bild verändern </a:t>
             </a:r>
           </a:p>
           <a:p>
@@ -13637,7 +14169,7 @@
               <a:rPr lang="de-DE" sz="1600" dirty="0">
                 <a:latin typeface="Corbel" panose="020B0503020204020204" pitchFamily="34" charset="0"/>
               </a:rPr>
-              <a:t> seines Handys ein Bild auswählen. </a:t>
+              <a:t> seines Handys ein Bild auswählen</a:t>
             </a:r>
           </a:p>
           <a:p>
@@ -13649,7 +14181,7 @@
               <a:rPr lang="de-DE" sz="1600" dirty="0">
                 <a:latin typeface="Corbel" panose="020B0503020204020204" pitchFamily="34" charset="0"/>
               </a:rPr>
-              <a:t>Seine Auswahl muss nun bestätigt werden.</a:t>
+              <a:t>Seine Auswahl muss nun bestätigt werden</a:t>
             </a:r>
           </a:p>
           <a:p>
@@ -13661,31 +14193,19 @@
               <a:rPr lang="de-DE" sz="1600" dirty="0">
                 <a:latin typeface="Corbel" panose="020B0503020204020204" pitchFamily="34" charset="0"/>
               </a:rPr>
-              <a:t>Danach wird das Bild in der </a:t>
+              <a:t>Danach wird das Bild in der Sortiment-Tabelle hinterlegt und in allen anderen </a:t>
             </a:r>
             <a:r>
               <a:rPr lang="de-DE" sz="1600" dirty="0" err="1">
                 <a:latin typeface="Corbel" panose="020B0503020204020204" pitchFamily="34" charset="0"/>
               </a:rPr>
-              <a:t>Sortimenttabelle</a:t>
+              <a:t>Activities</a:t>
             </a:r>
             <a:r>
               <a:rPr lang="de-DE" sz="1600" dirty="0">
                 <a:latin typeface="Corbel" panose="020B0503020204020204" pitchFamily="34" charset="0"/>
               </a:rPr>
-              <a:t> hinterlegt und in allen anderen </a:t>
-            </a:r>
-            <a:r>
-              <a:rPr lang="de-DE" sz="1600" dirty="0" err="1">
-                <a:latin typeface="Corbel" panose="020B0503020204020204" pitchFamily="34" charset="0"/>
-              </a:rPr>
-              <a:t>Activities</a:t>
-            </a:r>
-            <a:r>
-              <a:rPr lang="de-DE" sz="1600" dirty="0">
-                <a:latin typeface="Corbel" panose="020B0503020204020204" pitchFamily="34" charset="0"/>
-              </a:rPr>
-              <a:t> von nun an genutzt.</a:t>
+              <a:t> von nun an genutzt</a:t>
             </a:r>
           </a:p>
         </p:txBody>
@@ -13744,7 +14264,7 @@
               <a:pPr>
                 <a:defRPr/>
               </a:pPr>
-              <a:t>19.02.2022</a:t>
+              <a:t>20.02.2022</a:t>
             </a:fld>
             <a:endParaRPr lang="de-DE" dirty="0"/>
           </a:p>
@@ -13781,6 +14301,55 @@
               <a:t>8</a:t>
             </a:fld>
             <a:endParaRPr lang="de-DE"/>
+          </a:p>
+        </p:txBody>
+      </p:sp>
+      <p:sp>
+        <p:nvSpPr>
+          <p:cNvPr id="8" name="Textfeld 7">
+            <a:extLst>
+              <a:ext uri="{FF2B5EF4-FFF2-40B4-BE49-F238E27FC236}">
+                <a16:creationId xmlns:a16="http://schemas.microsoft.com/office/drawing/2014/main" id="{D6E8188B-5D20-4893-9FFA-3AC3E828BF81}"/>
+              </a:ext>
+            </a:extLst>
+          </p:cNvPr>
+          <p:cNvSpPr txBox="1"/>
+          <p:nvPr/>
+        </p:nvSpPr>
+        <p:spPr>
+          <a:xfrm>
+            <a:off x="1863546" y="6331620"/>
+            <a:ext cx="5490290" cy="369332"/>
+          </a:xfrm>
+          <a:prstGeom prst="rect">
+            <a:avLst/>
+          </a:prstGeom>
+          <a:noFill/>
+        </p:spPr>
+        <p:txBody>
+          <a:bodyPr wrap="square" rtlCol="0">
+            <a:spAutoFit/>
+          </a:bodyPr>
+          <a:lstStyle/>
+          <a:p>
+            <a:r>
+              <a:rPr lang="de-DE" sz="900" dirty="0">
+                <a:latin typeface="Arial" panose="020B0604020202020204" pitchFamily="34" charset="0"/>
+                <a:cs typeface="Arial" panose="020B0604020202020204" pitchFamily="34" charset="0"/>
+                <a:hlinkClick r:id="rId4"/>
+              </a:rPr>
+              <a:t>https://github.com/SJetz/EPWS2122JetzPettinger/wiki/Ablaufbeschreibungen</a:t>
+            </a:r>
+            <a:endParaRPr lang="de-DE" sz="900" dirty="0">
+              <a:latin typeface="Arial" panose="020B0604020202020204" pitchFamily="34" charset="0"/>
+              <a:cs typeface="Arial" panose="020B0604020202020204" pitchFamily="34" charset="0"/>
+            </a:endParaRPr>
+          </a:p>
+          <a:p>
+            <a:endParaRPr lang="de-DE" sz="900" dirty="0">
+              <a:latin typeface="Arial" panose="020B0604020202020204" pitchFamily="34" charset="0"/>
+              <a:cs typeface="Arial" panose="020B0604020202020204" pitchFamily="34" charset="0"/>
+            </a:endParaRPr>
           </a:p>
         </p:txBody>
       </p:sp>
@@ -13963,7 +14532,7 @@
                 <a:latin typeface="Corbel" panose="020B0503020204020204" pitchFamily="34" charset="0"/>
                 <a:sym typeface="Wingdings" panose="05000000000000000000" pitchFamily="2" charset="2"/>
               </a:rPr>
-              <a:t>	- Diese Daten werden in der Usertabelle  </a:t>
+              <a:t>	- Diese Daten werden in der Userdaten-Tabelle  </a:t>
             </a:r>
             <a:br>
               <a:rPr lang="de-DE" sz="1600" dirty="0">
@@ -14101,7 +14670,7 @@
               <a:pPr>
                 <a:defRPr/>
               </a:pPr>
-              <a:t>19.02.2022</a:t>
+              <a:t>20.02.2022</a:t>
             </a:fld>
             <a:endParaRPr lang="de-DE" dirty="0"/>
           </a:p>
@@ -14138,6 +14707,55 @@
               <a:t>9</a:t>
             </a:fld>
             <a:endParaRPr lang="de-DE"/>
+          </a:p>
+        </p:txBody>
+      </p:sp>
+      <p:sp>
+        <p:nvSpPr>
+          <p:cNvPr id="8" name="Textfeld 7">
+            <a:extLst>
+              <a:ext uri="{FF2B5EF4-FFF2-40B4-BE49-F238E27FC236}">
+                <a16:creationId xmlns:a16="http://schemas.microsoft.com/office/drawing/2014/main" id="{91B256A3-E9BA-46BA-A83B-B08D50FA7241}"/>
+              </a:ext>
+            </a:extLst>
+          </p:cNvPr>
+          <p:cNvSpPr txBox="1"/>
+          <p:nvPr/>
+        </p:nvSpPr>
+        <p:spPr>
+          <a:xfrm>
+            <a:off x="1863546" y="6331620"/>
+            <a:ext cx="5490290" cy="369332"/>
+          </a:xfrm>
+          <a:prstGeom prst="rect">
+            <a:avLst/>
+          </a:prstGeom>
+          <a:noFill/>
+        </p:spPr>
+        <p:txBody>
+          <a:bodyPr wrap="square" rtlCol="0">
+            <a:spAutoFit/>
+          </a:bodyPr>
+          <a:lstStyle/>
+          <a:p>
+            <a:r>
+              <a:rPr lang="de-DE" sz="900" dirty="0">
+                <a:latin typeface="Arial" panose="020B0604020202020204" pitchFamily="34" charset="0"/>
+                <a:cs typeface="Arial" panose="020B0604020202020204" pitchFamily="34" charset="0"/>
+                <a:hlinkClick r:id="rId4"/>
+              </a:rPr>
+              <a:t>https://github.com/SJetz/EPWS2122JetzPettinger/wiki/Ablaufbeschreibungen</a:t>
+            </a:r>
+            <a:endParaRPr lang="de-DE" sz="900" dirty="0">
+              <a:latin typeface="Arial" panose="020B0604020202020204" pitchFamily="34" charset="0"/>
+              <a:cs typeface="Arial" panose="020B0604020202020204" pitchFamily="34" charset="0"/>
+            </a:endParaRPr>
+          </a:p>
+          <a:p>
+            <a:endParaRPr lang="de-DE" sz="900" dirty="0">
+              <a:latin typeface="Arial" panose="020B0604020202020204" pitchFamily="34" charset="0"/>
+              <a:cs typeface="Arial" panose="020B0604020202020204" pitchFamily="34" charset="0"/>
+            </a:endParaRPr>
           </a:p>
         </p:txBody>
       </p:sp>

--- a/Artefakte/Audit 4/Entwicklungsprojekt202122_PettingerJetz.pptx
+++ b/Artefakte/Audit 4/Entwicklungsprojekt202122_PettingerJetz.pptx
@@ -2537,9 +2537,10 @@
           </a:p>
           <a:p>
             <a:r>
-              <a:rPr lang="de-DE" dirty="0"/>
-              <a:t>Methodenerläuterung:</a:t>
-            </a:r>
+              <a:rPr lang="de-DE"/>
+              <a:t>Methodenerläuterung: https://github.com/SJetz/EPWS2122JetzPettinger/blob/main/Artefakte/Methodendokumentation.pdf</a:t>
+            </a:r>
+            <a:endParaRPr lang="de-DE" dirty="0"/>
           </a:p>
         </p:txBody>
       </p:sp>
